--- a/组会3.31GNN.pptx
+++ b/组会3.31GNN.pptx
@@ -5,7 +5,7 @@
     <p:sldMasterId id="2147483648" r:id="rId1"/>
   </p:sldMasterIdLst>
   <p:notesMasterIdLst>
-    <p:notesMasterId r:id="rId26"/>
+    <p:notesMasterId r:id="rId28"/>
   </p:notesMasterIdLst>
   <p:sldIdLst>
     <p:sldId id="256" r:id="rId2"/>
@@ -24,14 +24,16 @@
     <p:sldId id="370" r:id="rId15"/>
     <p:sldId id="367" r:id="rId16"/>
     <p:sldId id="371" r:id="rId17"/>
-    <p:sldId id="372" r:id="rId18"/>
-    <p:sldId id="373" r:id="rId19"/>
-    <p:sldId id="374" r:id="rId20"/>
-    <p:sldId id="376" r:id="rId21"/>
-    <p:sldId id="375" r:id="rId22"/>
-    <p:sldId id="361" r:id="rId23"/>
-    <p:sldId id="354" r:id="rId24"/>
-    <p:sldId id="321" r:id="rId25"/>
+    <p:sldId id="378" r:id="rId18"/>
+    <p:sldId id="372" r:id="rId19"/>
+    <p:sldId id="373" r:id="rId20"/>
+    <p:sldId id="374" r:id="rId21"/>
+    <p:sldId id="377" r:id="rId22"/>
+    <p:sldId id="376" r:id="rId23"/>
+    <p:sldId id="375" r:id="rId24"/>
+    <p:sldId id="379" r:id="rId25"/>
+    <p:sldId id="354" r:id="rId26"/>
+    <p:sldId id="321" r:id="rId27"/>
   </p:sldIdLst>
   <p:sldSz cx="12192000" cy="6858000"/>
   <p:notesSz cx="6858000" cy="9144000"/>
@@ -231,7 +233,7 @@
           <a:p>
             <a:fld id="{5F273A26-202E-431B-AD76-A5F023416F0D}" type="datetimeFigureOut">
               <a:rPr lang="zh-CN" altLang="en-US" smtClean="0"/>
-              <a:t>2022/3/25</a:t>
+              <a:t>2022/3/31</a:t>
             </a:fld>
             <a:endParaRPr lang="zh-CN" altLang="en-US"/>
           </a:p>
@@ -639,7 +641,7 @@
     </p:spTree>
     <p:extLst>
       <p:ext uri="{BB962C8B-B14F-4D97-AF65-F5344CB8AC3E}">
-        <p14:creationId xmlns:p14="http://schemas.microsoft.com/office/powerpoint/2010/main" val="3038573150"/>
+        <p14:creationId xmlns:p14="http://schemas.microsoft.com/office/powerpoint/2010/main" val="1595509098"/>
       </p:ext>
     </p:extLst>
   </p:cSld>
@@ -705,7 +707,7 @@
     </p:spTree>
     <p:extLst>
       <p:ext uri="{BB962C8B-B14F-4D97-AF65-F5344CB8AC3E}">
-        <p14:creationId xmlns:p14="http://schemas.microsoft.com/office/powerpoint/2010/main" val="418472550"/>
+        <p14:creationId xmlns:p14="http://schemas.microsoft.com/office/powerpoint/2010/main" val="3038573150"/>
       </p:ext>
     </p:extLst>
   </p:cSld>
@@ -771,7 +773,7 @@
     </p:spTree>
     <p:extLst>
       <p:ext uri="{BB962C8B-B14F-4D97-AF65-F5344CB8AC3E}">
-        <p14:creationId xmlns:p14="http://schemas.microsoft.com/office/powerpoint/2010/main" val="1443404861"/>
+        <p14:creationId xmlns:p14="http://schemas.microsoft.com/office/powerpoint/2010/main" val="418472550"/>
       </p:ext>
     </p:extLst>
   </p:cSld>
@@ -837,7 +839,7 @@
     </p:spTree>
     <p:extLst>
       <p:ext uri="{BB962C8B-B14F-4D97-AF65-F5344CB8AC3E}">
-        <p14:creationId xmlns:p14="http://schemas.microsoft.com/office/powerpoint/2010/main" val="1818559727"/>
+        <p14:creationId xmlns:p14="http://schemas.microsoft.com/office/powerpoint/2010/main" val="1443404861"/>
       </p:ext>
     </p:extLst>
   </p:cSld>
@@ -903,7 +905,7 @@
     </p:spTree>
     <p:extLst>
       <p:ext uri="{BB962C8B-B14F-4D97-AF65-F5344CB8AC3E}">
-        <p14:creationId xmlns:p14="http://schemas.microsoft.com/office/powerpoint/2010/main" val="3239832798"/>
+        <p14:creationId xmlns:p14="http://schemas.microsoft.com/office/powerpoint/2010/main" val="2927726983"/>
       </p:ext>
     </p:extLst>
   </p:cSld>
@@ -969,7 +971,73 @@
     </p:spTree>
     <p:extLst>
       <p:ext uri="{BB962C8B-B14F-4D97-AF65-F5344CB8AC3E}">
-        <p14:creationId xmlns:p14="http://schemas.microsoft.com/office/powerpoint/2010/main" val="783982165"/>
+        <p14:creationId xmlns:p14="http://schemas.microsoft.com/office/powerpoint/2010/main" val="1818559727"/>
+      </p:ext>
+    </p:extLst>
+  </p:cSld>
+  <p:clrMapOvr>
+    <a:masterClrMapping/>
+  </p:clrMapOvr>
+</p:notes>
+</file>
+
+<file path=ppt/notesSlides/notesSlide16.xml><?xml version="1.0" encoding="utf-8"?>
+<p:notes xmlns:a="http://schemas.openxmlformats.org/drawingml/2006/main" xmlns:r="http://schemas.openxmlformats.org/officeDocument/2006/relationships" xmlns:p="http://schemas.openxmlformats.org/presentationml/2006/main">
+  <p:cSld>
+    <p:spTree>
+      <p:nvGrpSpPr>
+        <p:cNvPr id="1" name=""/>
+        <p:cNvGrpSpPr/>
+        <p:nvPr/>
+      </p:nvGrpSpPr>
+      <p:grpSpPr>
+        <a:xfrm>
+          <a:off x="0" y="0"/>
+          <a:ext cx="0" cy="0"/>
+          <a:chOff x="0" y="0"/>
+          <a:chExt cx="0" cy="0"/>
+        </a:xfrm>
+      </p:grpSpPr>
+      <p:sp>
+        <p:nvSpPr>
+          <p:cNvPr id="2" name="幻灯片图像占位符 1"/>
+          <p:cNvSpPr>
+            <a:spLocks noGrp="1" noRot="1" noChangeAspect="1"/>
+          </p:cNvSpPr>
+          <p:nvPr>
+            <p:ph type="sldImg" idx="2"/>
+          </p:nvPr>
+        </p:nvSpPr>
+        <p:spPr>
+          <a:xfrm>
+            <a:off x="685800" y="1143000"/>
+            <a:ext cx="5486400" cy="3086100"/>
+          </a:xfrm>
+        </p:spPr>
+      </p:sp>
+      <p:sp>
+        <p:nvSpPr>
+          <p:cNvPr id="3" name="文本占位符 2"/>
+          <p:cNvSpPr>
+            <a:spLocks noGrp="1"/>
+          </p:cNvSpPr>
+          <p:nvPr>
+            <p:ph type="body" idx="3"/>
+          </p:nvPr>
+        </p:nvSpPr>
+        <p:spPr/>
+        <p:txBody>
+          <a:bodyPr/>
+          <a:lstStyle/>
+          <a:p>
+            <a:endParaRPr lang="zh-CN" altLang="en-US" dirty="0"/>
+          </a:p>
+        </p:txBody>
+      </p:sp>
+    </p:spTree>
+    <p:extLst>
+      <p:ext uri="{BB962C8B-B14F-4D97-AF65-F5344CB8AC3E}">
+        <p14:creationId xmlns:p14="http://schemas.microsoft.com/office/powerpoint/2010/main" val="3239832798"/>
       </p:ext>
     </p:extLst>
   </p:cSld>
@@ -1638,7 +1706,7 @@
           <a:p>
             <a:fld id="{D2DA14B7-EFA4-4552-9A35-108FC461037B}" type="datetime1">
               <a:rPr lang="zh-CN" altLang="en-US" smtClean="0"/>
-              <a:t>2022/3/25</a:t>
+              <a:t>2022/3/31</a:t>
             </a:fld>
             <a:endParaRPr lang="zh-CN" altLang="en-US"/>
           </a:p>
@@ -1810,7 +1878,7 @@
           <a:p>
             <a:fld id="{7B2AF473-7D85-46E5-818E-5B009CB9D0E2}" type="datetime1">
               <a:rPr lang="zh-CN" altLang="en-US" smtClean="0"/>
-              <a:t>2022/3/25</a:t>
+              <a:t>2022/3/31</a:t>
             </a:fld>
             <a:endParaRPr lang="zh-CN" altLang="en-US"/>
           </a:p>
@@ -1985,7 +2053,7 @@
           <a:p>
             <a:fld id="{3C4D3159-4E25-4F06-B17A-E551EA2A014F}" type="datetime1">
               <a:rPr lang="zh-CN" altLang="en-US" smtClean="0"/>
-              <a:t>2022/3/25</a:t>
+              <a:t>2022/3/31</a:t>
             </a:fld>
             <a:endParaRPr lang="zh-CN" altLang="en-US"/>
           </a:p>
@@ -2203,7 +2271,7 @@
           <a:p>
             <a:fld id="{25ED9F82-50BF-416A-84C5-BEBB50BB99AF}" type="datetime1">
               <a:rPr lang="zh-CN" altLang="en-US" smtClean="0"/>
-              <a:t>2022/3/25</a:t>
+              <a:t>2022/3/31</a:t>
             </a:fld>
             <a:endParaRPr lang="zh-CN" altLang="en-US"/>
           </a:p>
@@ -2586,7 +2654,7 @@
           <a:p>
             <a:fld id="{FE43C476-6102-4371-9CDB-C438C8C363FD}" type="datetime1">
               <a:rPr lang="zh-CN" altLang="en-US" smtClean="0"/>
-              <a:t>2022/3/25</a:t>
+              <a:t>2022/3/31</a:t>
             </a:fld>
             <a:endParaRPr lang="zh-CN" altLang="en-US"/>
           </a:p>
@@ -2820,7 +2888,7 @@
           <a:p>
             <a:fld id="{4F38462B-42B2-454F-A088-DB5E8117633F}" type="datetime1">
               <a:rPr lang="zh-CN" altLang="en-US" smtClean="0"/>
-              <a:t>2022/3/25</a:t>
+              <a:t>2022/3/31</a:t>
             </a:fld>
             <a:endParaRPr lang="zh-CN" altLang="en-US"/>
           </a:p>
@@ -3189,7 +3257,7 @@
           <a:p>
             <a:fld id="{189FC360-3D03-4AEF-8660-10EB205FCE15}" type="datetime1">
               <a:rPr lang="zh-CN" altLang="en-US" smtClean="0"/>
-              <a:t>2022/3/25</a:t>
+              <a:t>2022/3/31</a:t>
             </a:fld>
             <a:endParaRPr lang="zh-CN" altLang="en-US"/>
           </a:p>
@@ -3302,7 +3370,7 @@
           <a:p>
             <a:fld id="{858C2E6C-0097-4171-A137-E6260F915C38}" type="datetime1">
               <a:rPr lang="zh-CN" altLang="en-US" smtClean="0"/>
-              <a:t>2022/3/25</a:t>
+              <a:t>2022/3/31</a:t>
             </a:fld>
             <a:endParaRPr lang="zh-CN" altLang="en-US"/>
           </a:p>
@@ -3392,7 +3460,7 @@
           <a:p>
             <a:fld id="{7AFE4A2B-517A-41F3-86E1-CC0FE98B087F}" type="datetime1">
               <a:rPr lang="zh-CN" altLang="en-US" smtClean="0"/>
-              <a:t>2022/3/25</a:t>
+              <a:t>2022/3/31</a:t>
             </a:fld>
             <a:endParaRPr lang="zh-CN" altLang="en-US"/>
           </a:p>
@@ -3664,7 +3732,7 @@
           <a:p>
             <a:fld id="{6BC4A481-D110-4405-8D29-7F4C8B8C5605}" type="datetime1">
               <a:rPr lang="zh-CN" altLang="en-US" smtClean="0"/>
-              <a:t>2022/3/25</a:t>
+              <a:t>2022/3/31</a:t>
             </a:fld>
             <a:endParaRPr lang="zh-CN" altLang="en-US"/>
           </a:p>
@@ -3912,7 +3980,7 @@
           <a:p>
             <a:fld id="{DE264D7F-A3B6-4CE8-9A1A-A86D617CC5CF}" type="datetime1">
               <a:rPr lang="zh-CN" altLang="en-US" smtClean="0"/>
-              <a:t>2022/3/25</a:t>
+              <a:t>2022/3/31</a:t>
             </a:fld>
             <a:endParaRPr lang="zh-CN" altLang="en-US"/>
           </a:p>
@@ -4120,7 +4188,7 @@
           <a:p>
             <a:fld id="{C399469A-CC65-4820-8272-D84B923EF7A4}" type="datetime1">
               <a:rPr lang="zh-CN" altLang="en-US" smtClean="0"/>
-              <a:t>2022/3/25</a:t>
+              <a:t>2022/3/31</a:t>
             </a:fld>
             <a:endParaRPr lang="zh-CN" altLang="en-US"/>
           </a:p>
@@ -6511,8 +6579,8 @@
             </p:nvSpPr>
             <p:spPr>
               <a:xfrm>
-                <a:off x="577850" y="1260974"/>
-                <a:ext cx="10515600" cy="4698005"/>
+                <a:off x="577850" y="1260973"/>
+                <a:ext cx="10515600" cy="5460505"/>
               </a:xfrm>
             </p:spPr>
             <p:txBody>
@@ -6878,8 +6946,36 @@
                     <a:latin typeface="微软雅黑" panose="020B0503020204020204" pitchFamily="34" charset="-122"/>
                     <a:ea typeface="微软雅黑" panose="020B0503020204020204" pitchFamily="34" charset="-122"/>
                   </a:rPr>
-                  <a:t>C: inter layer connection, LR: learning rate, O: Optimizer Type</a:t>
+                  <a:t>C: inter layer connection, LR: learning rate, O: Optimizer </a:t>
                 </a:r>
+                <a:r>
+                  <a:rPr lang="en-US" altLang="zh-CN" sz="2900" dirty="0" smtClean="0">
+                    <a:latin typeface="微软雅黑" panose="020B0503020204020204" pitchFamily="34" charset="-122"/>
+                    <a:ea typeface="微软雅黑" panose="020B0503020204020204" pitchFamily="34" charset="-122"/>
+                  </a:rPr>
+                  <a:t>Type</a:t>
+                </a:r>
+              </a:p>
+              <a:p>
+                <a:pPr lvl="1"/>
+                <a:r>
+                  <a:rPr lang="en-US" altLang="zh-CN" sz="2900" dirty="0" err="1" smtClean="0">
+                    <a:latin typeface="微软雅黑" panose="020B0503020204020204" pitchFamily="34" charset="-122"/>
+                    <a:ea typeface="微软雅黑" panose="020B0503020204020204" pitchFamily="34" charset="-122"/>
+                  </a:rPr>
+                  <a:t>Purnning</a:t>
+                </a:r>
+                <a:r>
+                  <a:rPr lang="en-US" altLang="zh-CN" sz="2900" dirty="0" smtClean="0">
+                    <a:latin typeface="微软雅黑" panose="020B0503020204020204" pitchFamily="34" charset="-122"/>
+                    <a:ea typeface="微软雅黑" panose="020B0503020204020204" pitchFamily="34" charset="-122"/>
+                  </a:rPr>
+                  <a:t>: p</a:t>
+                </a:r>
+                <a:endParaRPr lang="en-US" altLang="zh-CN" sz="2900" dirty="0">
+                  <a:latin typeface="微软雅黑" panose="020B0503020204020204" pitchFamily="34" charset="-122"/>
+                  <a:ea typeface="微软雅黑" panose="020B0503020204020204" pitchFamily="34" charset="-122"/>
+                </a:endParaRPr>
               </a:p>
               <a:p>
                 <a:pPr marL="0" indent="0">
@@ -7650,6 +7746,20 @@
                   </a:rPr>
                   <a:t>chiplet</a:t>
                 </a:r>
+                <a:endParaRPr lang="en-US" altLang="zh-CN" sz="2600" dirty="0" smtClean="0">
+                  <a:latin typeface="微软雅黑" panose="020B0503020204020204" pitchFamily="34" charset="-122"/>
+                  <a:ea typeface="微软雅黑" panose="020B0503020204020204" pitchFamily="34" charset="-122"/>
+                </a:endParaRPr>
+              </a:p>
+              <a:p>
+                <a:pPr lvl="1"/>
+                <a:r>
+                  <a:rPr lang="en-US" altLang="zh-CN" sz="2600" dirty="0" smtClean="0">
+                    <a:latin typeface="微软雅黑" panose="020B0503020204020204" pitchFamily="34" charset="-122"/>
+                    <a:ea typeface="微软雅黑" panose="020B0503020204020204" pitchFamily="34" charset="-122"/>
+                  </a:rPr>
+                  <a:t>CIM type</a:t>
+                </a:r>
                 <a:endParaRPr lang="en-US" altLang="zh-CN" sz="2600" dirty="0">
                   <a:latin typeface="微软雅黑" panose="020B0503020204020204" pitchFamily="34" charset="-122"/>
                   <a:ea typeface="微软雅黑" panose="020B0503020204020204" pitchFamily="34" charset="-122"/>
@@ -7671,13 +7781,13 @@
             </p:nvSpPr>
             <p:spPr>
               <a:xfrm>
-                <a:off x="577850" y="1260974"/>
-                <a:ext cx="10515600" cy="4698005"/>
+                <a:off x="577850" y="1260973"/>
+                <a:ext cx="10515600" cy="5460505"/>
               </a:xfrm>
               <a:blipFill rotWithShape="0">
                 <a:blip r:embed="rId3"/>
                 <a:stretch>
-                  <a:fillRect t="-2594" b="-1038"/>
+                  <a:fillRect t="-2232"/>
                 </a:stretch>
               </a:blipFill>
             </p:spPr>
@@ -7794,7 +7904,7 @@
         </p:blipFill>
         <p:spPr>
           <a:xfrm flipH="1">
-            <a:off x="681355" y="2898006"/>
+            <a:off x="681355" y="3141075"/>
             <a:ext cx="243205" cy="243205"/>
           </a:xfrm>
           <a:prstGeom prst="rect">
@@ -7824,7 +7934,7 @@
         </p:blipFill>
         <p:spPr>
           <a:xfrm flipH="1">
-            <a:off x="675474" y="4403749"/>
+            <a:off x="675474" y="4646822"/>
             <a:ext cx="243205" cy="243205"/>
           </a:xfrm>
           <a:prstGeom prst="rect">
@@ -11266,8 +11376,38 @@
                     </m:sSub>
                   </m:oMath>
                 </a14:m>
-                <a:endParaRPr lang="en-US" altLang="zh-CN" sz="2200" i="1" dirty="0">
+                <a:endParaRPr lang="en-US" altLang="zh-CN" sz="2200" i="1" dirty="0" smtClean="0">
                   <a:latin typeface="Cambria Math" panose="02040503050406030204" pitchFamily="18" charset="0"/>
+                </a:endParaRPr>
+              </a:p>
+              <a:p>
+                <a:pPr marL="457200" lvl="1" indent="0">
+                  <a:buNone/>
+                </a:pPr>
+                <a:r>
+                  <a:rPr lang="en-US" altLang="zh-CN" sz="1800" dirty="0">
+                    <a:latin typeface="微软雅黑" panose="020B0503020204020204" pitchFamily="34" charset="-122"/>
+                    <a:ea typeface="微软雅黑" panose="020B0503020204020204" pitchFamily="34" charset="-122"/>
+                  </a:rPr>
+                  <a:t> </a:t>
+                </a:r>
+                <a:r>
+                  <a:rPr lang="zh-CN" altLang="en-US" sz="2800" dirty="0" smtClean="0">
+                    <a:latin typeface="微软雅黑" panose="020B0503020204020204" pitchFamily="34" charset="-122"/>
+                    <a:ea typeface="微软雅黑" panose="020B0503020204020204" pitchFamily="34" charset="-122"/>
+                  </a:rPr>
+                  <a:t>管</a:t>
+                </a:r>
+                <a:r>
+                  <a:rPr lang="zh-CN" altLang="en-US" sz="2800" dirty="0">
+                    <a:latin typeface="微软雅黑" panose="020B0503020204020204" pitchFamily="34" charset="-122"/>
+                    <a:ea typeface="微软雅黑" panose="020B0503020204020204" pitchFamily="34" charset="-122"/>
+                  </a:rPr>
+                  <a:t>脚约束</a:t>
+                </a:r>
+                <a:endParaRPr lang="en-US" altLang="zh-CN" sz="2800" dirty="0">
+                  <a:latin typeface="微软雅黑" panose="020B0503020204020204" pitchFamily="34" charset="-122"/>
+                  <a:ea typeface="微软雅黑" panose="020B0503020204020204" pitchFamily="34" charset="-122"/>
                 </a:endParaRPr>
               </a:p>
             </p:txBody>
@@ -11292,7 +11432,7 @@
               <a:blipFill rotWithShape="0">
                 <a:blip r:embed="rId3"/>
                 <a:stretch>
-                  <a:fillRect l="-812" t="-3113"/>
+                  <a:fillRect l="-812" t="-3113" b="-2594"/>
                 </a:stretch>
               </a:blipFill>
             </p:spPr>
@@ -11409,7 +11549,7 @@
         </p:blipFill>
         <p:spPr>
           <a:xfrm flipH="1">
-            <a:off x="681355" y="3347182"/>
+            <a:off x="676275" y="3057815"/>
             <a:ext cx="243205" cy="243205"/>
           </a:xfrm>
           <a:prstGeom prst="rect">
@@ -11439,7 +11579,37 @@
         </p:blipFill>
         <p:spPr>
           <a:xfrm flipH="1">
-            <a:off x="675474" y="4772715"/>
+            <a:off x="676275" y="4653080"/>
+            <a:ext cx="243205" cy="243205"/>
+          </a:xfrm>
+          <a:prstGeom prst="rect">
+            <a:avLst/>
+          </a:prstGeom>
+        </p:spPr>
+      </p:pic>
+      <p:pic>
+        <p:nvPicPr>
+          <p:cNvPr id="10" name="图片 9" descr="31393938393834313b31393939353234333bcbaed6e9d0ce"/>
+          <p:cNvPicPr>
+            <a:picLocks noChangeAspect="1"/>
+          </p:cNvPicPr>
+          <p:nvPr/>
+        </p:nvPicPr>
+        <p:blipFill>
+          <a:blip r:embed="rId4">
+            <a:extLst>
+              <a:ext uri="{96DAC541-7B7A-43D3-8B79-37D633B846F1}">
+                <asvg:svgBlip xmlns:asvg="http://schemas.microsoft.com/office/drawing/2016/SVG/main" xmlns="" r:embed="rId5"/>
+              </a:ext>
+            </a:extLst>
+          </a:blip>
+          <a:stretch>
+            <a:fillRect/>
+          </a:stretch>
+        </p:blipFill>
+        <p:spPr>
+          <a:xfrm flipH="1">
+            <a:off x="676274" y="5557835"/>
             <a:ext cx="243205" cy="243205"/>
           </a:xfrm>
           <a:prstGeom prst="rect">
@@ -17656,6 +17826,645 @@
           <a:chExt cx="0" cy="0"/>
         </a:xfrm>
       </p:grpSpPr>
+      <p:sp>
+        <p:nvSpPr>
+          <p:cNvPr id="2" name="标题 1"/>
+          <p:cNvSpPr>
+            <a:spLocks noGrp="1"/>
+          </p:cNvSpPr>
+          <p:nvPr>
+            <p:ph type="title"/>
+          </p:nvPr>
+        </p:nvSpPr>
+        <p:spPr/>
+        <p:txBody>
+          <a:bodyPr/>
+          <a:lstStyle/>
+          <a:p>
+            <a:r>
+              <a:rPr lang="en-US" altLang="zh-CN" b="1" dirty="0" smtClean="0"/>
+              <a:t>Constraints-</a:t>
+            </a:r>
+            <a:r>
+              <a:rPr lang="zh-CN" altLang="en-US" b="1" dirty="0"/>
+              <a:t>管</a:t>
+            </a:r>
+            <a:r>
+              <a:rPr lang="zh-CN" altLang="en-US" b="1" dirty="0" smtClean="0"/>
+              <a:t>脚约束</a:t>
+            </a:r>
+            <a:endParaRPr lang="zh-CN" altLang="en-US" b="1" dirty="0"/>
+          </a:p>
+        </p:txBody>
+      </p:sp>
+      <p:sp>
+        <p:nvSpPr>
+          <p:cNvPr id="11" name="灯片编号占位符 10"/>
+          <p:cNvSpPr>
+            <a:spLocks noGrp="1"/>
+          </p:cNvSpPr>
+          <p:nvPr>
+            <p:ph type="sldNum" sz="quarter" idx="12"/>
+          </p:nvPr>
+        </p:nvSpPr>
+        <p:spPr/>
+        <p:txBody>
+          <a:bodyPr/>
+          <a:lstStyle/>
+          <a:p>
+            <a:fld id="{C102C7BA-A18E-41F7-855F-B9281AA705A6}" type="slidenum">
+              <a:rPr lang="zh-CN" altLang="en-US" smtClean="0"/>
+              <a:t>17</a:t>
+            </a:fld>
+            <a:endParaRPr lang="zh-CN" altLang="en-US" dirty="0"/>
+          </a:p>
+        </p:txBody>
+      </p:sp>
+      <p:sp>
+        <p:nvSpPr>
+          <p:cNvPr id="18" name="内容占位符 2"/>
+          <p:cNvSpPr txBox="1">
+            <a:spLocks/>
+          </p:cNvSpPr>
+          <p:nvPr/>
+        </p:nvSpPr>
+        <p:spPr>
+          <a:xfrm>
+            <a:off x="885878" y="952821"/>
+            <a:ext cx="10364714" cy="4698005"/>
+          </a:xfrm>
+          <a:prstGeom prst="rect">
+            <a:avLst/>
+          </a:prstGeom>
+        </p:spPr>
+        <p:txBody>
+          <a:bodyPr vert="horz" lIns="91440" tIns="45720" rIns="91440" bIns="45720" rtlCol="0">
+            <a:normAutofit/>
+          </a:bodyPr>
+          <a:lstStyle>
+            <a:lvl1pPr marL="228600" indent="-228600" algn="l" defTabSz="914400" rtl="0" eaLnBrk="1" latinLnBrk="0" hangingPunct="1">
+              <a:lnSpc>
+                <a:spcPct val="90000"/>
+              </a:lnSpc>
+              <a:spcBef>
+                <a:spcPts val="1000"/>
+              </a:spcBef>
+              <a:buFont typeface="Arial" panose="020B0604020202020204" pitchFamily="34" charset="0"/>
+              <a:buChar char="•"/>
+              <a:defRPr sz="2800" kern="1200">
+                <a:solidFill>
+                  <a:schemeClr val="tx1"/>
+                </a:solidFill>
+                <a:latin typeface="黑体" panose="02010609060101010101" pitchFamily="49" charset="-122"/>
+                <a:ea typeface="黑体" panose="02010609060101010101" pitchFamily="49" charset="-122"/>
+                <a:cs typeface="+mn-cs"/>
+              </a:defRPr>
+            </a:lvl1pPr>
+            <a:lvl2pPr marL="685800" indent="-228600" algn="l" defTabSz="914400" rtl="0" eaLnBrk="1" latinLnBrk="0" hangingPunct="1">
+              <a:lnSpc>
+                <a:spcPct val="90000"/>
+              </a:lnSpc>
+              <a:spcBef>
+                <a:spcPts val="500"/>
+              </a:spcBef>
+              <a:buFont typeface="Arial" panose="020B0604020202020204" pitchFamily="34" charset="0"/>
+              <a:buChar char="•"/>
+              <a:defRPr sz="2400" kern="1200">
+                <a:solidFill>
+                  <a:schemeClr val="tx1"/>
+                </a:solidFill>
+                <a:latin typeface="黑体" panose="02010609060101010101" pitchFamily="49" charset="-122"/>
+                <a:ea typeface="黑体" panose="02010609060101010101" pitchFamily="49" charset="-122"/>
+                <a:cs typeface="+mn-cs"/>
+              </a:defRPr>
+            </a:lvl2pPr>
+            <a:lvl3pPr marL="1143000" indent="-228600" algn="l" defTabSz="914400" rtl="0" eaLnBrk="1" latinLnBrk="0" hangingPunct="1">
+              <a:lnSpc>
+                <a:spcPct val="90000"/>
+              </a:lnSpc>
+              <a:spcBef>
+                <a:spcPts val="500"/>
+              </a:spcBef>
+              <a:buFont typeface="Arial" panose="020B0604020202020204" pitchFamily="34" charset="0"/>
+              <a:buChar char="•"/>
+              <a:defRPr sz="2000" kern="1200">
+                <a:solidFill>
+                  <a:schemeClr val="tx1"/>
+                </a:solidFill>
+                <a:latin typeface="黑体" panose="02010609060101010101" pitchFamily="49" charset="-122"/>
+                <a:ea typeface="黑体" panose="02010609060101010101" pitchFamily="49" charset="-122"/>
+                <a:cs typeface="+mn-cs"/>
+              </a:defRPr>
+            </a:lvl3pPr>
+            <a:lvl4pPr marL="1600200" indent="-228600" algn="l" defTabSz="914400" rtl="0" eaLnBrk="1" latinLnBrk="0" hangingPunct="1">
+              <a:lnSpc>
+                <a:spcPct val="90000"/>
+              </a:lnSpc>
+              <a:spcBef>
+                <a:spcPts val="500"/>
+              </a:spcBef>
+              <a:buFont typeface="Arial" panose="020B0604020202020204" pitchFamily="34" charset="0"/>
+              <a:buChar char="•"/>
+              <a:defRPr sz="1800" kern="1200">
+                <a:solidFill>
+                  <a:schemeClr val="tx1"/>
+                </a:solidFill>
+                <a:latin typeface="黑体" panose="02010609060101010101" pitchFamily="49" charset="-122"/>
+                <a:ea typeface="黑体" panose="02010609060101010101" pitchFamily="49" charset="-122"/>
+                <a:cs typeface="+mn-cs"/>
+              </a:defRPr>
+            </a:lvl4pPr>
+            <a:lvl5pPr marL="2057400" indent="-228600" algn="l" defTabSz="914400" rtl="0" eaLnBrk="1" latinLnBrk="0" hangingPunct="1">
+              <a:lnSpc>
+                <a:spcPct val="90000"/>
+              </a:lnSpc>
+              <a:spcBef>
+                <a:spcPts val="500"/>
+              </a:spcBef>
+              <a:buFont typeface="Arial" panose="020B0604020202020204" pitchFamily="34" charset="0"/>
+              <a:buChar char="•"/>
+              <a:defRPr sz="1800" kern="1200">
+                <a:solidFill>
+                  <a:schemeClr val="tx1"/>
+                </a:solidFill>
+                <a:latin typeface="黑体" panose="02010609060101010101" pitchFamily="49" charset="-122"/>
+                <a:ea typeface="黑体" panose="02010609060101010101" pitchFamily="49" charset="-122"/>
+                <a:cs typeface="+mn-cs"/>
+              </a:defRPr>
+            </a:lvl5pPr>
+            <a:lvl6pPr marL="2514600" indent="-228600" algn="l" defTabSz="914400" rtl="0" eaLnBrk="1" latinLnBrk="0" hangingPunct="1">
+              <a:lnSpc>
+                <a:spcPct val="90000"/>
+              </a:lnSpc>
+              <a:spcBef>
+                <a:spcPts val="500"/>
+              </a:spcBef>
+              <a:buFont typeface="Arial" panose="020B0604020202020204" pitchFamily="34" charset="0"/>
+              <a:buChar char="•"/>
+              <a:defRPr sz="1800" kern="1200">
+                <a:solidFill>
+                  <a:schemeClr val="tx1"/>
+                </a:solidFill>
+                <a:latin typeface="+mn-lt"/>
+                <a:ea typeface="+mn-ea"/>
+                <a:cs typeface="+mn-cs"/>
+              </a:defRPr>
+            </a:lvl6pPr>
+            <a:lvl7pPr marL="2971800" indent="-228600" algn="l" defTabSz="914400" rtl="0" eaLnBrk="1" latinLnBrk="0" hangingPunct="1">
+              <a:lnSpc>
+                <a:spcPct val="90000"/>
+              </a:lnSpc>
+              <a:spcBef>
+                <a:spcPts val="500"/>
+              </a:spcBef>
+              <a:buFont typeface="Arial" panose="020B0604020202020204" pitchFamily="34" charset="0"/>
+              <a:buChar char="•"/>
+              <a:defRPr sz="1800" kern="1200">
+                <a:solidFill>
+                  <a:schemeClr val="tx1"/>
+                </a:solidFill>
+                <a:latin typeface="+mn-lt"/>
+                <a:ea typeface="+mn-ea"/>
+                <a:cs typeface="+mn-cs"/>
+              </a:defRPr>
+            </a:lvl7pPr>
+            <a:lvl8pPr marL="3429000" indent="-228600" algn="l" defTabSz="914400" rtl="0" eaLnBrk="1" latinLnBrk="0" hangingPunct="1">
+              <a:lnSpc>
+                <a:spcPct val="90000"/>
+              </a:lnSpc>
+              <a:spcBef>
+                <a:spcPts val="500"/>
+              </a:spcBef>
+              <a:buFont typeface="Arial" panose="020B0604020202020204" pitchFamily="34" charset="0"/>
+              <a:buChar char="•"/>
+              <a:defRPr sz="1800" kern="1200">
+                <a:solidFill>
+                  <a:schemeClr val="tx1"/>
+                </a:solidFill>
+                <a:latin typeface="+mn-lt"/>
+                <a:ea typeface="+mn-ea"/>
+                <a:cs typeface="+mn-cs"/>
+              </a:defRPr>
+            </a:lvl8pPr>
+            <a:lvl9pPr marL="3886200" indent="-228600" algn="l" defTabSz="914400" rtl="0" eaLnBrk="1" latinLnBrk="0" hangingPunct="1">
+              <a:lnSpc>
+                <a:spcPct val="90000"/>
+              </a:lnSpc>
+              <a:spcBef>
+                <a:spcPts val="500"/>
+              </a:spcBef>
+              <a:buFont typeface="Arial" panose="020B0604020202020204" pitchFamily="34" charset="0"/>
+              <a:buChar char="•"/>
+              <a:defRPr sz="1800" kern="1200">
+                <a:solidFill>
+                  <a:schemeClr val="tx1"/>
+                </a:solidFill>
+                <a:latin typeface="+mn-lt"/>
+                <a:ea typeface="+mn-ea"/>
+                <a:cs typeface="+mn-cs"/>
+              </a:defRPr>
+            </a:lvl9pPr>
+          </a:lstStyle>
+          <a:p>
+            <a:pPr marL="457200" lvl="1" indent="0">
+              <a:buNone/>
+            </a:pPr>
+            <a:r>
+              <a:rPr lang="en-US" altLang="zh-CN" sz="2800" dirty="0" smtClean="0">
+                <a:latin typeface="微软雅黑" panose="020B0503020204020204" pitchFamily="34" charset="-122"/>
+                <a:ea typeface="微软雅黑" panose="020B0503020204020204" pitchFamily="34" charset="-122"/>
+              </a:rPr>
+              <a:t>* Inter-chip data</a:t>
+            </a:r>
+          </a:p>
+          <a:p>
+            <a:pPr marL="457200" lvl="1" indent="0">
+              <a:buNone/>
+            </a:pPr>
+            <a:r>
+              <a:rPr lang="en-US" altLang="zh-CN" sz="2200" dirty="0" smtClean="0">
+                <a:latin typeface="Cambria Math" panose="02040503050406030204" pitchFamily="18" charset="0"/>
+              </a:rPr>
+              <a:t>2D</a:t>
+            </a:r>
+            <a:r>
+              <a:rPr lang="zh-CN" altLang="en-US" sz="2200" dirty="0" smtClean="0">
+                <a:latin typeface="Cambria Math" panose="02040503050406030204" pitchFamily="18" charset="0"/>
+              </a:rPr>
+              <a:t>封装</a:t>
+            </a:r>
+            <a:endParaRPr lang="en-US" altLang="zh-CN" sz="1800" dirty="0" smtClean="0">
+              <a:latin typeface="Cambria Math" panose="02040503050406030204" pitchFamily="18" charset="0"/>
+            </a:endParaRPr>
+          </a:p>
+          <a:p>
+            <a:pPr lvl="1"/>
+            <a:endParaRPr lang="en-US" altLang="zh-CN" sz="2200" dirty="0">
+              <a:latin typeface="Cambria Math" panose="02040503050406030204" pitchFamily="18" charset="0"/>
+            </a:endParaRPr>
+          </a:p>
+          <a:p>
+            <a:pPr marL="457200" lvl="1" indent="0">
+              <a:buFont typeface="Arial" panose="020B0604020202020204" pitchFamily="34" charset="0"/>
+              <a:buNone/>
+            </a:pPr>
+            <a:endParaRPr lang="en-US" altLang="zh-CN" sz="2200" i="1" dirty="0" smtClean="0">
+              <a:latin typeface="Cambria Math" panose="02040503050406030204" pitchFamily="18" charset="0"/>
+            </a:endParaRPr>
+          </a:p>
+          <a:p>
+            <a:pPr marL="457200" lvl="1" indent="0">
+              <a:buFont typeface="Arial" panose="020B0604020202020204" pitchFamily="34" charset="0"/>
+              <a:buNone/>
+            </a:pPr>
+            <a:endParaRPr lang="en-US" altLang="zh-CN" sz="2200" i="1" dirty="0">
+              <a:latin typeface="Cambria Math" panose="02040503050406030204" pitchFamily="18" charset="0"/>
+            </a:endParaRPr>
+          </a:p>
+        </p:txBody>
+      </p:sp>
+      <p:pic>
+        <p:nvPicPr>
+          <p:cNvPr id="12" name="图片 11" descr="31393938393834313b31393939353234333bcbaed6e9d0ce"/>
+          <p:cNvPicPr>
+            <a:picLocks noChangeAspect="1"/>
+          </p:cNvPicPr>
+          <p:nvPr/>
+        </p:nvPicPr>
+        <p:blipFill>
+          <a:blip r:embed="rId3">
+            <a:extLst>
+              <a:ext uri="{96DAC541-7B7A-43D3-8B79-37D633B846F1}">
+                <asvg:svgBlip xmlns:asvg="http://schemas.microsoft.com/office/drawing/2016/SVG/main" xmlns="" r:embed="rId5"/>
+              </a:ext>
+            </a:extLst>
+          </a:blip>
+          <a:stretch>
+            <a:fillRect/>
+          </a:stretch>
+        </p:blipFill>
+        <p:spPr>
+          <a:xfrm flipH="1">
+            <a:off x="968447" y="1429284"/>
+            <a:ext cx="243205" cy="243205"/>
+          </a:xfrm>
+          <a:prstGeom prst="rect">
+            <a:avLst/>
+          </a:prstGeom>
+        </p:spPr>
+      </p:pic>
+      <p:pic>
+        <p:nvPicPr>
+          <p:cNvPr id="8" name="内容占位符 5">
+            <a:extLst>
+              <a:ext uri="{FF2B5EF4-FFF2-40B4-BE49-F238E27FC236}">
+                <a16:creationId xmlns="" xmlns:a16="http://schemas.microsoft.com/office/drawing/2014/main" id="{447128ED-25D0-4C8B-A5F2-B11D22DDF12E}"/>
+              </a:ext>
+            </a:extLst>
+          </p:cNvPr>
+          <p:cNvPicPr>
+            <a:picLocks noGrp="1" noChangeAspect="1"/>
+          </p:cNvPicPr>
+          <p:nvPr>
+            <p:ph idx="1"/>
+          </p:nvPr>
+        </p:nvPicPr>
+        <p:blipFill>
+          <a:blip r:embed="rId6"/>
+          <a:stretch>
+            <a:fillRect/>
+          </a:stretch>
+        </p:blipFill>
+        <p:spPr>
+          <a:xfrm>
+            <a:off x="885878" y="3784115"/>
+            <a:ext cx="7324435" cy="1091623"/>
+          </a:xfrm>
+        </p:spPr>
+      </p:pic>
+      <p:sp>
+        <p:nvSpPr>
+          <p:cNvPr id="9" name="文本框 8">
+            <a:extLst>
+              <a:ext uri="{FF2B5EF4-FFF2-40B4-BE49-F238E27FC236}">
+                <a16:creationId xmlns="" xmlns:a16="http://schemas.microsoft.com/office/drawing/2014/main" id="{8BB4513D-D992-4878-8397-C78F7CC83CB2}"/>
+              </a:ext>
+            </a:extLst>
+          </p:cNvPr>
+          <p:cNvSpPr txBox="1"/>
+          <p:nvPr/>
+        </p:nvSpPr>
+        <p:spPr>
+          <a:xfrm>
+            <a:off x="4053408" y="4979777"/>
+            <a:ext cx="1282723" cy="369332"/>
+          </a:xfrm>
+          <a:prstGeom prst="rect">
+            <a:avLst/>
+          </a:prstGeom>
+          <a:noFill/>
+        </p:spPr>
+        <p:txBody>
+          <a:bodyPr wrap="none" rtlCol="0">
+            <a:spAutoFit/>
+          </a:bodyPr>
+          <a:lstStyle/>
+          <a:p>
+            <a:r>
+              <a:rPr lang="zh-CN" altLang="en-US" dirty="0" smtClean="0"/>
+              <a:t>图 </a:t>
+            </a:r>
+            <a:r>
+              <a:rPr lang="en-US" altLang="zh-CN" dirty="0" smtClean="0"/>
+              <a:t>2D </a:t>
+            </a:r>
+            <a:r>
+              <a:rPr lang="zh-CN" altLang="en-US" dirty="0"/>
+              <a:t>封装</a:t>
+            </a:r>
+          </a:p>
+        </p:txBody>
+      </p:sp>
+      <p:graphicFrame>
+        <p:nvGraphicFramePr>
+          <p:cNvPr id="10" name="表格 11">
+            <a:extLst>
+              <a:ext uri="{FF2B5EF4-FFF2-40B4-BE49-F238E27FC236}">
+                <a16:creationId xmlns="" xmlns:a16="http://schemas.microsoft.com/office/drawing/2014/main" id="{829F9DB6-0F40-4672-A2E1-7048D143FB0C}"/>
+              </a:ext>
+            </a:extLst>
+          </p:cNvPr>
+          <p:cNvGraphicFramePr>
+            <a:graphicFrameLocks noGrp="1"/>
+          </p:cNvGraphicFramePr>
+          <p:nvPr>
+            <p:extLst>
+              <p:ext uri="{D42A27DB-BD31-4B8C-83A1-F6EECF244321}">
+                <p14:modId xmlns:p14="http://schemas.microsoft.com/office/powerpoint/2010/main" val="1869924376"/>
+              </p:ext>
+            </p:extLst>
+          </p:nvPr>
+        </p:nvGraphicFramePr>
+        <p:xfrm>
+          <a:off x="2835798" y="1483730"/>
+          <a:ext cx="4095750" cy="2011680"/>
+        </p:xfrm>
+        <a:graphic>
+          <a:graphicData uri="http://schemas.openxmlformats.org/drawingml/2006/table">
+            <a:tbl>
+              <a:tblPr firstRow="1" bandRow="1">
+                <a:tableStyleId>{5C22544A-7EE6-4342-B048-85BDC9FD1C3A}</a:tableStyleId>
+              </a:tblPr>
+              <a:tblGrid>
+                <a:gridCol w="2047875">
+                  <a:extLst>
+                    <a:ext uri="{9D8B030D-6E8A-4147-A177-3AD203B41FA5}">
+                      <a16:colId xmlns="" xmlns:a16="http://schemas.microsoft.com/office/drawing/2014/main" val="1746817451"/>
+                    </a:ext>
+                  </a:extLst>
+                </a:gridCol>
+                <a:gridCol w="2047875">
+                  <a:extLst>
+                    <a:ext uri="{9D8B030D-6E8A-4147-A177-3AD203B41FA5}">
+                      <a16:colId xmlns="" xmlns:a16="http://schemas.microsoft.com/office/drawing/2014/main" val="158916643"/>
+                    </a:ext>
+                  </a:extLst>
+                </a:gridCol>
+              </a:tblGrid>
+              <a:tr h="348098">
+                <a:tc gridSpan="2">
+                  <a:txBody>
+                    <a:bodyPr/>
+                    <a:lstStyle/>
+                    <a:p>
+                      <a:pPr algn="ctr"/>
+                      <a:r>
+                        <a:rPr lang="en-US" altLang="zh-CN" dirty="0" err="1"/>
+                        <a:t>UCIe</a:t>
+                      </a:r>
+                      <a:r>
+                        <a:rPr lang="zh-CN" altLang="en-US" dirty="0"/>
+                        <a:t> </a:t>
+                      </a:r>
+                      <a:r>
+                        <a:rPr lang="en-US" altLang="zh-CN" dirty="0"/>
+                        <a:t>on 2D packaging</a:t>
+                      </a:r>
+                      <a:endParaRPr lang="zh-CN" altLang="en-US" dirty="0"/>
+                    </a:p>
+                  </a:txBody>
+                  <a:tcPr/>
+                </a:tc>
+                <a:tc hMerge="1">
+                  <a:txBody>
+                    <a:bodyPr/>
+                    <a:lstStyle/>
+                    <a:p>
+                      <a:endParaRPr lang="zh-CN" altLang="en-US" dirty="0"/>
+                    </a:p>
+                  </a:txBody>
+                  <a:tcPr/>
+                </a:tc>
+                <a:extLst>
+                  <a:ext uri="{0D108BD9-81ED-4DB2-BD59-A6C34878D82A}">
+                    <a16:rowId xmlns="" xmlns:a16="http://schemas.microsoft.com/office/drawing/2014/main" val="1742772047"/>
+                  </a:ext>
+                </a:extLst>
+              </a:tr>
+              <a:tr h="348098">
+                <a:tc>
+                  <a:txBody>
+                    <a:bodyPr/>
+                    <a:lstStyle/>
+                    <a:p>
+                      <a:r>
+                        <a:rPr lang="en-US" altLang="zh-CN" dirty="0"/>
+                        <a:t>Bump Pitch</a:t>
+                      </a:r>
+                      <a:endParaRPr lang="zh-CN" altLang="en-US" dirty="0"/>
+                    </a:p>
+                  </a:txBody>
+                  <a:tcPr/>
+                </a:tc>
+                <a:tc>
+                  <a:txBody>
+                    <a:bodyPr/>
+                    <a:lstStyle/>
+                    <a:p>
+                      <a:r>
+                        <a:rPr lang="pt-BR" altLang="zh-CN" dirty="0"/>
+                        <a:t>100 um to 130 um</a:t>
+                      </a:r>
+                      <a:endParaRPr lang="zh-CN" altLang="en-US" dirty="0"/>
+                    </a:p>
+                  </a:txBody>
+                  <a:tcPr/>
+                </a:tc>
+                <a:extLst>
+                  <a:ext uri="{0D108BD9-81ED-4DB2-BD59-A6C34878D82A}">
+                    <a16:rowId xmlns="" xmlns:a16="http://schemas.microsoft.com/office/drawing/2014/main" val="3366777095"/>
+                  </a:ext>
+                </a:extLst>
+              </a:tr>
+              <a:tr h="609171">
+                <a:tc>
+                  <a:txBody>
+                    <a:bodyPr/>
+                    <a:lstStyle/>
+                    <a:p>
+                      <a:r>
+                        <a:rPr lang="en-US" altLang="zh-CN" dirty="0"/>
+                        <a:t>Channel reach (short reach)</a:t>
+                      </a:r>
+                      <a:endParaRPr lang="zh-CN" altLang="en-US" dirty="0"/>
+                    </a:p>
+                  </a:txBody>
+                  <a:tcPr/>
+                </a:tc>
+                <a:tc>
+                  <a:txBody>
+                    <a:bodyPr/>
+                    <a:lstStyle/>
+                    <a:p>
+                      <a:r>
+                        <a:rPr lang="en-US" altLang="zh-CN" dirty="0"/>
+                        <a:t>10 mm</a:t>
+                      </a:r>
+                      <a:endParaRPr lang="zh-CN" altLang="en-US" dirty="0"/>
+                    </a:p>
+                  </a:txBody>
+                  <a:tcPr/>
+                </a:tc>
+                <a:extLst>
+                  <a:ext uri="{0D108BD9-81ED-4DB2-BD59-A6C34878D82A}">
+                    <a16:rowId xmlns="" xmlns:a16="http://schemas.microsoft.com/office/drawing/2014/main" val="1784081032"/>
+                  </a:ext>
+                </a:extLst>
+              </a:tr>
+              <a:tr h="609171">
+                <a:tc>
+                  <a:txBody>
+                    <a:bodyPr/>
+                    <a:lstStyle/>
+                    <a:p>
+                      <a:r>
+                        <a:rPr lang="en-US" altLang="zh-CN" dirty="0"/>
+                        <a:t>Channel reach (long reach)</a:t>
+                      </a:r>
+                      <a:endParaRPr lang="zh-CN" altLang="en-US" dirty="0"/>
+                    </a:p>
+                  </a:txBody>
+                  <a:tcPr/>
+                </a:tc>
+                <a:tc>
+                  <a:txBody>
+                    <a:bodyPr/>
+                    <a:lstStyle/>
+                    <a:p>
+                      <a:r>
+                        <a:rPr lang="en-US" altLang="zh-CN" dirty="0"/>
+                        <a:t>25 mm</a:t>
+                      </a:r>
+                      <a:endParaRPr lang="zh-CN" altLang="en-US" dirty="0"/>
+                    </a:p>
+                  </a:txBody>
+                  <a:tcPr/>
+                </a:tc>
+                <a:extLst>
+                  <a:ext uri="{0D108BD9-81ED-4DB2-BD59-A6C34878D82A}">
+                    <a16:rowId xmlns="" xmlns:a16="http://schemas.microsoft.com/office/drawing/2014/main" val="389810136"/>
+                  </a:ext>
+                </a:extLst>
+              </a:tr>
+            </a:tbl>
+          </a:graphicData>
+        </a:graphic>
+      </p:graphicFrame>
+    </p:spTree>
+    <p:extLst>
+      <p:ext uri="{BB962C8B-B14F-4D97-AF65-F5344CB8AC3E}">
+        <p14:creationId xmlns:p14="http://schemas.microsoft.com/office/powerpoint/2010/main" val="126116291"/>
+      </p:ext>
+    </p:extLst>
+  </p:cSld>
+  <p:clrMapOvr>
+    <a:masterClrMapping/>
+  </p:clrMapOvr>
+  <mc:AlternateContent xmlns:mc="http://schemas.openxmlformats.org/markup-compatibility/2006" xmlns:p14="http://schemas.microsoft.com/office/powerpoint/2010/main">
+    <mc:Choice Requires="p14">
+      <p:transition spd="slow" p14:dur="2000" advTm="3640"/>
+    </mc:Choice>
+    <mc:Fallback xmlns="">
+      <p:transition spd="slow" advTm="3640"/>
+    </mc:Fallback>
+  </mc:AlternateContent>
+  <p:timing>
+    <p:tnLst>
+      <p:par>
+        <p:cTn id="1" dur="indefinite" restart="never" nodeType="tmRoot"/>
+      </p:par>
+    </p:tnLst>
+  </p:timing>
+</p:sld>
+</file>
+
+<file path=ppt/slides/slide18.xml><?xml version="1.0" encoding="utf-8"?>
+<p:sld xmlns:a="http://schemas.openxmlformats.org/drawingml/2006/main" xmlns:r="http://schemas.openxmlformats.org/officeDocument/2006/relationships" xmlns:p="http://schemas.openxmlformats.org/presentationml/2006/main">
+  <p:cSld>
+    <p:spTree>
+      <p:nvGrpSpPr>
+        <p:cNvPr id="1" name=""/>
+        <p:cNvGrpSpPr/>
+        <p:nvPr/>
+      </p:nvGrpSpPr>
+      <p:grpSpPr>
+        <a:xfrm>
+          <a:off x="0" y="0"/>
+          <a:ext cx="0" cy="0"/>
+          <a:chOff x="0" y="0"/>
+          <a:chExt cx="0" cy="0"/>
+        </a:xfrm>
+      </p:grpSpPr>
       <mc:AlternateContent xmlns:mc="http://schemas.openxmlformats.org/markup-compatibility/2006" xmlns:a14="http://schemas.microsoft.com/office/drawing/2010/main">
         <mc:Choice Requires="a14">
           <p:sp>
@@ -18110,7 +18919,7 @@
           <a:p>
             <a:fld id="{C102C7BA-A18E-41F7-855F-B9281AA705A6}" type="slidenum">
               <a:rPr lang="zh-CN" altLang="en-US" smtClean="0"/>
-              <a:t>17</a:t>
+              <a:t>18</a:t>
             </a:fld>
             <a:endParaRPr lang="zh-CN" altLang="en-US" dirty="0"/>
           </a:p>
@@ -18596,7 +19405,7 @@
 </p:sld>
 </file>
 
-<file path=ppt/slides/slide18.xml><?xml version="1.0" encoding="utf-8"?>
+<file path=ppt/slides/slide19.xml><?xml version="1.0" encoding="utf-8"?>
 <p:sld xmlns:a="http://schemas.openxmlformats.org/drawingml/2006/main" xmlns:r="http://schemas.openxmlformats.org/officeDocument/2006/relationships" xmlns:p="http://schemas.openxmlformats.org/presentationml/2006/main">
   <p:cSld>
     <p:spTree>
@@ -18653,7 +19462,7 @@
           <a:p>
             <a:fld id="{C102C7BA-A18E-41F7-855F-B9281AA705A6}" type="slidenum">
               <a:rPr lang="zh-CN" altLang="en-US" smtClean="0"/>
-              <a:t>18</a:t>
+              <a:t>19</a:t>
             </a:fld>
             <a:endParaRPr lang="zh-CN" altLang="en-US" dirty="0"/>
           </a:p>
@@ -19253,629 +20062,6 @@
     <p:extLst>
       <p:ext uri="{BB962C8B-B14F-4D97-AF65-F5344CB8AC3E}">
         <p14:creationId xmlns:p14="http://schemas.microsoft.com/office/powerpoint/2010/main" val="4191602523"/>
-      </p:ext>
-    </p:extLst>
-  </p:cSld>
-  <p:clrMapOvr>
-    <a:masterClrMapping/>
-  </p:clrMapOvr>
-  <mc:AlternateContent xmlns:mc="http://schemas.openxmlformats.org/markup-compatibility/2006" xmlns:p14="http://schemas.microsoft.com/office/powerpoint/2010/main">
-    <mc:Choice Requires="p14">
-      <p:transition spd="slow" p14:dur="2000" advTm="3640"/>
-    </mc:Choice>
-    <mc:Fallback xmlns="">
-      <p:transition spd="slow" advTm="3640"/>
-    </mc:Fallback>
-  </mc:AlternateContent>
-  <p:timing>
-    <p:tnLst>
-      <p:par>
-        <p:cTn id="1" dur="indefinite" restart="never" nodeType="tmRoot"/>
-      </p:par>
-    </p:tnLst>
-  </p:timing>
-</p:sld>
-</file>
-
-<file path=ppt/slides/slide19.xml><?xml version="1.0" encoding="utf-8"?>
-<p:sld xmlns:a="http://schemas.openxmlformats.org/drawingml/2006/main" xmlns:r="http://schemas.openxmlformats.org/officeDocument/2006/relationships" xmlns:p="http://schemas.openxmlformats.org/presentationml/2006/main">
-  <p:cSld>
-    <p:spTree>
-      <p:nvGrpSpPr>
-        <p:cNvPr id="1" name=""/>
-        <p:cNvGrpSpPr/>
-        <p:nvPr/>
-      </p:nvGrpSpPr>
-      <p:grpSpPr>
-        <a:xfrm>
-          <a:off x="0" y="0"/>
-          <a:ext cx="0" cy="0"/>
-          <a:chOff x="0" y="0"/>
-          <a:chExt cx="0" cy="0"/>
-        </a:xfrm>
-      </p:grpSpPr>
-      <p:sp>
-        <p:nvSpPr>
-          <p:cNvPr id="2" name="标题 1"/>
-          <p:cNvSpPr>
-            <a:spLocks noGrp="1"/>
-          </p:cNvSpPr>
-          <p:nvPr>
-            <p:ph type="title"/>
-          </p:nvPr>
-        </p:nvSpPr>
-        <p:spPr/>
-        <p:txBody>
-          <a:bodyPr/>
-          <a:lstStyle/>
-          <a:p>
-            <a:r>
-              <a:rPr lang="en-US" altLang="zh-CN" b="1" dirty="0" smtClean="0"/>
-              <a:t>Data for Constant Values</a:t>
-            </a:r>
-            <a:endParaRPr lang="zh-CN" altLang="en-US" b="1" dirty="0"/>
-          </a:p>
-        </p:txBody>
-      </p:sp>
-      <p:sp>
-        <p:nvSpPr>
-          <p:cNvPr id="11" name="灯片编号占位符 10"/>
-          <p:cNvSpPr>
-            <a:spLocks noGrp="1"/>
-          </p:cNvSpPr>
-          <p:nvPr>
-            <p:ph type="sldNum" sz="quarter" idx="12"/>
-          </p:nvPr>
-        </p:nvSpPr>
-        <p:spPr/>
-        <p:txBody>
-          <a:bodyPr/>
-          <a:lstStyle/>
-          <a:p>
-            <a:fld id="{C102C7BA-A18E-41F7-855F-B9281AA705A6}" type="slidenum">
-              <a:rPr lang="zh-CN" altLang="en-US" smtClean="0"/>
-              <a:t>19</a:t>
-            </a:fld>
-            <a:endParaRPr lang="zh-CN" altLang="en-US" dirty="0"/>
-          </a:p>
-        </p:txBody>
-      </p:sp>
-      <p:sp>
-        <p:nvSpPr>
-          <p:cNvPr id="18" name="内容占位符 2"/>
-          <p:cNvSpPr txBox="1">
-            <a:spLocks/>
-          </p:cNvSpPr>
-          <p:nvPr/>
-        </p:nvSpPr>
-        <p:spPr>
-          <a:xfrm>
-            <a:off x="885878" y="952821"/>
-            <a:ext cx="5244109" cy="4698005"/>
-          </a:xfrm>
-          <a:prstGeom prst="rect">
-            <a:avLst/>
-          </a:prstGeom>
-        </p:spPr>
-        <p:txBody>
-          <a:bodyPr vert="horz" lIns="91440" tIns="45720" rIns="91440" bIns="45720" rtlCol="0">
-            <a:normAutofit/>
-          </a:bodyPr>
-          <a:lstStyle>
-            <a:lvl1pPr marL="228600" indent="-228600" algn="l" defTabSz="914400" rtl="0" eaLnBrk="1" latinLnBrk="0" hangingPunct="1">
-              <a:lnSpc>
-                <a:spcPct val="90000"/>
-              </a:lnSpc>
-              <a:spcBef>
-                <a:spcPts val="1000"/>
-              </a:spcBef>
-              <a:buFont typeface="Arial" panose="020B0604020202020204" pitchFamily="34" charset="0"/>
-              <a:buChar char="•"/>
-              <a:defRPr sz="2800" kern="1200">
-                <a:solidFill>
-                  <a:schemeClr val="tx1"/>
-                </a:solidFill>
-                <a:latin typeface="黑体" panose="02010609060101010101" pitchFamily="49" charset="-122"/>
-                <a:ea typeface="黑体" panose="02010609060101010101" pitchFamily="49" charset="-122"/>
-                <a:cs typeface="+mn-cs"/>
-              </a:defRPr>
-            </a:lvl1pPr>
-            <a:lvl2pPr marL="685800" indent="-228600" algn="l" defTabSz="914400" rtl="0" eaLnBrk="1" latinLnBrk="0" hangingPunct="1">
-              <a:lnSpc>
-                <a:spcPct val="90000"/>
-              </a:lnSpc>
-              <a:spcBef>
-                <a:spcPts val="500"/>
-              </a:spcBef>
-              <a:buFont typeface="Arial" panose="020B0604020202020204" pitchFamily="34" charset="0"/>
-              <a:buChar char="•"/>
-              <a:defRPr sz="2400" kern="1200">
-                <a:solidFill>
-                  <a:schemeClr val="tx1"/>
-                </a:solidFill>
-                <a:latin typeface="黑体" panose="02010609060101010101" pitchFamily="49" charset="-122"/>
-                <a:ea typeface="黑体" panose="02010609060101010101" pitchFamily="49" charset="-122"/>
-                <a:cs typeface="+mn-cs"/>
-              </a:defRPr>
-            </a:lvl2pPr>
-            <a:lvl3pPr marL="1143000" indent="-228600" algn="l" defTabSz="914400" rtl="0" eaLnBrk="1" latinLnBrk="0" hangingPunct="1">
-              <a:lnSpc>
-                <a:spcPct val="90000"/>
-              </a:lnSpc>
-              <a:spcBef>
-                <a:spcPts val="500"/>
-              </a:spcBef>
-              <a:buFont typeface="Arial" panose="020B0604020202020204" pitchFamily="34" charset="0"/>
-              <a:buChar char="•"/>
-              <a:defRPr sz="2000" kern="1200">
-                <a:solidFill>
-                  <a:schemeClr val="tx1"/>
-                </a:solidFill>
-                <a:latin typeface="黑体" panose="02010609060101010101" pitchFamily="49" charset="-122"/>
-                <a:ea typeface="黑体" panose="02010609060101010101" pitchFamily="49" charset="-122"/>
-                <a:cs typeface="+mn-cs"/>
-              </a:defRPr>
-            </a:lvl3pPr>
-            <a:lvl4pPr marL="1600200" indent="-228600" algn="l" defTabSz="914400" rtl="0" eaLnBrk="1" latinLnBrk="0" hangingPunct="1">
-              <a:lnSpc>
-                <a:spcPct val="90000"/>
-              </a:lnSpc>
-              <a:spcBef>
-                <a:spcPts val="500"/>
-              </a:spcBef>
-              <a:buFont typeface="Arial" panose="020B0604020202020204" pitchFamily="34" charset="0"/>
-              <a:buChar char="•"/>
-              <a:defRPr sz="1800" kern="1200">
-                <a:solidFill>
-                  <a:schemeClr val="tx1"/>
-                </a:solidFill>
-                <a:latin typeface="黑体" panose="02010609060101010101" pitchFamily="49" charset="-122"/>
-                <a:ea typeface="黑体" panose="02010609060101010101" pitchFamily="49" charset="-122"/>
-                <a:cs typeface="+mn-cs"/>
-              </a:defRPr>
-            </a:lvl4pPr>
-            <a:lvl5pPr marL="2057400" indent="-228600" algn="l" defTabSz="914400" rtl="0" eaLnBrk="1" latinLnBrk="0" hangingPunct="1">
-              <a:lnSpc>
-                <a:spcPct val="90000"/>
-              </a:lnSpc>
-              <a:spcBef>
-                <a:spcPts val="500"/>
-              </a:spcBef>
-              <a:buFont typeface="Arial" panose="020B0604020202020204" pitchFamily="34" charset="0"/>
-              <a:buChar char="•"/>
-              <a:defRPr sz="1800" kern="1200">
-                <a:solidFill>
-                  <a:schemeClr val="tx1"/>
-                </a:solidFill>
-                <a:latin typeface="黑体" panose="02010609060101010101" pitchFamily="49" charset="-122"/>
-                <a:ea typeface="黑体" panose="02010609060101010101" pitchFamily="49" charset="-122"/>
-                <a:cs typeface="+mn-cs"/>
-              </a:defRPr>
-            </a:lvl5pPr>
-            <a:lvl6pPr marL="2514600" indent="-228600" algn="l" defTabSz="914400" rtl="0" eaLnBrk="1" latinLnBrk="0" hangingPunct="1">
-              <a:lnSpc>
-                <a:spcPct val="90000"/>
-              </a:lnSpc>
-              <a:spcBef>
-                <a:spcPts val="500"/>
-              </a:spcBef>
-              <a:buFont typeface="Arial" panose="020B0604020202020204" pitchFamily="34" charset="0"/>
-              <a:buChar char="•"/>
-              <a:defRPr sz="1800" kern="1200">
-                <a:solidFill>
-                  <a:schemeClr val="tx1"/>
-                </a:solidFill>
-                <a:latin typeface="+mn-lt"/>
-                <a:ea typeface="+mn-ea"/>
-                <a:cs typeface="+mn-cs"/>
-              </a:defRPr>
-            </a:lvl6pPr>
-            <a:lvl7pPr marL="2971800" indent="-228600" algn="l" defTabSz="914400" rtl="0" eaLnBrk="1" latinLnBrk="0" hangingPunct="1">
-              <a:lnSpc>
-                <a:spcPct val="90000"/>
-              </a:lnSpc>
-              <a:spcBef>
-                <a:spcPts val="500"/>
-              </a:spcBef>
-              <a:buFont typeface="Arial" panose="020B0604020202020204" pitchFamily="34" charset="0"/>
-              <a:buChar char="•"/>
-              <a:defRPr sz="1800" kern="1200">
-                <a:solidFill>
-                  <a:schemeClr val="tx1"/>
-                </a:solidFill>
-                <a:latin typeface="+mn-lt"/>
-                <a:ea typeface="+mn-ea"/>
-                <a:cs typeface="+mn-cs"/>
-              </a:defRPr>
-            </a:lvl7pPr>
-            <a:lvl8pPr marL="3429000" indent="-228600" algn="l" defTabSz="914400" rtl="0" eaLnBrk="1" latinLnBrk="0" hangingPunct="1">
-              <a:lnSpc>
-                <a:spcPct val="90000"/>
-              </a:lnSpc>
-              <a:spcBef>
-                <a:spcPts val="500"/>
-              </a:spcBef>
-              <a:buFont typeface="Arial" panose="020B0604020202020204" pitchFamily="34" charset="0"/>
-              <a:buChar char="•"/>
-              <a:defRPr sz="1800" kern="1200">
-                <a:solidFill>
-                  <a:schemeClr val="tx1"/>
-                </a:solidFill>
-                <a:latin typeface="+mn-lt"/>
-                <a:ea typeface="+mn-ea"/>
-                <a:cs typeface="+mn-cs"/>
-              </a:defRPr>
-            </a:lvl8pPr>
-            <a:lvl9pPr marL="3886200" indent="-228600" algn="l" defTabSz="914400" rtl="0" eaLnBrk="1" latinLnBrk="0" hangingPunct="1">
-              <a:lnSpc>
-                <a:spcPct val="90000"/>
-              </a:lnSpc>
-              <a:spcBef>
-                <a:spcPts val="500"/>
-              </a:spcBef>
-              <a:buFont typeface="Arial" panose="020B0604020202020204" pitchFamily="34" charset="0"/>
-              <a:buChar char="•"/>
-              <a:defRPr sz="1800" kern="1200">
-                <a:solidFill>
-                  <a:schemeClr val="tx1"/>
-                </a:solidFill>
-                <a:latin typeface="+mn-lt"/>
-                <a:ea typeface="+mn-ea"/>
-                <a:cs typeface="+mn-cs"/>
-              </a:defRPr>
-            </a:lvl9pPr>
-          </a:lstStyle>
-          <a:p>
-            <a:pPr marL="457200" lvl="1" indent="0">
-              <a:buNone/>
-            </a:pPr>
-            <a:r>
-              <a:rPr lang="en-US" altLang="zh-CN" sz="2800" dirty="0">
-                <a:latin typeface="微软雅黑" panose="020B0503020204020204" pitchFamily="34" charset="-122"/>
-                <a:ea typeface="微软雅黑" panose="020B0503020204020204" pitchFamily="34" charset="-122"/>
-              </a:rPr>
-              <a:t>* Inter-chip data</a:t>
-            </a:r>
-          </a:p>
-          <a:p>
-            <a:pPr marL="457200" lvl="1" indent="0">
-              <a:buNone/>
-            </a:pPr>
-            <a:r>
-              <a:rPr lang="en-US" altLang="zh-CN" sz="2200" dirty="0">
-                <a:latin typeface="Cambria Math" panose="02040503050406030204" pitchFamily="18" charset="0"/>
-              </a:rPr>
-              <a:t>Delay(/cycle</a:t>
-            </a:r>
-            <a:r>
-              <a:rPr lang="en-US" altLang="zh-CN" sz="2200" dirty="0" smtClean="0">
-                <a:latin typeface="Cambria Math" panose="02040503050406030204" pitchFamily="18" charset="0"/>
-              </a:rPr>
-              <a:t>)</a:t>
-            </a:r>
-          </a:p>
-          <a:p>
-            <a:pPr marL="457200" lvl="1" indent="0">
-              <a:buNone/>
-            </a:pPr>
-            <a:r>
-              <a:rPr lang="en-US" altLang="zh-CN" sz="2200" dirty="0" smtClean="0">
-                <a:latin typeface="Cambria Math" panose="02040503050406030204" pitchFamily="18" charset="0"/>
-              </a:rPr>
-              <a:t>=</a:t>
-            </a:r>
-            <a:r>
-              <a:rPr lang="zh-CN" altLang="en-US" sz="2200" dirty="0" smtClean="0">
-                <a:latin typeface="Cambria Math" panose="02040503050406030204" pitchFamily="18" charset="0"/>
-              </a:rPr>
-              <a:t>打包</a:t>
-            </a:r>
-            <a:r>
-              <a:rPr lang="en-US" altLang="zh-CN" sz="2200" dirty="0" smtClean="0">
-                <a:latin typeface="Cambria Math" panose="02040503050406030204" pitchFamily="18" charset="0"/>
-              </a:rPr>
-              <a:t>/</a:t>
-            </a:r>
-            <a:r>
-              <a:rPr lang="zh-CN" altLang="en-US" sz="2200" dirty="0" smtClean="0">
-                <a:latin typeface="Cambria Math" panose="02040503050406030204" pitchFamily="18" charset="0"/>
-              </a:rPr>
-              <a:t>解包</a:t>
-            </a:r>
-            <a:r>
-              <a:rPr lang="en-US" altLang="zh-CN" sz="2200" dirty="0" smtClean="0">
-                <a:latin typeface="Cambria Math" panose="02040503050406030204" pitchFamily="18" charset="0"/>
-              </a:rPr>
-              <a:t>+</a:t>
-            </a:r>
-            <a:r>
-              <a:rPr lang="zh-CN" altLang="en-US" sz="2200" dirty="0" smtClean="0">
-                <a:latin typeface="Cambria Math" panose="02040503050406030204" pitchFamily="18" charset="0"/>
-              </a:rPr>
-              <a:t>传输</a:t>
-            </a:r>
-            <a:r>
-              <a:rPr lang="en-US" altLang="zh-CN" sz="2200" dirty="0" smtClean="0">
-                <a:latin typeface="Cambria Math" panose="02040503050406030204" pitchFamily="18" charset="0"/>
-              </a:rPr>
-              <a:t>+</a:t>
-            </a:r>
-            <a:r>
-              <a:rPr lang="zh-CN" altLang="en-US" sz="2200" dirty="0" smtClean="0">
-                <a:latin typeface="Cambria Math" panose="02040503050406030204" pitchFamily="18" charset="0"/>
-              </a:rPr>
-              <a:t>收发延迟</a:t>
-            </a:r>
-            <a:endParaRPr lang="en-US" altLang="zh-CN" sz="2200" dirty="0">
-              <a:latin typeface="Cambria Math" panose="02040503050406030204" pitchFamily="18" charset="0"/>
-            </a:endParaRPr>
-          </a:p>
-          <a:p>
-            <a:pPr lvl="1"/>
-            <a:r>
-              <a:rPr lang="zh-CN" altLang="en-US" sz="1800" dirty="0" smtClean="0">
-                <a:latin typeface="Cambria Math" panose="02040503050406030204" pitchFamily="18" charset="0"/>
-              </a:rPr>
-              <a:t>收发延迟 </a:t>
-            </a:r>
-            <a:r>
-              <a:rPr lang="en-US" altLang="zh-CN" sz="1800" dirty="0" smtClean="0">
-                <a:latin typeface="Cambria Math" panose="02040503050406030204" pitchFamily="18" charset="0"/>
-              </a:rPr>
-              <a:t>from </a:t>
-            </a:r>
-            <a:r>
-              <a:rPr lang="en-US" altLang="zh-CN" sz="1800" dirty="0" err="1" smtClean="0">
-                <a:latin typeface="Cambria Math" panose="02040503050406030204" pitchFamily="18" charset="0"/>
-              </a:rPr>
-              <a:t>UCIe</a:t>
-            </a:r>
-            <a:r>
-              <a:rPr lang="zh-CN" altLang="en-US" sz="1800" dirty="0">
-                <a:latin typeface="Cambria Math" panose="02040503050406030204" pitchFamily="18" charset="0"/>
-              </a:rPr>
-              <a:t>：</a:t>
-            </a:r>
-            <a:r>
-              <a:rPr lang="en-US" altLang="zh-CN" sz="1800" dirty="0" err="1" smtClean="0">
-                <a:latin typeface="Cambria Math" panose="02040503050406030204" pitchFamily="18" charset="0"/>
-              </a:rPr>
-              <a:t>Tx+Rx</a:t>
-            </a:r>
-            <a:r>
-              <a:rPr lang="en-US" altLang="zh-CN" sz="1800" dirty="0" smtClean="0">
-                <a:latin typeface="Cambria Math" panose="02040503050406030204" pitchFamily="18" charset="0"/>
-              </a:rPr>
-              <a:t> &lt; 2ns</a:t>
-            </a:r>
-          </a:p>
-          <a:p>
-            <a:pPr lvl="1"/>
-            <a:r>
-              <a:rPr lang="zh-CN" altLang="en-US" sz="1800" dirty="0" smtClean="0">
-                <a:latin typeface="Cambria Math" panose="02040503050406030204" pitchFamily="18" charset="0"/>
-              </a:rPr>
-              <a:t>传输：</a:t>
-            </a:r>
-            <a:r>
-              <a:rPr lang="en-US" altLang="zh-CN" sz="1800" dirty="0" smtClean="0">
-                <a:latin typeface="Cambria Math" panose="02040503050406030204" pitchFamily="18" charset="0"/>
-              </a:rPr>
-              <a:t>L1-L2 </a:t>
-            </a:r>
-            <a:r>
-              <a:rPr lang="en-US" altLang="zh-CN" sz="1800" dirty="0">
-                <a:latin typeface="Cambria Math" panose="02040503050406030204" pitchFamily="18" charset="0"/>
-              </a:rPr>
-              <a:t>7.2ns(1.25GHz)</a:t>
-            </a:r>
-          </a:p>
-          <a:p>
-            <a:pPr lvl="1"/>
-            <a:r>
-              <a:rPr lang="en-US" altLang="zh-CN" sz="1800" dirty="0">
-                <a:latin typeface="Cambria Math" panose="02040503050406030204" pitchFamily="18" charset="0"/>
-              </a:rPr>
-              <a:t>L2-L3 traffic 0.6ns/mm</a:t>
-            </a:r>
-          </a:p>
-          <a:p>
-            <a:pPr marL="457200" lvl="1" indent="0">
-              <a:buNone/>
-            </a:pPr>
-            <a:endParaRPr lang="en-US" altLang="zh-CN" sz="2200" dirty="0">
-              <a:latin typeface="Cambria Math" panose="02040503050406030204" pitchFamily="18" charset="0"/>
-            </a:endParaRPr>
-          </a:p>
-          <a:p>
-            <a:pPr marL="457200" lvl="1" indent="0">
-              <a:buFont typeface="Arial" panose="020B0604020202020204" pitchFamily="34" charset="0"/>
-              <a:buNone/>
-            </a:pPr>
-            <a:endParaRPr lang="en-US" altLang="zh-CN" sz="2200" i="1" dirty="0" smtClean="0">
-              <a:latin typeface="Cambria Math" panose="02040503050406030204" pitchFamily="18" charset="0"/>
-            </a:endParaRPr>
-          </a:p>
-          <a:p>
-            <a:pPr marL="457200" lvl="1" indent="0">
-              <a:buFont typeface="Arial" panose="020B0604020202020204" pitchFamily="34" charset="0"/>
-              <a:buNone/>
-            </a:pPr>
-            <a:endParaRPr lang="en-US" altLang="zh-CN" sz="2200" i="1" dirty="0">
-              <a:latin typeface="Cambria Math" panose="02040503050406030204" pitchFamily="18" charset="0"/>
-            </a:endParaRPr>
-          </a:p>
-        </p:txBody>
-      </p:sp>
-      <p:pic>
-        <p:nvPicPr>
-          <p:cNvPr id="12" name="图片 11" descr="31393938393834313b31393939353234333bcbaed6e9d0ce"/>
-          <p:cNvPicPr>
-            <a:picLocks noChangeAspect="1"/>
-          </p:cNvPicPr>
-          <p:nvPr/>
-        </p:nvPicPr>
-        <p:blipFill>
-          <a:blip r:embed="rId3">
-            <a:extLst>
-              <a:ext uri="{96DAC541-7B7A-43D3-8B79-37D633B846F1}">
-                <asvg:svgBlip xmlns:asvg="http://schemas.microsoft.com/office/drawing/2016/SVG/main" xmlns="" r:embed="rId5"/>
-              </a:ext>
-            </a:extLst>
-          </a:blip>
-          <a:stretch>
-            <a:fillRect/>
-          </a:stretch>
-        </p:blipFill>
-        <p:spPr>
-          <a:xfrm flipH="1">
-            <a:off x="968447" y="1429284"/>
-            <a:ext cx="243205" cy="243205"/>
-          </a:xfrm>
-          <a:prstGeom prst="rect">
-            <a:avLst/>
-          </a:prstGeom>
-        </p:spPr>
-      </p:pic>
-      <p:sp>
-        <p:nvSpPr>
-          <p:cNvPr id="15" name="文本框 14"/>
-          <p:cNvSpPr txBox="1"/>
-          <p:nvPr/>
-        </p:nvSpPr>
-        <p:spPr>
-          <a:xfrm>
-            <a:off x="6926313" y="5958650"/>
-            <a:ext cx="5182109" cy="369332"/>
-          </a:xfrm>
-          <a:prstGeom prst="rect">
-            <a:avLst/>
-          </a:prstGeom>
-          <a:noFill/>
-        </p:spPr>
-        <p:txBody>
-          <a:bodyPr wrap="square" rtlCol="0">
-            <a:spAutoFit/>
-          </a:bodyPr>
-          <a:lstStyle/>
-          <a:p>
-            <a:r>
-              <a:rPr lang="en-US" altLang="zh-CN" dirty="0" smtClean="0"/>
-              <a:t>Fig. information from ISSCC paper section 2.3</a:t>
-            </a:r>
-            <a:endParaRPr lang="zh-CN" altLang="en-US" dirty="0"/>
-          </a:p>
-        </p:txBody>
-      </p:sp>
-      <p:pic>
-        <p:nvPicPr>
-          <p:cNvPr id="17" name="图片 16"/>
-          <p:cNvPicPr>
-            <a:picLocks noChangeAspect="1"/>
-          </p:cNvPicPr>
-          <p:nvPr/>
-        </p:nvPicPr>
-        <p:blipFill>
-          <a:blip r:embed="rId6"/>
-          <a:stretch>
-            <a:fillRect/>
-          </a:stretch>
-        </p:blipFill>
-        <p:spPr>
-          <a:xfrm>
-            <a:off x="5892973" y="1108058"/>
-            <a:ext cx="6215449" cy="4876449"/>
-          </a:xfrm>
-          <a:prstGeom prst="rect">
-            <a:avLst/>
-          </a:prstGeom>
-        </p:spPr>
-      </p:pic>
-      <p:pic>
-        <p:nvPicPr>
-          <p:cNvPr id="5" name="图片 4"/>
-          <p:cNvPicPr>
-            <a:picLocks noChangeAspect="1"/>
-          </p:cNvPicPr>
-          <p:nvPr/>
-        </p:nvPicPr>
-        <p:blipFill>
-          <a:blip r:embed="rId7"/>
-          <a:stretch>
-            <a:fillRect/>
-          </a:stretch>
-        </p:blipFill>
-        <p:spPr>
-          <a:xfrm>
-            <a:off x="1242484" y="3079934"/>
-            <a:ext cx="4069433" cy="586791"/>
-          </a:xfrm>
-          <a:prstGeom prst="rect">
-            <a:avLst/>
-          </a:prstGeom>
-        </p:spPr>
-      </p:pic>
-      <p:pic>
-        <p:nvPicPr>
-          <p:cNvPr id="6" name="图片 5"/>
-          <p:cNvPicPr>
-            <a:picLocks noChangeAspect="1"/>
-          </p:cNvPicPr>
-          <p:nvPr/>
-        </p:nvPicPr>
-        <p:blipFill rotWithShape="1">
-          <a:blip r:embed="rId8"/>
-          <a:srcRect t="9063"/>
-          <a:stretch/>
-        </p:blipFill>
-        <p:spPr>
-          <a:xfrm>
-            <a:off x="220730" y="3831151"/>
-            <a:ext cx="5755821" cy="2581295"/>
-          </a:xfrm>
-          <a:prstGeom prst="rect">
-            <a:avLst/>
-          </a:prstGeom>
-        </p:spPr>
-      </p:pic>
-      <p:sp>
-        <p:nvSpPr>
-          <p:cNvPr id="13" name="文本框 12"/>
-          <p:cNvSpPr txBox="1"/>
-          <p:nvPr/>
-        </p:nvSpPr>
-        <p:spPr>
-          <a:xfrm>
-            <a:off x="1744204" y="6327982"/>
-            <a:ext cx="5182109" cy="369332"/>
-          </a:xfrm>
-          <a:prstGeom prst="rect">
-            <a:avLst/>
-          </a:prstGeom>
-          <a:noFill/>
-        </p:spPr>
-        <p:txBody>
-          <a:bodyPr wrap="square" rtlCol="0">
-            <a:spAutoFit/>
-          </a:bodyPr>
-          <a:lstStyle/>
-          <a:p>
-            <a:r>
-              <a:rPr lang="en-US" altLang="zh-CN" dirty="0" smtClean="0"/>
-              <a:t>Fig. information from </a:t>
-            </a:r>
-            <a:r>
-              <a:rPr lang="en-US" altLang="zh-CN" dirty="0" err="1" smtClean="0"/>
-              <a:t>UCIe</a:t>
-            </a:r>
-            <a:endParaRPr lang="zh-CN" altLang="en-US" dirty="0"/>
-          </a:p>
-        </p:txBody>
-      </p:sp>
-    </p:spTree>
-    <p:extLst>
-      <p:ext uri="{BB962C8B-B14F-4D97-AF65-F5344CB8AC3E}">
-        <p14:creationId xmlns:p14="http://schemas.microsoft.com/office/powerpoint/2010/main" val="2077943216"/>
       </p:ext>
     </p:extLst>
   </p:cSld>
@@ -24688,6 +24874,1500 @@
         </p:nvSpPr>
         <p:spPr>
           <a:xfrm>
+            <a:off x="885878" y="952821"/>
+            <a:ext cx="5244109" cy="4698005"/>
+          </a:xfrm>
+          <a:prstGeom prst="rect">
+            <a:avLst/>
+          </a:prstGeom>
+        </p:spPr>
+        <p:txBody>
+          <a:bodyPr vert="horz" lIns="91440" tIns="45720" rIns="91440" bIns="45720" rtlCol="0">
+            <a:normAutofit/>
+          </a:bodyPr>
+          <a:lstStyle>
+            <a:lvl1pPr marL="228600" indent="-228600" algn="l" defTabSz="914400" rtl="0" eaLnBrk="1" latinLnBrk="0" hangingPunct="1">
+              <a:lnSpc>
+                <a:spcPct val="90000"/>
+              </a:lnSpc>
+              <a:spcBef>
+                <a:spcPts val="1000"/>
+              </a:spcBef>
+              <a:buFont typeface="Arial" panose="020B0604020202020204" pitchFamily="34" charset="0"/>
+              <a:buChar char="•"/>
+              <a:defRPr sz="2800" kern="1200">
+                <a:solidFill>
+                  <a:schemeClr val="tx1"/>
+                </a:solidFill>
+                <a:latin typeface="黑体" panose="02010609060101010101" pitchFamily="49" charset="-122"/>
+                <a:ea typeface="黑体" panose="02010609060101010101" pitchFamily="49" charset="-122"/>
+                <a:cs typeface="+mn-cs"/>
+              </a:defRPr>
+            </a:lvl1pPr>
+            <a:lvl2pPr marL="685800" indent="-228600" algn="l" defTabSz="914400" rtl="0" eaLnBrk="1" latinLnBrk="0" hangingPunct="1">
+              <a:lnSpc>
+                <a:spcPct val="90000"/>
+              </a:lnSpc>
+              <a:spcBef>
+                <a:spcPts val="500"/>
+              </a:spcBef>
+              <a:buFont typeface="Arial" panose="020B0604020202020204" pitchFamily="34" charset="0"/>
+              <a:buChar char="•"/>
+              <a:defRPr sz="2400" kern="1200">
+                <a:solidFill>
+                  <a:schemeClr val="tx1"/>
+                </a:solidFill>
+                <a:latin typeface="黑体" panose="02010609060101010101" pitchFamily="49" charset="-122"/>
+                <a:ea typeface="黑体" panose="02010609060101010101" pitchFamily="49" charset="-122"/>
+                <a:cs typeface="+mn-cs"/>
+              </a:defRPr>
+            </a:lvl2pPr>
+            <a:lvl3pPr marL="1143000" indent="-228600" algn="l" defTabSz="914400" rtl="0" eaLnBrk="1" latinLnBrk="0" hangingPunct="1">
+              <a:lnSpc>
+                <a:spcPct val="90000"/>
+              </a:lnSpc>
+              <a:spcBef>
+                <a:spcPts val="500"/>
+              </a:spcBef>
+              <a:buFont typeface="Arial" panose="020B0604020202020204" pitchFamily="34" charset="0"/>
+              <a:buChar char="•"/>
+              <a:defRPr sz="2000" kern="1200">
+                <a:solidFill>
+                  <a:schemeClr val="tx1"/>
+                </a:solidFill>
+                <a:latin typeface="黑体" panose="02010609060101010101" pitchFamily="49" charset="-122"/>
+                <a:ea typeface="黑体" panose="02010609060101010101" pitchFamily="49" charset="-122"/>
+                <a:cs typeface="+mn-cs"/>
+              </a:defRPr>
+            </a:lvl3pPr>
+            <a:lvl4pPr marL="1600200" indent="-228600" algn="l" defTabSz="914400" rtl="0" eaLnBrk="1" latinLnBrk="0" hangingPunct="1">
+              <a:lnSpc>
+                <a:spcPct val="90000"/>
+              </a:lnSpc>
+              <a:spcBef>
+                <a:spcPts val="500"/>
+              </a:spcBef>
+              <a:buFont typeface="Arial" panose="020B0604020202020204" pitchFamily="34" charset="0"/>
+              <a:buChar char="•"/>
+              <a:defRPr sz="1800" kern="1200">
+                <a:solidFill>
+                  <a:schemeClr val="tx1"/>
+                </a:solidFill>
+                <a:latin typeface="黑体" panose="02010609060101010101" pitchFamily="49" charset="-122"/>
+                <a:ea typeface="黑体" panose="02010609060101010101" pitchFamily="49" charset="-122"/>
+                <a:cs typeface="+mn-cs"/>
+              </a:defRPr>
+            </a:lvl4pPr>
+            <a:lvl5pPr marL="2057400" indent="-228600" algn="l" defTabSz="914400" rtl="0" eaLnBrk="1" latinLnBrk="0" hangingPunct="1">
+              <a:lnSpc>
+                <a:spcPct val="90000"/>
+              </a:lnSpc>
+              <a:spcBef>
+                <a:spcPts val="500"/>
+              </a:spcBef>
+              <a:buFont typeface="Arial" panose="020B0604020202020204" pitchFamily="34" charset="0"/>
+              <a:buChar char="•"/>
+              <a:defRPr sz="1800" kern="1200">
+                <a:solidFill>
+                  <a:schemeClr val="tx1"/>
+                </a:solidFill>
+                <a:latin typeface="黑体" panose="02010609060101010101" pitchFamily="49" charset="-122"/>
+                <a:ea typeface="黑体" panose="02010609060101010101" pitchFamily="49" charset="-122"/>
+                <a:cs typeface="+mn-cs"/>
+              </a:defRPr>
+            </a:lvl5pPr>
+            <a:lvl6pPr marL="2514600" indent="-228600" algn="l" defTabSz="914400" rtl="0" eaLnBrk="1" latinLnBrk="0" hangingPunct="1">
+              <a:lnSpc>
+                <a:spcPct val="90000"/>
+              </a:lnSpc>
+              <a:spcBef>
+                <a:spcPts val="500"/>
+              </a:spcBef>
+              <a:buFont typeface="Arial" panose="020B0604020202020204" pitchFamily="34" charset="0"/>
+              <a:buChar char="•"/>
+              <a:defRPr sz="1800" kern="1200">
+                <a:solidFill>
+                  <a:schemeClr val="tx1"/>
+                </a:solidFill>
+                <a:latin typeface="+mn-lt"/>
+                <a:ea typeface="+mn-ea"/>
+                <a:cs typeface="+mn-cs"/>
+              </a:defRPr>
+            </a:lvl6pPr>
+            <a:lvl7pPr marL="2971800" indent="-228600" algn="l" defTabSz="914400" rtl="0" eaLnBrk="1" latinLnBrk="0" hangingPunct="1">
+              <a:lnSpc>
+                <a:spcPct val="90000"/>
+              </a:lnSpc>
+              <a:spcBef>
+                <a:spcPts val="500"/>
+              </a:spcBef>
+              <a:buFont typeface="Arial" panose="020B0604020202020204" pitchFamily="34" charset="0"/>
+              <a:buChar char="•"/>
+              <a:defRPr sz="1800" kern="1200">
+                <a:solidFill>
+                  <a:schemeClr val="tx1"/>
+                </a:solidFill>
+                <a:latin typeface="+mn-lt"/>
+                <a:ea typeface="+mn-ea"/>
+                <a:cs typeface="+mn-cs"/>
+              </a:defRPr>
+            </a:lvl7pPr>
+            <a:lvl8pPr marL="3429000" indent="-228600" algn="l" defTabSz="914400" rtl="0" eaLnBrk="1" latinLnBrk="0" hangingPunct="1">
+              <a:lnSpc>
+                <a:spcPct val="90000"/>
+              </a:lnSpc>
+              <a:spcBef>
+                <a:spcPts val="500"/>
+              </a:spcBef>
+              <a:buFont typeface="Arial" panose="020B0604020202020204" pitchFamily="34" charset="0"/>
+              <a:buChar char="•"/>
+              <a:defRPr sz="1800" kern="1200">
+                <a:solidFill>
+                  <a:schemeClr val="tx1"/>
+                </a:solidFill>
+                <a:latin typeface="+mn-lt"/>
+                <a:ea typeface="+mn-ea"/>
+                <a:cs typeface="+mn-cs"/>
+              </a:defRPr>
+            </a:lvl8pPr>
+            <a:lvl9pPr marL="3886200" indent="-228600" algn="l" defTabSz="914400" rtl="0" eaLnBrk="1" latinLnBrk="0" hangingPunct="1">
+              <a:lnSpc>
+                <a:spcPct val="90000"/>
+              </a:lnSpc>
+              <a:spcBef>
+                <a:spcPts val="500"/>
+              </a:spcBef>
+              <a:buFont typeface="Arial" panose="020B0604020202020204" pitchFamily="34" charset="0"/>
+              <a:buChar char="•"/>
+              <a:defRPr sz="1800" kern="1200">
+                <a:solidFill>
+                  <a:schemeClr val="tx1"/>
+                </a:solidFill>
+                <a:latin typeface="+mn-lt"/>
+                <a:ea typeface="+mn-ea"/>
+                <a:cs typeface="+mn-cs"/>
+              </a:defRPr>
+            </a:lvl9pPr>
+          </a:lstStyle>
+          <a:p>
+            <a:pPr marL="457200" lvl="1" indent="0">
+              <a:buNone/>
+            </a:pPr>
+            <a:r>
+              <a:rPr lang="en-US" altLang="zh-CN" sz="2800" dirty="0">
+                <a:latin typeface="微软雅黑" panose="020B0503020204020204" pitchFamily="34" charset="-122"/>
+                <a:ea typeface="微软雅黑" panose="020B0503020204020204" pitchFamily="34" charset="-122"/>
+              </a:rPr>
+              <a:t>* Inter-chip data</a:t>
+            </a:r>
+          </a:p>
+          <a:p>
+            <a:pPr marL="457200" lvl="1" indent="0">
+              <a:buNone/>
+            </a:pPr>
+            <a:r>
+              <a:rPr lang="en-US" altLang="zh-CN" sz="2200" dirty="0">
+                <a:latin typeface="Cambria Math" panose="02040503050406030204" pitchFamily="18" charset="0"/>
+              </a:rPr>
+              <a:t>Delay(/cycle</a:t>
+            </a:r>
+            <a:r>
+              <a:rPr lang="en-US" altLang="zh-CN" sz="2200" dirty="0" smtClean="0">
+                <a:latin typeface="Cambria Math" panose="02040503050406030204" pitchFamily="18" charset="0"/>
+              </a:rPr>
+              <a:t>)</a:t>
+            </a:r>
+          </a:p>
+          <a:p>
+            <a:pPr marL="457200" lvl="1" indent="0">
+              <a:buNone/>
+            </a:pPr>
+            <a:r>
+              <a:rPr lang="en-US" altLang="zh-CN" sz="2200" dirty="0" smtClean="0">
+                <a:latin typeface="Cambria Math" panose="02040503050406030204" pitchFamily="18" charset="0"/>
+              </a:rPr>
+              <a:t>=</a:t>
+            </a:r>
+            <a:r>
+              <a:rPr lang="zh-CN" altLang="en-US" sz="2200" dirty="0" smtClean="0">
+                <a:latin typeface="Cambria Math" panose="02040503050406030204" pitchFamily="18" charset="0"/>
+              </a:rPr>
+              <a:t>打包</a:t>
+            </a:r>
+            <a:r>
+              <a:rPr lang="en-US" altLang="zh-CN" sz="2200" dirty="0" smtClean="0">
+                <a:latin typeface="Cambria Math" panose="02040503050406030204" pitchFamily="18" charset="0"/>
+              </a:rPr>
+              <a:t>/</a:t>
+            </a:r>
+            <a:r>
+              <a:rPr lang="zh-CN" altLang="en-US" sz="2200" dirty="0" smtClean="0">
+                <a:latin typeface="Cambria Math" panose="02040503050406030204" pitchFamily="18" charset="0"/>
+              </a:rPr>
+              <a:t>解包</a:t>
+            </a:r>
+            <a:r>
+              <a:rPr lang="en-US" altLang="zh-CN" sz="2200" dirty="0" smtClean="0">
+                <a:latin typeface="Cambria Math" panose="02040503050406030204" pitchFamily="18" charset="0"/>
+              </a:rPr>
+              <a:t>+</a:t>
+            </a:r>
+            <a:r>
+              <a:rPr lang="zh-CN" altLang="en-US" sz="2200" dirty="0" smtClean="0">
+                <a:latin typeface="Cambria Math" panose="02040503050406030204" pitchFamily="18" charset="0"/>
+              </a:rPr>
+              <a:t>传输</a:t>
+            </a:r>
+            <a:r>
+              <a:rPr lang="en-US" altLang="zh-CN" sz="2200" dirty="0" smtClean="0">
+                <a:latin typeface="Cambria Math" panose="02040503050406030204" pitchFamily="18" charset="0"/>
+              </a:rPr>
+              <a:t>+</a:t>
+            </a:r>
+            <a:r>
+              <a:rPr lang="zh-CN" altLang="en-US" sz="2200" dirty="0" smtClean="0">
+                <a:latin typeface="Cambria Math" panose="02040503050406030204" pitchFamily="18" charset="0"/>
+              </a:rPr>
+              <a:t>收发延迟</a:t>
+            </a:r>
+            <a:endParaRPr lang="en-US" altLang="zh-CN" sz="2200" dirty="0">
+              <a:latin typeface="Cambria Math" panose="02040503050406030204" pitchFamily="18" charset="0"/>
+            </a:endParaRPr>
+          </a:p>
+          <a:p>
+            <a:pPr lvl="1"/>
+            <a:r>
+              <a:rPr lang="zh-CN" altLang="en-US" sz="1800" dirty="0" smtClean="0">
+                <a:latin typeface="Cambria Math" panose="02040503050406030204" pitchFamily="18" charset="0"/>
+              </a:rPr>
+              <a:t>收发延迟 </a:t>
+            </a:r>
+            <a:r>
+              <a:rPr lang="en-US" altLang="zh-CN" sz="1800" dirty="0" smtClean="0">
+                <a:latin typeface="Cambria Math" panose="02040503050406030204" pitchFamily="18" charset="0"/>
+              </a:rPr>
+              <a:t>from </a:t>
+            </a:r>
+            <a:r>
+              <a:rPr lang="en-US" altLang="zh-CN" sz="1800" dirty="0" err="1" smtClean="0">
+                <a:latin typeface="Cambria Math" panose="02040503050406030204" pitchFamily="18" charset="0"/>
+              </a:rPr>
+              <a:t>UCIe</a:t>
+            </a:r>
+            <a:r>
+              <a:rPr lang="zh-CN" altLang="en-US" sz="1800" dirty="0">
+                <a:latin typeface="Cambria Math" panose="02040503050406030204" pitchFamily="18" charset="0"/>
+              </a:rPr>
+              <a:t>：</a:t>
+            </a:r>
+            <a:r>
+              <a:rPr lang="en-US" altLang="zh-CN" sz="1800" dirty="0" err="1" smtClean="0">
+                <a:latin typeface="Cambria Math" panose="02040503050406030204" pitchFamily="18" charset="0"/>
+              </a:rPr>
+              <a:t>Tx+Rx</a:t>
+            </a:r>
+            <a:r>
+              <a:rPr lang="en-US" altLang="zh-CN" sz="1800" dirty="0" smtClean="0">
+                <a:latin typeface="Cambria Math" panose="02040503050406030204" pitchFamily="18" charset="0"/>
+              </a:rPr>
+              <a:t> &lt; 2ns</a:t>
+            </a:r>
+          </a:p>
+          <a:p>
+            <a:pPr lvl="1"/>
+            <a:r>
+              <a:rPr lang="zh-CN" altLang="en-US" sz="1800" dirty="0" smtClean="0">
+                <a:latin typeface="Cambria Math" panose="02040503050406030204" pitchFamily="18" charset="0"/>
+              </a:rPr>
+              <a:t>传输：</a:t>
+            </a:r>
+            <a:r>
+              <a:rPr lang="en-US" altLang="zh-CN" sz="1800" dirty="0" smtClean="0">
+                <a:latin typeface="Cambria Math" panose="02040503050406030204" pitchFamily="18" charset="0"/>
+              </a:rPr>
+              <a:t>L1-L2 </a:t>
+            </a:r>
+            <a:r>
+              <a:rPr lang="en-US" altLang="zh-CN" sz="1800" dirty="0">
+                <a:latin typeface="Cambria Math" panose="02040503050406030204" pitchFamily="18" charset="0"/>
+              </a:rPr>
+              <a:t>7.2ns(1.25GHz)</a:t>
+            </a:r>
+          </a:p>
+          <a:p>
+            <a:pPr lvl="1"/>
+            <a:r>
+              <a:rPr lang="en-US" altLang="zh-CN" sz="1800" dirty="0">
+                <a:latin typeface="Cambria Math" panose="02040503050406030204" pitchFamily="18" charset="0"/>
+              </a:rPr>
+              <a:t>L2-L3 traffic 0.6ns/mm</a:t>
+            </a:r>
+          </a:p>
+          <a:p>
+            <a:pPr marL="457200" lvl="1" indent="0">
+              <a:buNone/>
+            </a:pPr>
+            <a:endParaRPr lang="en-US" altLang="zh-CN" sz="2200" dirty="0">
+              <a:latin typeface="Cambria Math" panose="02040503050406030204" pitchFamily="18" charset="0"/>
+            </a:endParaRPr>
+          </a:p>
+          <a:p>
+            <a:pPr marL="457200" lvl="1" indent="0">
+              <a:buFont typeface="Arial" panose="020B0604020202020204" pitchFamily="34" charset="0"/>
+              <a:buNone/>
+            </a:pPr>
+            <a:endParaRPr lang="en-US" altLang="zh-CN" sz="2200" i="1" dirty="0" smtClean="0">
+              <a:latin typeface="Cambria Math" panose="02040503050406030204" pitchFamily="18" charset="0"/>
+            </a:endParaRPr>
+          </a:p>
+          <a:p>
+            <a:pPr marL="457200" lvl="1" indent="0">
+              <a:buFont typeface="Arial" panose="020B0604020202020204" pitchFamily="34" charset="0"/>
+              <a:buNone/>
+            </a:pPr>
+            <a:endParaRPr lang="en-US" altLang="zh-CN" sz="2200" i="1" dirty="0">
+              <a:latin typeface="Cambria Math" panose="02040503050406030204" pitchFamily="18" charset="0"/>
+            </a:endParaRPr>
+          </a:p>
+        </p:txBody>
+      </p:sp>
+      <p:pic>
+        <p:nvPicPr>
+          <p:cNvPr id="12" name="图片 11" descr="31393938393834313b31393939353234333bcbaed6e9d0ce"/>
+          <p:cNvPicPr>
+            <a:picLocks noChangeAspect="1"/>
+          </p:cNvPicPr>
+          <p:nvPr/>
+        </p:nvPicPr>
+        <p:blipFill>
+          <a:blip r:embed="rId3">
+            <a:extLst>
+              <a:ext uri="{96DAC541-7B7A-43D3-8B79-37D633B846F1}">
+                <asvg:svgBlip xmlns:asvg="http://schemas.microsoft.com/office/drawing/2016/SVG/main" xmlns="" r:embed="rId5"/>
+              </a:ext>
+            </a:extLst>
+          </a:blip>
+          <a:stretch>
+            <a:fillRect/>
+          </a:stretch>
+        </p:blipFill>
+        <p:spPr>
+          <a:xfrm flipH="1">
+            <a:off x="968447" y="1429284"/>
+            <a:ext cx="243205" cy="243205"/>
+          </a:xfrm>
+          <a:prstGeom prst="rect">
+            <a:avLst/>
+          </a:prstGeom>
+        </p:spPr>
+      </p:pic>
+      <p:sp>
+        <p:nvSpPr>
+          <p:cNvPr id="15" name="文本框 14"/>
+          <p:cNvSpPr txBox="1"/>
+          <p:nvPr/>
+        </p:nvSpPr>
+        <p:spPr>
+          <a:xfrm>
+            <a:off x="6926313" y="5958650"/>
+            <a:ext cx="5182109" cy="369332"/>
+          </a:xfrm>
+          <a:prstGeom prst="rect">
+            <a:avLst/>
+          </a:prstGeom>
+          <a:noFill/>
+        </p:spPr>
+        <p:txBody>
+          <a:bodyPr wrap="square" rtlCol="0">
+            <a:spAutoFit/>
+          </a:bodyPr>
+          <a:lstStyle/>
+          <a:p>
+            <a:r>
+              <a:rPr lang="en-US" altLang="zh-CN" dirty="0" smtClean="0"/>
+              <a:t>Fig. information from ISSCC paper section 2.3</a:t>
+            </a:r>
+            <a:endParaRPr lang="zh-CN" altLang="en-US" dirty="0"/>
+          </a:p>
+        </p:txBody>
+      </p:sp>
+      <p:pic>
+        <p:nvPicPr>
+          <p:cNvPr id="17" name="图片 16"/>
+          <p:cNvPicPr>
+            <a:picLocks noChangeAspect="1"/>
+          </p:cNvPicPr>
+          <p:nvPr/>
+        </p:nvPicPr>
+        <p:blipFill>
+          <a:blip r:embed="rId6"/>
+          <a:stretch>
+            <a:fillRect/>
+          </a:stretch>
+        </p:blipFill>
+        <p:spPr>
+          <a:xfrm>
+            <a:off x="5892973" y="1108058"/>
+            <a:ext cx="6215449" cy="4876449"/>
+          </a:xfrm>
+          <a:prstGeom prst="rect">
+            <a:avLst/>
+          </a:prstGeom>
+        </p:spPr>
+      </p:pic>
+      <p:pic>
+        <p:nvPicPr>
+          <p:cNvPr id="5" name="图片 4"/>
+          <p:cNvPicPr>
+            <a:picLocks noChangeAspect="1"/>
+          </p:cNvPicPr>
+          <p:nvPr/>
+        </p:nvPicPr>
+        <p:blipFill>
+          <a:blip r:embed="rId7"/>
+          <a:stretch>
+            <a:fillRect/>
+          </a:stretch>
+        </p:blipFill>
+        <p:spPr>
+          <a:xfrm>
+            <a:off x="1242484" y="3079934"/>
+            <a:ext cx="4069433" cy="586791"/>
+          </a:xfrm>
+          <a:prstGeom prst="rect">
+            <a:avLst/>
+          </a:prstGeom>
+        </p:spPr>
+      </p:pic>
+      <p:pic>
+        <p:nvPicPr>
+          <p:cNvPr id="6" name="图片 5"/>
+          <p:cNvPicPr>
+            <a:picLocks noChangeAspect="1"/>
+          </p:cNvPicPr>
+          <p:nvPr/>
+        </p:nvPicPr>
+        <p:blipFill rotWithShape="1">
+          <a:blip r:embed="rId8"/>
+          <a:srcRect t="9063"/>
+          <a:stretch/>
+        </p:blipFill>
+        <p:spPr>
+          <a:xfrm>
+            <a:off x="220730" y="3831151"/>
+            <a:ext cx="5755821" cy="2581295"/>
+          </a:xfrm>
+          <a:prstGeom prst="rect">
+            <a:avLst/>
+          </a:prstGeom>
+        </p:spPr>
+      </p:pic>
+      <p:sp>
+        <p:nvSpPr>
+          <p:cNvPr id="13" name="文本框 12"/>
+          <p:cNvSpPr txBox="1"/>
+          <p:nvPr/>
+        </p:nvSpPr>
+        <p:spPr>
+          <a:xfrm>
+            <a:off x="1744204" y="6327982"/>
+            <a:ext cx="5182109" cy="369332"/>
+          </a:xfrm>
+          <a:prstGeom prst="rect">
+            <a:avLst/>
+          </a:prstGeom>
+          <a:noFill/>
+        </p:spPr>
+        <p:txBody>
+          <a:bodyPr wrap="square" rtlCol="0">
+            <a:spAutoFit/>
+          </a:bodyPr>
+          <a:lstStyle/>
+          <a:p>
+            <a:r>
+              <a:rPr lang="en-US" altLang="zh-CN" dirty="0" smtClean="0"/>
+              <a:t>Fig. information from </a:t>
+            </a:r>
+            <a:r>
+              <a:rPr lang="en-US" altLang="zh-CN" dirty="0" err="1" smtClean="0"/>
+              <a:t>UCIe</a:t>
+            </a:r>
+            <a:endParaRPr lang="zh-CN" altLang="en-US" dirty="0"/>
+          </a:p>
+        </p:txBody>
+      </p:sp>
+    </p:spTree>
+    <p:extLst>
+      <p:ext uri="{BB962C8B-B14F-4D97-AF65-F5344CB8AC3E}">
+        <p14:creationId xmlns:p14="http://schemas.microsoft.com/office/powerpoint/2010/main" val="2077943216"/>
+      </p:ext>
+    </p:extLst>
+  </p:cSld>
+  <p:clrMapOvr>
+    <a:masterClrMapping/>
+  </p:clrMapOvr>
+  <mc:AlternateContent xmlns:mc="http://schemas.openxmlformats.org/markup-compatibility/2006" xmlns:p14="http://schemas.microsoft.com/office/powerpoint/2010/main">
+    <mc:Choice Requires="p14">
+      <p:transition spd="slow" p14:dur="2000" advTm="3640"/>
+    </mc:Choice>
+    <mc:Fallback xmlns="">
+      <p:transition spd="slow" advTm="3640"/>
+    </mc:Fallback>
+  </mc:AlternateContent>
+  <p:timing>
+    <p:tnLst>
+      <p:par>
+        <p:cTn id="1" dur="indefinite" restart="never" nodeType="tmRoot"/>
+      </p:par>
+    </p:tnLst>
+  </p:timing>
+</p:sld>
+</file>
+
+<file path=ppt/slides/slide21.xml><?xml version="1.0" encoding="utf-8"?>
+<p:sld xmlns:a="http://schemas.openxmlformats.org/drawingml/2006/main" xmlns:r="http://schemas.openxmlformats.org/officeDocument/2006/relationships" xmlns:p="http://schemas.openxmlformats.org/presentationml/2006/main">
+  <p:cSld>
+    <p:spTree>
+      <p:nvGrpSpPr>
+        <p:cNvPr id="1" name=""/>
+        <p:cNvGrpSpPr/>
+        <p:nvPr/>
+      </p:nvGrpSpPr>
+      <p:grpSpPr>
+        <a:xfrm>
+          <a:off x="0" y="0"/>
+          <a:ext cx="0" cy="0"/>
+          <a:chOff x="0" y="0"/>
+          <a:chExt cx="0" cy="0"/>
+        </a:xfrm>
+      </p:grpSpPr>
+      <p:sp>
+        <p:nvSpPr>
+          <p:cNvPr id="2" name="标题 1"/>
+          <p:cNvSpPr>
+            <a:spLocks noGrp="1"/>
+          </p:cNvSpPr>
+          <p:nvPr>
+            <p:ph type="title"/>
+          </p:nvPr>
+        </p:nvSpPr>
+        <p:spPr/>
+        <p:txBody>
+          <a:bodyPr/>
+          <a:lstStyle/>
+          <a:p>
+            <a:r>
+              <a:rPr lang="en-US" altLang="zh-CN" b="1" dirty="0" smtClean="0"/>
+              <a:t>Data for Constant Values</a:t>
+            </a:r>
+            <a:endParaRPr lang="zh-CN" altLang="en-US" b="1" dirty="0"/>
+          </a:p>
+        </p:txBody>
+      </p:sp>
+      <p:sp>
+        <p:nvSpPr>
+          <p:cNvPr id="11" name="灯片编号占位符 10"/>
+          <p:cNvSpPr>
+            <a:spLocks noGrp="1"/>
+          </p:cNvSpPr>
+          <p:nvPr>
+            <p:ph type="sldNum" sz="quarter" idx="12"/>
+          </p:nvPr>
+        </p:nvSpPr>
+        <p:spPr/>
+        <p:txBody>
+          <a:bodyPr/>
+          <a:lstStyle/>
+          <a:p>
+            <a:fld id="{C102C7BA-A18E-41F7-855F-B9281AA705A6}" type="slidenum">
+              <a:rPr lang="zh-CN" altLang="en-US" smtClean="0"/>
+              <a:t>21</a:t>
+            </a:fld>
+            <a:endParaRPr lang="zh-CN" altLang="en-US" dirty="0"/>
+          </a:p>
+        </p:txBody>
+      </p:sp>
+      <mc:AlternateContent xmlns:mc="http://schemas.openxmlformats.org/markup-compatibility/2006" xmlns:a14="http://schemas.microsoft.com/office/drawing/2010/main">
+        <mc:Choice Requires="a14">
+          <p:sp>
+            <p:nvSpPr>
+              <p:cNvPr id="18" name="内容占位符 2"/>
+              <p:cNvSpPr txBox="1">
+                <a:spLocks/>
+              </p:cNvSpPr>
+              <p:nvPr/>
+            </p:nvSpPr>
+            <p:spPr>
+              <a:xfrm>
+                <a:off x="885878" y="952821"/>
+                <a:ext cx="10364714" cy="4698005"/>
+              </a:xfrm>
+              <a:prstGeom prst="rect">
+                <a:avLst/>
+              </a:prstGeom>
+            </p:spPr>
+            <p:txBody>
+              <a:bodyPr vert="horz" lIns="91440" tIns="45720" rIns="91440" bIns="45720" rtlCol="0">
+                <a:normAutofit/>
+              </a:bodyPr>
+              <a:lstStyle>
+                <a:lvl1pPr marL="228600" indent="-228600" algn="l" defTabSz="914400" rtl="0" eaLnBrk="1" latinLnBrk="0" hangingPunct="1">
+                  <a:lnSpc>
+                    <a:spcPct val="90000"/>
+                  </a:lnSpc>
+                  <a:spcBef>
+                    <a:spcPts val="1000"/>
+                  </a:spcBef>
+                  <a:buFont typeface="Arial" panose="020B0604020202020204" pitchFamily="34" charset="0"/>
+                  <a:buChar char="•"/>
+                  <a:defRPr sz="2800" kern="1200">
+                    <a:solidFill>
+                      <a:schemeClr val="tx1"/>
+                    </a:solidFill>
+                    <a:latin typeface="黑体" panose="02010609060101010101" pitchFamily="49" charset="-122"/>
+                    <a:ea typeface="黑体" panose="02010609060101010101" pitchFamily="49" charset="-122"/>
+                    <a:cs typeface="+mn-cs"/>
+                  </a:defRPr>
+                </a:lvl1pPr>
+                <a:lvl2pPr marL="685800" indent="-228600" algn="l" defTabSz="914400" rtl="0" eaLnBrk="1" latinLnBrk="0" hangingPunct="1">
+                  <a:lnSpc>
+                    <a:spcPct val="90000"/>
+                  </a:lnSpc>
+                  <a:spcBef>
+                    <a:spcPts val="500"/>
+                  </a:spcBef>
+                  <a:buFont typeface="Arial" panose="020B0604020202020204" pitchFamily="34" charset="0"/>
+                  <a:buChar char="•"/>
+                  <a:defRPr sz="2400" kern="1200">
+                    <a:solidFill>
+                      <a:schemeClr val="tx1"/>
+                    </a:solidFill>
+                    <a:latin typeface="黑体" panose="02010609060101010101" pitchFamily="49" charset="-122"/>
+                    <a:ea typeface="黑体" panose="02010609060101010101" pitchFamily="49" charset="-122"/>
+                    <a:cs typeface="+mn-cs"/>
+                  </a:defRPr>
+                </a:lvl2pPr>
+                <a:lvl3pPr marL="1143000" indent="-228600" algn="l" defTabSz="914400" rtl="0" eaLnBrk="1" latinLnBrk="0" hangingPunct="1">
+                  <a:lnSpc>
+                    <a:spcPct val="90000"/>
+                  </a:lnSpc>
+                  <a:spcBef>
+                    <a:spcPts val="500"/>
+                  </a:spcBef>
+                  <a:buFont typeface="Arial" panose="020B0604020202020204" pitchFamily="34" charset="0"/>
+                  <a:buChar char="•"/>
+                  <a:defRPr sz="2000" kern="1200">
+                    <a:solidFill>
+                      <a:schemeClr val="tx1"/>
+                    </a:solidFill>
+                    <a:latin typeface="黑体" panose="02010609060101010101" pitchFamily="49" charset="-122"/>
+                    <a:ea typeface="黑体" panose="02010609060101010101" pitchFamily="49" charset="-122"/>
+                    <a:cs typeface="+mn-cs"/>
+                  </a:defRPr>
+                </a:lvl3pPr>
+                <a:lvl4pPr marL="1600200" indent="-228600" algn="l" defTabSz="914400" rtl="0" eaLnBrk="1" latinLnBrk="0" hangingPunct="1">
+                  <a:lnSpc>
+                    <a:spcPct val="90000"/>
+                  </a:lnSpc>
+                  <a:spcBef>
+                    <a:spcPts val="500"/>
+                  </a:spcBef>
+                  <a:buFont typeface="Arial" panose="020B0604020202020204" pitchFamily="34" charset="0"/>
+                  <a:buChar char="•"/>
+                  <a:defRPr sz="1800" kern="1200">
+                    <a:solidFill>
+                      <a:schemeClr val="tx1"/>
+                    </a:solidFill>
+                    <a:latin typeface="黑体" panose="02010609060101010101" pitchFamily="49" charset="-122"/>
+                    <a:ea typeface="黑体" panose="02010609060101010101" pitchFamily="49" charset="-122"/>
+                    <a:cs typeface="+mn-cs"/>
+                  </a:defRPr>
+                </a:lvl4pPr>
+                <a:lvl5pPr marL="2057400" indent="-228600" algn="l" defTabSz="914400" rtl="0" eaLnBrk="1" latinLnBrk="0" hangingPunct="1">
+                  <a:lnSpc>
+                    <a:spcPct val="90000"/>
+                  </a:lnSpc>
+                  <a:spcBef>
+                    <a:spcPts val="500"/>
+                  </a:spcBef>
+                  <a:buFont typeface="Arial" panose="020B0604020202020204" pitchFamily="34" charset="0"/>
+                  <a:buChar char="•"/>
+                  <a:defRPr sz="1800" kern="1200">
+                    <a:solidFill>
+                      <a:schemeClr val="tx1"/>
+                    </a:solidFill>
+                    <a:latin typeface="黑体" panose="02010609060101010101" pitchFamily="49" charset="-122"/>
+                    <a:ea typeface="黑体" panose="02010609060101010101" pitchFamily="49" charset="-122"/>
+                    <a:cs typeface="+mn-cs"/>
+                  </a:defRPr>
+                </a:lvl5pPr>
+                <a:lvl6pPr marL="2514600" indent="-228600" algn="l" defTabSz="914400" rtl="0" eaLnBrk="1" latinLnBrk="0" hangingPunct="1">
+                  <a:lnSpc>
+                    <a:spcPct val="90000"/>
+                  </a:lnSpc>
+                  <a:spcBef>
+                    <a:spcPts val="500"/>
+                  </a:spcBef>
+                  <a:buFont typeface="Arial" panose="020B0604020202020204" pitchFamily="34" charset="0"/>
+                  <a:buChar char="•"/>
+                  <a:defRPr sz="1800" kern="1200">
+                    <a:solidFill>
+                      <a:schemeClr val="tx1"/>
+                    </a:solidFill>
+                    <a:latin typeface="+mn-lt"/>
+                    <a:ea typeface="+mn-ea"/>
+                    <a:cs typeface="+mn-cs"/>
+                  </a:defRPr>
+                </a:lvl6pPr>
+                <a:lvl7pPr marL="2971800" indent="-228600" algn="l" defTabSz="914400" rtl="0" eaLnBrk="1" latinLnBrk="0" hangingPunct="1">
+                  <a:lnSpc>
+                    <a:spcPct val="90000"/>
+                  </a:lnSpc>
+                  <a:spcBef>
+                    <a:spcPts val="500"/>
+                  </a:spcBef>
+                  <a:buFont typeface="Arial" panose="020B0604020202020204" pitchFamily="34" charset="0"/>
+                  <a:buChar char="•"/>
+                  <a:defRPr sz="1800" kern="1200">
+                    <a:solidFill>
+                      <a:schemeClr val="tx1"/>
+                    </a:solidFill>
+                    <a:latin typeface="+mn-lt"/>
+                    <a:ea typeface="+mn-ea"/>
+                    <a:cs typeface="+mn-cs"/>
+                  </a:defRPr>
+                </a:lvl7pPr>
+                <a:lvl8pPr marL="3429000" indent="-228600" algn="l" defTabSz="914400" rtl="0" eaLnBrk="1" latinLnBrk="0" hangingPunct="1">
+                  <a:lnSpc>
+                    <a:spcPct val="90000"/>
+                  </a:lnSpc>
+                  <a:spcBef>
+                    <a:spcPts val="500"/>
+                  </a:spcBef>
+                  <a:buFont typeface="Arial" panose="020B0604020202020204" pitchFamily="34" charset="0"/>
+                  <a:buChar char="•"/>
+                  <a:defRPr sz="1800" kern="1200">
+                    <a:solidFill>
+                      <a:schemeClr val="tx1"/>
+                    </a:solidFill>
+                    <a:latin typeface="+mn-lt"/>
+                    <a:ea typeface="+mn-ea"/>
+                    <a:cs typeface="+mn-cs"/>
+                  </a:defRPr>
+                </a:lvl8pPr>
+                <a:lvl9pPr marL="3886200" indent="-228600" algn="l" defTabSz="914400" rtl="0" eaLnBrk="1" latinLnBrk="0" hangingPunct="1">
+                  <a:lnSpc>
+                    <a:spcPct val="90000"/>
+                  </a:lnSpc>
+                  <a:spcBef>
+                    <a:spcPts val="500"/>
+                  </a:spcBef>
+                  <a:buFont typeface="Arial" panose="020B0604020202020204" pitchFamily="34" charset="0"/>
+                  <a:buChar char="•"/>
+                  <a:defRPr sz="1800" kern="1200">
+                    <a:solidFill>
+                      <a:schemeClr val="tx1"/>
+                    </a:solidFill>
+                    <a:latin typeface="+mn-lt"/>
+                    <a:ea typeface="+mn-ea"/>
+                    <a:cs typeface="+mn-cs"/>
+                  </a:defRPr>
+                </a:lvl9pPr>
+              </a:lstStyle>
+              <a:p>
+                <a:pPr marL="457200" lvl="1" indent="0">
+                  <a:buNone/>
+                </a:pPr>
+                <a:r>
+                  <a:rPr lang="en-US" altLang="zh-CN" sz="2800" dirty="0" smtClean="0">
+                    <a:latin typeface="微软雅黑" panose="020B0503020204020204" pitchFamily="34" charset="-122"/>
+                    <a:ea typeface="微软雅黑" panose="020B0503020204020204" pitchFamily="34" charset="-122"/>
+                  </a:rPr>
+                  <a:t>* Inter-chip data</a:t>
+                </a:r>
+              </a:p>
+              <a:p>
+                <a:pPr marL="457200" lvl="1" indent="0">
+                  <a:buNone/>
+                </a:pPr>
+                <a:r>
+                  <a:rPr lang="en-US" altLang="zh-CN" sz="2200" dirty="0">
+                    <a:latin typeface="Cambria Math" panose="02040503050406030204" pitchFamily="18" charset="0"/>
+                  </a:rPr>
+                  <a:t>Delay(/cycle</a:t>
+                </a:r>
+                <a:r>
+                  <a:rPr lang="en-US" altLang="zh-CN" sz="2200" dirty="0" smtClean="0">
+                    <a:latin typeface="Cambria Math" panose="02040503050406030204" pitchFamily="18" charset="0"/>
+                  </a:rPr>
+                  <a:t>)</a:t>
+                </a:r>
+              </a:p>
+              <a:p>
+                <a:pPr marL="457200" lvl="1" indent="0">
+                  <a:buNone/>
+                </a:pPr>
+                <a:r>
+                  <a:rPr lang="en-US" altLang="zh-CN" sz="2200" dirty="0" smtClean="0">
+                    <a:latin typeface="Cambria Math" panose="02040503050406030204" pitchFamily="18" charset="0"/>
+                  </a:rPr>
+                  <a:t>=</a:t>
+                </a:r>
+                <a:r>
+                  <a:rPr lang="zh-CN" altLang="en-US" sz="2200" dirty="0" smtClean="0">
+                    <a:latin typeface="Cambria Math" panose="02040503050406030204" pitchFamily="18" charset="0"/>
+                  </a:rPr>
+                  <a:t>打包</a:t>
+                </a:r>
+                <a:r>
+                  <a:rPr lang="en-US" altLang="zh-CN" sz="2200" dirty="0" smtClean="0">
+                    <a:latin typeface="Cambria Math" panose="02040503050406030204" pitchFamily="18" charset="0"/>
+                  </a:rPr>
+                  <a:t>/</a:t>
+                </a:r>
+                <a:r>
+                  <a:rPr lang="zh-CN" altLang="en-US" sz="2200" dirty="0" smtClean="0">
+                    <a:latin typeface="Cambria Math" panose="02040503050406030204" pitchFamily="18" charset="0"/>
+                  </a:rPr>
+                  <a:t>解包</a:t>
+                </a:r>
+                <a:r>
+                  <a:rPr lang="en-US" altLang="zh-CN" sz="2200" dirty="0" smtClean="0">
+                    <a:latin typeface="Cambria Math" panose="02040503050406030204" pitchFamily="18" charset="0"/>
+                  </a:rPr>
+                  <a:t>+</a:t>
+                </a:r>
+                <a:r>
+                  <a:rPr lang="zh-CN" altLang="en-US" sz="2200" dirty="0" smtClean="0">
+                    <a:latin typeface="Cambria Math" panose="02040503050406030204" pitchFamily="18" charset="0"/>
+                  </a:rPr>
+                  <a:t>传输</a:t>
+                </a:r>
+                <a:r>
+                  <a:rPr lang="en-US" altLang="zh-CN" sz="2200" dirty="0" smtClean="0">
+                    <a:latin typeface="Cambria Math" panose="02040503050406030204" pitchFamily="18" charset="0"/>
+                  </a:rPr>
+                  <a:t>+</a:t>
+                </a:r>
+                <a:r>
+                  <a:rPr lang="zh-CN" altLang="en-US" sz="2200" dirty="0" smtClean="0">
+                    <a:latin typeface="Cambria Math" panose="02040503050406030204" pitchFamily="18" charset="0"/>
+                  </a:rPr>
+                  <a:t>收发延迟</a:t>
+                </a:r>
+                <a:endParaRPr lang="en-US" altLang="zh-CN" sz="2200" dirty="0">
+                  <a:latin typeface="Cambria Math" panose="02040503050406030204" pitchFamily="18" charset="0"/>
+                </a:endParaRPr>
+              </a:p>
+              <a:p>
+                <a:pPr lvl="1"/>
+                <a:r>
+                  <a:rPr lang="en-US" altLang="zh-CN" sz="1800" dirty="0" smtClean="0">
+                    <a:latin typeface="Cambria Math" panose="02040503050406030204" pitchFamily="18" charset="0"/>
+                  </a:rPr>
+                  <a:t>T</a:t>
+                </a:r>
+                <a:r>
+                  <a:rPr lang="zh-CN" altLang="en-US" sz="1800" dirty="0" smtClean="0">
+                    <a:latin typeface="Cambria Math" panose="02040503050406030204" pitchFamily="18" charset="0"/>
+                  </a:rPr>
+                  <a:t>（传输延迟）</a:t>
+                </a:r>
+                <a:r>
+                  <a:rPr lang="en-US" altLang="zh-CN" sz="1800" dirty="0" smtClean="0">
+                    <a:latin typeface="Cambria Math" panose="02040503050406030204" pitchFamily="18" charset="0"/>
+                  </a:rPr>
+                  <a:t>=</a:t>
+                </a:r>
+                <a14:m>
+                  <m:oMath xmlns:m="http://schemas.openxmlformats.org/officeDocument/2006/math">
+                    <m:sSub>
+                      <m:sSubPr>
+                        <m:ctrlPr>
+                          <a:rPr lang="en-US" altLang="zh-CN" sz="1800" i="1">
+                            <a:latin typeface="Cambria Math" panose="02040503050406030204" pitchFamily="18" charset="0"/>
+                          </a:rPr>
+                        </m:ctrlPr>
+                      </m:sSubPr>
+                      <m:e>
+                        <m:r>
+                          <m:rPr>
+                            <m:sty m:val="p"/>
+                          </m:rPr>
+                          <a:rPr lang="en-US" altLang="zh-CN" sz="1800" i="1" smtClean="0">
+                            <a:latin typeface="Cambria Math" panose="02040503050406030204" pitchFamily="18" charset="0"/>
+                          </a:rPr>
+                          <m:t>T</m:t>
+                        </m:r>
+                      </m:e>
+                      <m:sub>
+                        <m:r>
+                          <a:rPr lang="en-US" altLang="zh-CN" sz="1800" b="0" i="1" smtClean="0">
+                            <a:latin typeface="Cambria Math" panose="02040503050406030204" pitchFamily="18" charset="0"/>
+                          </a:rPr>
+                          <m:t>𝐸𝑀</m:t>
+                        </m:r>
+                      </m:sub>
+                    </m:sSub>
+                  </m:oMath>
+                </a14:m>
+                <a:r>
+                  <a:rPr lang="zh-CN" altLang="en-US" sz="1800" dirty="0" smtClean="0">
+                    <a:latin typeface="Cambria Math" panose="02040503050406030204" pitchFamily="18" charset="0"/>
+                  </a:rPr>
+                  <a:t>（</a:t>
+                </a:r>
+                <a:r>
+                  <a:rPr lang="zh-CN" altLang="en-US" sz="1800" dirty="0">
+                    <a:latin typeface="Cambria Math" panose="02040503050406030204" pitchFamily="18" charset="0"/>
+                  </a:rPr>
+                  <a:t>电磁波传输延迟</a:t>
+                </a:r>
+                <a:r>
+                  <a:rPr lang="zh-CN" altLang="en-US" sz="1800" dirty="0" smtClean="0">
+                    <a:latin typeface="Cambria Math" panose="02040503050406030204" pitchFamily="18" charset="0"/>
+                  </a:rPr>
+                  <a:t>）</a:t>
+                </a:r>
+                <a:r>
+                  <a:rPr lang="en-US" altLang="zh-CN" sz="1800" dirty="0" smtClean="0">
+                    <a:latin typeface="Cambria Math" panose="02040503050406030204" pitchFamily="18" charset="0"/>
+                  </a:rPr>
+                  <a:t>+</a:t>
+                </a:r>
+                <a14:m>
+                  <m:oMath xmlns:m="http://schemas.openxmlformats.org/officeDocument/2006/math">
+                    <m:sSub>
+                      <m:sSubPr>
+                        <m:ctrlPr>
+                          <a:rPr lang="en-US" altLang="zh-CN" sz="1800" i="1">
+                            <a:latin typeface="Cambria Math" panose="02040503050406030204" pitchFamily="18" charset="0"/>
+                          </a:rPr>
+                        </m:ctrlPr>
+                      </m:sSubPr>
+                      <m:e>
+                        <m:r>
+                          <a:rPr lang="en-US" altLang="zh-CN" sz="1800" b="0" i="1" smtClean="0">
+                            <a:latin typeface="Cambria Math" panose="02040503050406030204" pitchFamily="18" charset="0"/>
+                          </a:rPr>
+                          <m:t>𝑇</m:t>
+                        </m:r>
+                      </m:e>
+                      <m:sub>
+                        <m:r>
+                          <a:rPr lang="en-US" altLang="zh-CN" sz="1800" b="0" i="1" smtClean="0">
+                            <a:latin typeface="Cambria Math" panose="02040503050406030204" pitchFamily="18" charset="0"/>
+                          </a:rPr>
+                          <m:t>𝑅</m:t>
+                        </m:r>
+                      </m:sub>
+                    </m:sSub>
+                  </m:oMath>
+                </a14:m>
+                <a:r>
+                  <a:rPr lang="zh-CN" altLang="en-US" sz="1800" dirty="0" smtClean="0">
+                    <a:latin typeface="Cambria Math" panose="02040503050406030204" pitchFamily="18" charset="0"/>
+                  </a:rPr>
+                  <a:t>（</a:t>
+                </a:r>
+                <a:r>
+                  <a:rPr lang="zh-CN" altLang="en-US" sz="1800" dirty="0">
+                    <a:latin typeface="Cambria Math" panose="02040503050406030204" pitchFamily="18" charset="0"/>
+                  </a:rPr>
+                  <a:t>上升沿延迟</a:t>
+                </a:r>
+                <a:r>
+                  <a:rPr lang="zh-CN" altLang="en-US" sz="1800" dirty="0" smtClean="0">
+                    <a:latin typeface="Cambria Math" panose="02040503050406030204" pitchFamily="18" charset="0"/>
+                  </a:rPr>
+                  <a:t>），</a:t>
+                </a:r>
+                <a:endParaRPr lang="en-US" altLang="zh-CN" sz="1800" dirty="0" smtClean="0">
+                  <a:latin typeface="Cambria Math" panose="02040503050406030204" pitchFamily="18" charset="0"/>
+                </a:endParaRPr>
+              </a:p>
+              <a:p>
+                <a:pPr marL="457200" lvl="1" indent="0">
+                  <a:buNone/>
+                </a:pPr>
+                <a:r>
+                  <a:rPr lang="zh-CN" altLang="en-US" sz="1800" dirty="0" smtClean="0">
+                    <a:latin typeface="Cambria Math" panose="02040503050406030204" pitchFamily="18" charset="0"/>
+                  </a:rPr>
+                  <a:t>其中</a:t>
+                </a:r>
+                <a14:m>
+                  <m:oMath xmlns:m="http://schemas.openxmlformats.org/officeDocument/2006/math">
+                    <m:sSub>
+                      <m:sSubPr>
+                        <m:ctrlPr>
+                          <a:rPr lang="en-US" altLang="zh-CN" sz="1800" i="1">
+                            <a:latin typeface="Cambria Math" panose="02040503050406030204" pitchFamily="18" charset="0"/>
+                          </a:rPr>
+                        </m:ctrlPr>
+                      </m:sSubPr>
+                      <m:e>
+                        <m:r>
+                          <m:rPr>
+                            <m:sty m:val="p"/>
+                          </m:rPr>
+                          <a:rPr lang="en-US" altLang="zh-CN" sz="1800" i="1">
+                            <a:latin typeface="Cambria Math" panose="02040503050406030204" pitchFamily="18" charset="0"/>
+                          </a:rPr>
+                          <m:t>T</m:t>
+                        </m:r>
+                      </m:e>
+                      <m:sub>
+                        <m:r>
+                          <a:rPr lang="en-US" altLang="zh-CN" sz="1800" i="1">
+                            <a:latin typeface="Cambria Math" panose="02040503050406030204" pitchFamily="18" charset="0"/>
+                          </a:rPr>
+                          <m:t>𝐸𝑀</m:t>
+                        </m:r>
+                      </m:sub>
+                    </m:sSub>
+                  </m:oMath>
+                </a14:m>
+                <a:r>
+                  <a:rPr lang="en-US" altLang="zh-CN" sz="1800" dirty="0" smtClean="0">
+                    <a:latin typeface="Cambria Math" panose="02040503050406030204" pitchFamily="18" charset="0"/>
+                  </a:rPr>
+                  <a:t> = h/v</a:t>
+                </a:r>
+                <a:r>
+                  <a:rPr lang="zh-CN" altLang="en-US" sz="1800" dirty="0" smtClean="0">
+                    <a:latin typeface="Cambria Math" panose="02040503050406030204" pitchFamily="18" charset="0"/>
+                  </a:rPr>
+                  <a:t>，</a:t>
+                </a:r>
+                <a:r>
+                  <a:rPr lang="en-US" altLang="zh-CN" sz="1800" dirty="0" smtClean="0">
+                    <a:latin typeface="Cambria Math" panose="02040503050406030204" pitchFamily="18" charset="0"/>
+                  </a:rPr>
+                  <a:t>h</a:t>
+                </a:r>
+                <a:r>
+                  <a:rPr lang="zh-CN" altLang="en-US" sz="1800" dirty="0" smtClean="0">
+                    <a:latin typeface="Cambria Math" panose="02040503050406030204" pitchFamily="18" charset="0"/>
+                  </a:rPr>
+                  <a:t>是线长，</a:t>
+                </a:r>
+                <a:r>
+                  <a:rPr lang="en-US" altLang="zh-CN" sz="1800" dirty="0" smtClean="0">
+                    <a:latin typeface="Cambria Math" panose="02040503050406030204" pitchFamily="18" charset="0"/>
+                  </a:rPr>
+                  <a:t>v</a:t>
+                </a:r>
+                <a:r>
+                  <a:rPr lang="zh-CN" altLang="en-US" sz="1800" dirty="0" smtClean="0">
+                    <a:latin typeface="Cambria Math" panose="02040503050406030204" pitchFamily="18" charset="0"/>
+                  </a:rPr>
+                  <a:t>是电磁波在给定介质中的传播速度；</a:t>
+                </a:r>
+                <a:endParaRPr lang="en-US" altLang="zh-CN" sz="1800" i="1" dirty="0" smtClean="0">
+                  <a:latin typeface="Cambria Math" panose="02040503050406030204" pitchFamily="18" charset="0"/>
+                </a:endParaRPr>
+              </a:p>
+              <a:p>
+                <a:pPr marL="457200" lvl="1" indent="0">
+                  <a:buNone/>
+                </a:pPr>
+                <a14:m>
+                  <m:oMath xmlns:m="http://schemas.openxmlformats.org/officeDocument/2006/math">
+                    <m:sSub>
+                      <m:sSubPr>
+                        <m:ctrlPr>
+                          <a:rPr lang="en-US" altLang="zh-CN" sz="1800" i="1">
+                            <a:latin typeface="Cambria Math" panose="02040503050406030204" pitchFamily="18" charset="0"/>
+                          </a:rPr>
+                        </m:ctrlPr>
+                      </m:sSubPr>
+                      <m:e>
+                        <m:r>
+                          <m:rPr>
+                            <m:sty m:val="p"/>
+                          </m:rPr>
+                          <a:rPr lang="en-US" altLang="zh-CN" sz="1800" i="1">
+                            <a:latin typeface="Cambria Math" panose="02040503050406030204" pitchFamily="18" charset="0"/>
+                          </a:rPr>
+                          <m:t>T</m:t>
+                        </m:r>
+                      </m:e>
+                      <m:sub>
+                        <m:r>
+                          <m:rPr>
+                            <m:sty m:val="p"/>
+                          </m:rPr>
+                          <a:rPr lang="en-US" altLang="zh-CN" sz="1800" i="1">
+                            <a:latin typeface="Cambria Math" panose="02040503050406030204" pitchFamily="18" charset="0"/>
+                          </a:rPr>
+                          <m:t>R</m:t>
+                        </m:r>
+                      </m:sub>
+                    </m:sSub>
+                    <m:r>
+                      <a:rPr lang="en-US" altLang="zh-CN" sz="1800" b="0" i="1" smtClean="0">
+                        <a:latin typeface="Cambria Math" panose="02040503050406030204" pitchFamily="18" charset="0"/>
+                      </a:rPr>
+                      <m:t>=</m:t>
+                    </m:r>
+                    <m:r>
+                      <a:rPr lang="en-US" altLang="zh-CN" sz="1800" b="0" i="1" smtClean="0">
+                        <a:latin typeface="Cambria Math" panose="02040503050406030204" pitchFamily="18" charset="0"/>
+                      </a:rPr>
+                      <m:t>𝑘𝑅𝐶</m:t>
+                    </m:r>
+                    <m:r>
+                      <a:rPr lang="en-US" altLang="zh-CN" sz="1800" b="0" i="1" smtClean="0">
+                        <a:latin typeface="Cambria Math" panose="02040503050406030204" pitchFamily="18" charset="0"/>
+                      </a:rPr>
+                      <m:t>=</m:t>
+                    </m:r>
+                    <m:r>
+                      <a:rPr lang="en-US" altLang="zh-CN" sz="1800" b="0" i="1" smtClean="0">
+                        <a:latin typeface="Cambria Math" panose="02040503050406030204" pitchFamily="18" charset="0"/>
+                      </a:rPr>
+                      <m:t>𝑘𝑟𝑐</m:t>
+                    </m:r>
+                    <m:sSup>
+                      <m:sSupPr>
+                        <m:ctrlPr>
+                          <a:rPr lang="en-US" altLang="zh-CN" sz="1800" b="0" i="1" smtClean="0">
+                            <a:latin typeface="Cambria Math" panose="02040503050406030204" pitchFamily="18" charset="0"/>
+                          </a:rPr>
+                        </m:ctrlPr>
+                      </m:sSupPr>
+                      <m:e>
+                        <m:r>
+                          <a:rPr lang="en-US" altLang="zh-CN" sz="1800" b="0" i="1" smtClean="0">
+                            <a:latin typeface="Cambria Math" panose="02040503050406030204" pitchFamily="18" charset="0"/>
+                          </a:rPr>
+                          <m:t>h</m:t>
+                        </m:r>
+                      </m:e>
+                      <m:sup>
+                        <m:r>
+                          <a:rPr lang="en-US" altLang="zh-CN" sz="1800" b="0" i="1" smtClean="0">
+                            <a:latin typeface="Cambria Math" panose="02040503050406030204" pitchFamily="18" charset="0"/>
+                          </a:rPr>
+                          <m:t>2</m:t>
+                        </m:r>
+                      </m:sup>
+                    </m:sSup>
+                  </m:oMath>
+                </a14:m>
+                <a:r>
+                  <a:rPr lang="zh-CN" altLang="en-US" sz="1800" dirty="0" smtClean="0">
+                    <a:latin typeface="Cambria Math" panose="02040503050406030204" pitchFamily="18" charset="0"/>
+                  </a:rPr>
+                  <a:t>是一阶矩近似，</a:t>
+                </a:r>
+                <a:r>
+                  <a:rPr lang="en-US" altLang="zh-CN" sz="1800" dirty="0" smtClean="0">
+                    <a:latin typeface="Cambria Math" panose="02040503050406030204" pitchFamily="18" charset="0"/>
+                  </a:rPr>
+                  <a:t>k</a:t>
+                </a:r>
+                <a:r>
+                  <a:rPr lang="zh-CN" altLang="en-US" sz="1800" dirty="0" smtClean="0">
+                    <a:latin typeface="Cambria Math" panose="02040503050406030204" pitchFamily="18" charset="0"/>
+                  </a:rPr>
+                  <a:t>是常数，</a:t>
+                </a:r>
+                <a:r>
+                  <a:rPr lang="en-US" altLang="zh-CN" sz="1800" dirty="0" smtClean="0">
+                    <a:latin typeface="Cambria Math" panose="02040503050406030204" pitchFamily="18" charset="0"/>
+                  </a:rPr>
+                  <a:t>r</a:t>
+                </a:r>
+                <a:r>
+                  <a:rPr lang="zh-CN" altLang="en-US" sz="1800" dirty="0" smtClean="0">
+                    <a:latin typeface="Cambria Math" panose="02040503050406030204" pitchFamily="18" charset="0"/>
+                  </a:rPr>
+                  <a:t>和</a:t>
+                </a:r>
+                <a:r>
+                  <a:rPr lang="en-US" altLang="zh-CN" sz="1800" dirty="0" smtClean="0">
+                    <a:latin typeface="Cambria Math" panose="02040503050406030204" pitchFamily="18" charset="0"/>
+                  </a:rPr>
+                  <a:t>c</a:t>
+                </a:r>
+                <a:r>
+                  <a:rPr lang="zh-CN" altLang="en-US" sz="1800" dirty="0" smtClean="0">
+                    <a:latin typeface="Cambria Math" panose="02040503050406030204" pitchFamily="18" charset="0"/>
+                  </a:rPr>
+                  <a:t>分别是单位长度上的电阻和电容</a:t>
+                </a:r>
+                <a:endParaRPr lang="en-US" altLang="zh-CN" sz="1800" dirty="0" smtClean="0">
+                  <a:latin typeface="Cambria Math" panose="02040503050406030204" pitchFamily="18" charset="0"/>
+                </a:endParaRPr>
+              </a:p>
+              <a:p>
+                <a:pPr lvl="1"/>
+                <a:endParaRPr lang="en-US" altLang="zh-CN" sz="2200" dirty="0">
+                  <a:latin typeface="Cambria Math" panose="02040503050406030204" pitchFamily="18" charset="0"/>
+                </a:endParaRPr>
+              </a:p>
+              <a:p>
+                <a:pPr marL="457200" lvl="1" indent="0">
+                  <a:buFont typeface="Arial" panose="020B0604020202020204" pitchFamily="34" charset="0"/>
+                  <a:buNone/>
+                </a:pPr>
+                <a:endParaRPr lang="en-US" altLang="zh-CN" sz="2200" i="1" dirty="0" smtClean="0">
+                  <a:latin typeface="Cambria Math" panose="02040503050406030204" pitchFamily="18" charset="0"/>
+                </a:endParaRPr>
+              </a:p>
+              <a:p>
+                <a:pPr marL="457200" lvl="1" indent="0">
+                  <a:buFont typeface="Arial" panose="020B0604020202020204" pitchFamily="34" charset="0"/>
+                  <a:buNone/>
+                </a:pPr>
+                <a:endParaRPr lang="en-US" altLang="zh-CN" sz="2200" i="1" dirty="0">
+                  <a:latin typeface="Cambria Math" panose="02040503050406030204" pitchFamily="18" charset="0"/>
+                </a:endParaRPr>
+              </a:p>
+            </p:txBody>
+          </p:sp>
+        </mc:Choice>
+        <mc:Fallback xmlns="">
+          <p:sp>
+            <p:nvSpPr>
+              <p:cNvPr id="18" name="内容占位符 2"/>
+              <p:cNvSpPr txBox="1">
+                <a:spLocks noRot="1" noChangeAspect="1" noMove="1" noResize="1" noEditPoints="1" noAdjustHandles="1" noChangeArrowheads="1" noChangeShapeType="1" noTextEdit="1"/>
+              </p:cNvSpPr>
+              <p:nvPr/>
+            </p:nvSpPr>
+            <p:spPr>
+              <a:xfrm>
+                <a:off x="885878" y="952821"/>
+                <a:ext cx="10364714" cy="4698005"/>
+              </a:xfrm>
+              <a:prstGeom prst="rect">
+                <a:avLst/>
+              </a:prstGeom>
+              <a:blipFill rotWithShape="0">
+                <a:blip r:embed="rId3"/>
+                <a:stretch>
+                  <a:fillRect t="-2205"/>
+                </a:stretch>
+              </a:blipFill>
+            </p:spPr>
+            <p:txBody>
+              <a:bodyPr/>
+              <a:lstStyle/>
+              <a:p>
+                <a:r>
+                  <a:rPr lang="zh-CN" altLang="en-US">
+                    <a:noFill/>
+                  </a:rPr>
+                  <a:t> </a:t>
+                </a:r>
+              </a:p>
+            </p:txBody>
+          </p:sp>
+        </mc:Fallback>
+      </mc:AlternateContent>
+      <p:pic>
+        <p:nvPicPr>
+          <p:cNvPr id="12" name="图片 11" descr="31393938393834313b31393939353234333bcbaed6e9d0ce"/>
+          <p:cNvPicPr>
+            <a:picLocks noChangeAspect="1"/>
+          </p:cNvPicPr>
+          <p:nvPr/>
+        </p:nvPicPr>
+        <p:blipFill>
+          <a:blip r:embed="rId4">
+            <a:extLst>
+              <a:ext uri="{96DAC541-7B7A-43D3-8B79-37D633B846F1}">
+                <asvg:svgBlip xmlns:asvg="http://schemas.microsoft.com/office/drawing/2016/SVG/main" xmlns="" r:embed="rId5"/>
+              </a:ext>
+            </a:extLst>
+          </a:blip>
+          <a:stretch>
+            <a:fillRect/>
+          </a:stretch>
+        </p:blipFill>
+        <p:spPr>
+          <a:xfrm flipH="1">
+            <a:off x="968447" y="1429284"/>
+            <a:ext cx="243205" cy="243205"/>
+          </a:xfrm>
+          <a:prstGeom prst="rect">
+            <a:avLst/>
+          </a:prstGeom>
+        </p:spPr>
+      </p:pic>
+      <p:sp>
+        <p:nvSpPr>
+          <p:cNvPr id="15" name="文本框 14"/>
+          <p:cNvSpPr txBox="1"/>
+          <p:nvPr/>
+        </p:nvSpPr>
+        <p:spPr>
+          <a:xfrm>
+            <a:off x="2939608" y="6386670"/>
+            <a:ext cx="7222963" cy="646331"/>
+          </a:xfrm>
+          <a:prstGeom prst="rect">
+            <a:avLst/>
+          </a:prstGeom>
+          <a:noFill/>
+        </p:spPr>
+        <p:txBody>
+          <a:bodyPr wrap="square" rtlCol="0">
+            <a:spAutoFit/>
+          </a:bodyPr>
+          <a:lstStyle/>
+          <a:p>
+            <a:r>
+              <a:rPr lang="en-US" altLang="zh-CN" dirty="0" smtClean="0"/>
+              <a:t>Fig. </a:t>
+            </a:r>
+            <a:r>
+              <a:rPr lang="zh-CN" altLang="en-US" dirty="0" smtClean="0"/>
+              <a:t>不同线长的延时 来自“改进</a:t>
+            </a:r>
+            <a:r>
+              <a:rPr lang="zh-CN" altLang="en-US" dirty="0"/>
+              <a:t>的RLC互连线延时估算</a:t>
+            </a:r>
+            <a:r>
+              <a:rPr lang="zh-CN" altLang="en-US" dirty="0" smtClean="0"/>
+              <a:t>方法”</a:t>
+            </a:r>
+            <a:endParaRPr lang="zh-CN" altLang="en-US" dirty="0"/>
+          </a:p>
+          <a:p>
+            <a:endParaRPr lang="zh-CN" altLang="en-US" dirty="0"/>
+          </a:p>
+        </p:txBody>
+      </p:sp>
+      <p:pic>
+        <p:nvPicPr>
+          <p:cNvPr id="14" name="图片 13"/>
+          <p:cNvPicPr>
+            <a:picLocks noChangeAspect="1"/>
+          </p:cNvPicPr>
+          <p:nvPr/>
+        </p:nvPicPr>
+        <p:blipFill>
+          <a:blip r:embed="rId6"/>
+          <a:stretch>
+            <a:fillRect/>
+          </a:stretch>
+        </p:blipFill>
+        <p:spPr>
+          <a:xfrm>
+            <a:off x="577850" y="3129138"/>
+            <a:ext cx="10348430" cy="3226220"/>
+          </a:xfrm>
+          <a:prstGeom prst="rect">
+            <a:avLst/>
+          </a:prstGeom>
+        </p:spPr>
+      </p:pic>
+    </p:spTree>
+    <p:extLst>
+      <p:ext uri="{BB962C8B-B14F-4D97-AF65-F5344CB8AC3E}">
+        <p14:creationId xmlns:p14="http://schemas.microsoft.com/office/powerpoint/2010/main" val="1148286352"/>
+      </p:ext>
+    </p:extLst>
+  </p:cSld>
+  <p:clrMapOvr>
+    <a:masterClrMapping/>
+  </p:clrMapOvr>
+  <mc:AlternateContent xmlns:mc="http://schemas.openxmlformats.org/markup-compatibility/2006" xmlns:p14="http://schemas.microsoft.com/office/powerpoint/2010/main">
+    <mc:Choice Requires="p14">
+      <p:transition spd="slow" p14:dur="2000" advTm="3640"/>
+    </mc:Choice>
+    <mc:Fallback xmlns="">
+      <p:transition spd="slow" advTm="3640"/>
+    </mc:Fallback>
+  </mc:AlternateContent>
+  <p:timing>
+    <p:tnLst>
+      <p:par>
+        <p:cTn id="1" dur="indefinite" restart="never" nodeType="tmRoot"/>
+      </p:par>
+    </p:tnLst>
+  </p:timing>
+</p:sld>
+</file>
+
+<file path=ppt/slides/slide22.xml><?xml version="1.0" encoding="utf-8"?>
+<p:sld xmlns:a="http://schemas.openxmlformats.org/drawingml/2006/main" xmlns:r="http://schemas.openxmlformats.org/officeDocument/2006/relationships" xmlns:p="http://schemas.openxmlformats.org/presentationml/2006/main">
+  <p:cSld>
+    <p:spTree>
+      <p:nvGrpSpPr>
+        <p:cNvPr id="1" name=""/>
+        <p:cNvGrpSpPr/>
+        <p:nvPr/>
+      </p:nvGrpSpPr>
+      <p:grpSpPr>
+        <a:xfrm>
+          <a:off x="0" y="0"/>
+          <a:ext cx="0" cy="0"/>
+          <a:chOff x="0" y="0"/>
+          <a:chExt cx="0" cy="0"/>
+        </a:xfrm>
+      </p:grpSpPr>
+      <p:sp>
+        <p:nvSpPr>
+          <p:cNvPr id="2" name="标题 1"/>
+          <p:cNvSpPr>
+            <a:spLocks noGrp="1"/>
+          </p:cNvSpPr>
+          <p:nvPr>
+            <p:ph type="title"/>
+          </p:nvPr>
+        </p:nvSpPr>
+        <p:spPr/>
+        <p:txBody>
+          <a:bodyPr/>
+          <a:lstStyle/>
+          <a:p>
+            <a:r>
+              <a:rPr lang="en-US" altLang="zh-CN" b="1" dirty="0" smtClean="0"/>
+              <a:t>Data for Constant Values</a:t>
+            </a:r>
+            <a:endParaRPr lang="zh-CN" altLang="en-US" b="1" dirty="0"/>
+          </a:p>
+        </p:txBody>
+      </p:sp>
+      <p:sp>
+        <p:nvSpPr>
+          <p:cNvPr id="11" name="灯片编号占位符 10"/>
+          <p:cNvSpPr>
+            <a:spLocks noGrp="1"/>
+          </p:cNvSpPr>
+          <p:nvPr>
+            <p:ph type="sldNum" sz="quarter" idx="12"/>
+          </p:nvPr>
+        </p:nvSpPr>
+        <p:spPr/>
+        <p:txBody>
+          <a:bodyPr/>
+          <a:lstStyle/>
+          <a:p>
+            <a:fld id="{C102C7BA-A18E-41F7-855F-B9281AA705A6}" type="slidenum">
+              <a:rPr lang="zh-CN" altLang="en-US" smtClean="0"/>
+              <a:t>22</a:t>
+            </a:fld>
+            <a:endParaRPr lang="zh-CN" altLang="en-US" dirty="0"/>
+          </a:p>
+        </p:txBody>
+      </p:sp>
+      <p:sp>
+        <p:nvSpPr>
+          <p:cNvPr id="18" name="内容占位符 2"/>
+          <p:cNvSpPr txBox="1">
+            <a:spLocks/>
+          </p:cNvSpPr>
+          <p:nvPr/>
+        </p:nvSpPr>
+        <p:spPr>
+          <a:xfrm>
             <a:off x="797876" y="1058495"/>
             <a:ext cx="5244109" cy="4698005"/>
           </a:xfrm>
@@ -25320,7 +27000,7 @@
 </p:sld>
 </file>
 
-<file path=ppt/slides/slide21.xml><?xml version="1.0" encoding="utf-8"?>
+<file path=ppt/slides/slide23.xml><?xml version="1.0" encoding="utf-8"?>
 <p:sld xmlns:a="http://schemas.openxmlformats.org/drawingml/2006/main" xmlns:r="http://schemas.openxmlformats.org/officeDocument/2006/relationships" xmlns:p="http://schemas.openxmlformats.org/presentationml/2006/main">
   <p:cSld>
     <p:spTree>
@@ -27321,7 +29001,7 @@
           <a:p>
             <a:fld id="{C102C7BA-A18E-41F7-855F-B9281AA705A6}" type="slidenum">
               <a:rPr lang="zh-CN" altLang="en-US" smtClean="0"/>
-              <a:t>21</a:t>
+              <a:t>23</a:t>
             </a:fld>
             <a:endParaRPr lang="zh-CN" altLang="en-US" dirty="0"/>
           </a:p>
@@ -27445,7 +29125,7 @@
 </p:sld>
 </file>
 
-<file path=ppt/slides/slide22.xml><?xml version="1.0" encoding="utf-8"?>
+<file path=ppt/slides/slide24.xml><?xml version="1.0" encoding="utf-8"?>
 <p:sld xmlns:a="http://schemas.openxmlformats.org/drawingml/2006/main" xmlns:r="http://schemas.openxmlformats.org/officeDocument/2006/relationships" xmlns:p="http://schemas.openxmlformats.org/presentationml/2006/main">
   <p:cSld>
     <p:spTree>
@@ -27466,7 +29146,7 @@
         <mc:Choice Requires="a14">
           <p:sp>
             <p:nvSpPr>
-              <p:cNvPr id="15" name="内容占位符 2"/>
+              <p:cNvPr id="43" name="内容占位符 2"/>
               <p:cNvSpPr txBox="1">
                 <a:spLocks/>
               </p:cNvSpPr>
@@ -27474,7 +29154,7 @@
             </p:nvSpPr>
             <p:spPr>
               <a:xfrm>
-                <a:off x="577850" y="1199555"/>
+                <a:off x="214613" y="863600"/>
                 <a:ext cx="10515600" cy="4351338"/>
               </a:xfrm>
               <a:prstGeom prst="rect">
@@ -27483,7 +29163,7 @@
             </p:spPr>
             <p:txBody>
               <a:bodyPr vert="horz" lIns="91440" tIns="45720" rIns="91440" bIns="45720" rtlCol="0">
-                <a:normAutofit fontScale="92500" lnSpcReduction="10000"/>
+                <a:normAutofit fontScale="85000" lnSpcReduction="20000"/>
               </a:bodyPr>
               <a:lstStyle>
                 <a:lvl1pPr marL="228600" indent="-228600" algn="l" defTabSz="914400" rtl="0" eaLnBrk="1" latinLnBrk="0" hangingPunct="1">
@@ -27653,382 +29333,6 @@
                 <a:pPr marL="0" indent="0">
                   <a:buNone/>
                 </a:pPr>
-                <a:r>
-                  <a:rPr lang="en-US" altLang="zh-CN" dirty="0" smtClean="0"/>
-                  <a:t>  </a:t>
-                </a:r>
-                <a14:m>
-                  <m:oMath xmlns:m="http://schemas.openxmlformats.org/officeDocument/2006/math">
-                    <m:func>
-                      <m:funcPr>
-                        <m:ctrlPr>
-                          <a:rPr lang="en-US" altLang="zh-CN" i="1" dirty="0" smtClean="0">
-                            <a:latin typeface="Cambria Math" panose="02040503050406030204" pitchFamily="18" charset="0"/>
-                          </a:rPr>
-                        </m:ctrlPr>
-                      </m:funcPr>
-                      <m:fName>
-                        <m:r>
-                          <a:rPr lang="en-US" altLang="zh-CN" i="1" dirty="0" smtClean="0">
-                            <a:latin typeface="Cambria Math" panose="02040503050406030204" pitchFamily="18" charset="0"/>
-                          </a:rPr>
-                          <m:t>𝑎𝑟𝑔</m:t>
-                        </m:r>
-                      </m:fName>
-                      <m:e>
-                        <m:r>
-                          <a:rPr lang="en-US" altLang="zh-CN" i="1" dirty="0" smtClean="0">
-                            <a:latin typeface="Cambria Math" panose="02040503050406030204" pitchFamily="18" charset="0"/>
-                          </a:rPr>
-                          <m:t>𝑚𝑖𝑛</m:t>
-                        </m:r>
-                      </m:e>
-                    </m:func>
-                    <m:d>
-                      <m:dPr>
-                        <m:ctrlPr>
-                          <a:rPr lang="en-US" altLang="zh-CN" i="1" dirty="0" smtClean="0">
-                            <a:latin typeface="Cambria Math" panose="02040503050406030204" pitchFamily="18" charset="0"/>
-                          </a:rPr>
-                        </m:ctrlPr>
-                      </m:dPr>
-                      <m:e>
-                        <m:r>
-                          <m:rPr>
-                            <m:sty m:val="p"/>
-                          </m:rPr>
-                          <a:rPr lang="en-US" altLang="zh-CN" i="1" dirty="0">
-                            <a:latin typeface="Cambria Math" panose="02040503050406030204" pitchFamily="18" charset="0"/>
-                          </a:rPr>
-                          <m:t>D</m:t>
-                        </m:r>
-                        <m:d>
-                          <m:dPr>
-                            <m:ctrlPr>
-                              <a:rPr lang="en-US" altLang="zh-CN" i="1" dirty="0" smtClean="0">
-                                <a:latin typeface="Cambria Math" panose="02040503050406030204" pitchFamily="18" charset="0"/>
-                              </a:rPr>
-                            </m:ctrlPr>
-                          </m:dPr>
-                          <m:e>
-                            <m:sSub>
-                              <m:sSubPr>
-                                <m:ctrlPr>
-                                  <a:rPr lang="en-US" altLang="zh-CN" i="1" dirty="0" smtClean="0">
-                                    <a:latin typeface="Cambria Math" panose="02040503050406030204" pitchFamily="18" charset="0"/>
-                                  </a:rPr>
-                                </m:ctrlPr>
-                              </m:sSubPr>
-                              <m:e>
-                                <m:r>
-                                  <a:rPr lang="en-US" altLang="zh-CN" i="1" dirty="0" smtClean="0">
-                                    <a:latin typeface="Cambria Math" panose="02040503050406030204" pitchFamily="18" charset="0"/>
-                                  </a:rPr>
-                                  <m:t>𝐺</m:t>
-                                </m:r>
-                              </m:e>
-                              <m:sub>
-                                <m:r>
-                                  <a:rPr lang="en-US" altLang="zh-CN" i="1" dirty="0" smtClean="0">
-                                    <a:latin typeface="Cambria Math" panose="02040503050406030204" pitchFamily="18" charset="0"/>
-                                  </a:rPr>
-                                  <m:t>𝑇</m:t>
-                                </m:r>
-                              </m:sub>
-                            </m:sSub>
-                          </m:e>
-                        </m:d>
-                      </m:e>
-                    </m:d>
-                  </m:oMath>
-                </a14:m>
-                <a:endParaRPr lang="en-US" altLang="zh-CN" i="1" dirty="0" smtClean="0">
-                  <a:latin typeface="Cambria Math" panose="02040503050406030204" pitchFamily="18" charset="0"/>
-                </a:endParaRPr>
-              </a:p>
-              <a:p>
-                <a:pPr lvl="1"/>
-                <a14:m>
-                  <m:oMath xmlns:m="http://schemas.openxmlformats.org/officeDocument/2006/math">
-                    <m:func>
-                      <m:funcPr>
-                        <m:ctrlPr>
-                          <a:rPr lang="en-US" altLang="zh-CN" i="1" dirty="0">
-                            <a:latin typeface="Cambria Math" panose="02040503050406030204" pitchFamily="18" charset="0"/>
-                          </a:rPr>
-                        </m:ctrlPr>
-                      </m:funcPr>
-                      <m:fName>
-                        <m:r>
-                          <a:rPr lang="en-US" altLang="zh-CN" i="1" dirty="0" smtClean="0">
-                            <a:latin typeface="Cambria Math" panose="02040503050406030204" pitchFamily="18" charset="0"/>
-                          </a:rPr>
-                          <m:t>𝑠</m:t>
-                        </m:r>
-                        <m:r>
-                          <a:rPr lang="en-US" altLang="zh-CN" i="1" dirty="0" smtClean="0">
-                            <a:latin typeface="Cambria Math" panose="02040503050406030204" pitchFamily="18" charset="0"/>
-                          </a:rPr>
-                          <m:t>.</m:t>
-                        </m:r>
-                        <m:r>
-                          <a:rPr lang="en-US" altLang="zh-CN" i="1" dirty="0" smtClean="0">
-                            <a:latin typeface="Cambria Math" panose="02040503050406030204" pitchFamily="18" charset="0"/>
-                          </a:rPr>
-                          <m:t>𝑡</m:t>
-                        </m:r>
-                        <m:r>
-                          <a:rPr lang="en-US" altLang="zh-CN" i="1" dirty="0" smtClean="0">
-                            <a:latin typeface="Cambria Math" panose="02040503050406030204" pitchFamily="18" charset="0"/>
-                          </a:rPr>
-                          <m:t>. </m:t>
-                        </m:r>
-                      </m:fName>
-                      <m:e>
-                        <m:r>
-                          <a:rPr lang="en-US" altLang="zh-CN" i="1" dirty="0" smtClean="0">
-                            <a:latin typeface="Cambria Math" panose="02040503050406030204" pitchFamily="18" charset="0"/>
-                          </a:rPr>
-                          <m:t>𝐴𝑐𝑐</m:t>
-                        </m:r>
-                        <m:d>
-                          <m:dPr>
-                            <m:ctrlPr>
-                              <a:rPr lang="en-US" altLang="zh-CN" i="1" dirty="0" smtClean="0">
-                                <a:latin typeface="Cambria Math" panose="02040503050406030204" pitchFamily="18" charset="0"/>
-                              </a:rPr>
-                            </m:ctrlPr>
-                          </m:dPr>
-                          <m:e>
-                            <m:r>
-                              <m:rPr>
-                                <m:nor/>
-                              </m:rPr>
-                              <a:rPr lang="en-US" altLang="zh-CN" dirty="0"/>
-                              <m:t>Gnet</m:t>
-                            </m:r>
-                            <m:r>
-                              <m:rPr>
-                                <m:nor/>
-                              </m:rPr>
-                              <a:rPr lang="en-US" altLang="zh-CN" dirty="0"/>
-                              <m:t>(</m:t>
-                            </m:r>
-                            <m:r>
-                              <m:rPr>
-                                <m:nor/>
-                              </m:rPr>
-                              <a:rPr lang="en-US" altLang="zh-CN" dirty="0"/>
-                              <m:t>B</m:t>
-                            </m:r>
-                            <m:r>
-                              <m:rPr>
-                                <m:nor/>
-                              </m:rPr>
-                              <a:rPr lang="en-US" altLang="zh-CN" dirty="0"/>
-                              <m:t>,</m:t>
-                            </m:r>
-                            <m:r>
-                              <m:rPr>
-                                <m:nor/>
-                              </m:rPr>
-                              <a:rPr lang="en-US" altLang="zh-CN" dirty="0"/>
-                              <m:t>D</m:t>
-                            </m:r>
-                            <m:r>
-                              <m:rPr>
-                                <m:nor/>
-                              </m:rPr>
-                              <a:rPr lang="en-US" altLang="zh-CN" dirty="0"/>
-                              <m:t>, </m:t>
-                            </m:r>
-                            <m:r>
-                              <m:rPr>
-                                <m:nor/>
-                              </m:rPr>
-                              <a:rPr lang="en-US" altLang="zh-CN" dirty="0"/>
-                              <m:t>ACT</m:t>
-                            </m:r>
-                            <m:r>
-                              <m:rPr>
-                                <m:nor/>
-                              </m:rPr>
-                              <a:rPr lang="en-US" altLang="zh-CN" dirty="0"/>
-                              <m:t>, </m:t>
-                            </m:r>
-                            <m:r>
-                              <m:rPr>
-                                <m:nor/>
-                              </m:rPr>
-                              <a:rPr lang="en-US" altLang="zh-CN" dirty="0"/>
-                              <m:t>AGG</m:t>
-                            </m:r>
-                            <m:r>
-                              <m:rPr>
-                                <m:nor/>
-                              </m:rPr>
-                              <a:rPr lang="en-US" altLang="zh-CN" dirty="0"/>
-                              <m:t>), </m:t>
-                            </m:r>
-                            <m:r>
-                              <m:rPr>
-                                <m:nor/>
-                              </m:rPr>
-                              <a:rPr lang="en-US" altLang="zh-CN" dirty="0"/>
-                              <m:t>q</m:t>
-                            </m:r>
-                          </m:e>
-                        </m:d>
-                        <m:r>
-                          <a:rPr lang="en-US" altLang="zh-CN" i="1" dirty="0" smtClean="0">
-                            <a:latin typeface="Cambria Math" panose="02040503050406030204" pitchFamily="18" charset="0"/>
-                          </a:rPr>
-                          <m:t>≤</m:t>
-                        </m:r>
-                        <m:r>
-                          <a:rPr lang="en-US" altLang="zh-CN" i="1" dirty="0" smtClean="0">
-                            <a:latin typeface="Cambria Math" panose="02040503050406030204" pitchFamily="18" charset="0"/>
-                          </a:rPr>
-                          <m:t>𝐴𝑐</m:t>
-                        </m:r>
-                        <m:sSub>
-                          <m:sSubPr>
-                            <m:ctrlPr>
-                              <a:rPr lang="en-US" altLang="zh-CN" i="1" dirty="0" smtClean="0">
-                                <a:latin typeface="Cambria Math" panose="02040503050406030204" pitchFamily="18" charset="0"/>
-                              </a:rPr>
-                            </m:ctrlPr>
-                          </m:sSubPr>
-                          <m:e>
-                            <m:r>
-                              <a:rPr lang="en-US" altLang="zh-CN" i="1" dirty="0" smtClean="0">
-                                <a:latin typeface="Cambria Math" panose="02040503050406030204" pitchFamily="18" charset="0"/>
-                              </a:rPr>
-                              <m:t>𝑐</m:t>
-                            </m:r>
-                          </m:e>
-                          <m:sub>
-                            <m:r>
-                              <a:rPr lang="en-US" altLang="zh-CN" i="1" dirty="0" smtClean="0">
-                                <a:latin typeface="Cambria Math" panose="02040503050406030204" pitchFamily="18" charset="0"/>
-                              </a:rPr>
-                              <m:t>0</m:t>
-                            </m:r>
-                          </m:sub>
-                        </m:sSub>
-                        <m:r>
-                          <a:rPr lang="en-US" altLang="zh-CN" i="1" dirty="0" smtClean="0">
-                            <a:latin typeface="Cambria Math" panose="02040503050406030204" pitchFamily="18" charset="0"/>
-                          </a:rPr>
-                          <m:t>, </m:t>
-                        </m:r>
-                        <m:r>
-                          <a:rPr lang="en-US" altLang="zh-CN" i="1" dirty="0" smtClean="0">
-                            <a:latin typeface="Cambria Math" panose="02040503050406030204" pitchFamily="18" charset="0"/>
-                          </a:rPr>
-                          <m:t>𝐴</m:t>
-                        </m:r>
-                        <m:r>
-                          <a:rPr lang="en-US" altLang="zh-CN" i="1" dirty="0" smtClean="0">
-                            <a:latin typeface="Cambria Math" panose="02040503050406030204" pitchFamily="18" charset="0"/>
-                          </a:rPr>
-                          <m:t>≤</m:t>
-                        </m:r>
-                        <m:sSub>
-                          <m:sSubPr>
-                            <m:ctrlPr>
-                              <a:rPr lang="en-US" altLang="zh-CN" i="1" dirty="0" smtClean="0">
-                                <a:latin typeface="Cambria Math" panose="02040503050406030204" pitchFamily="18" charset="0"/>
-                              </a:rPr>
-                            </m:ctrlPr>
-                          </m:sSubPr>
-                          <m:e>
-                            <m:r>
-                              <a:rPr lang="en-US" altLang="zh-CN" i="1" dirty="0" smtClean="0">
-                                <a:latin typeface="Cambria Math" panose="02040503050406030204" pitchFamily="18" charset="0"/>
-                              </a:rPr>
-                              <m:t>𝐴</m:t>
-                            </m:r>
-                          </m:e>
-                          <m:sub>
-                            <m:r>
-                              <a:rPr lang="en-US" altLang="zh-CN" i="1" dirty="0" smtClean="0">
-                                <a:latin typeface="Cambria Math" panose="02040503050406030204" pitchFamily="18" charset="0"/>
-                              </a:rPr>
-                              <m:t>0</m:t>
-                            </m:r>
-                          </m:sub>
-                        </m:sSub>
-                        <m:r>
-                          <a:rPr lang="en-US" altLang="zh-CN" i="1" dirty="0" smtClean="0">
-                            <a:latin typeface="Cambria Math" panose="02040503050406030204" pitchFamily="18" charset="0"/>
-                          </a:rPr>
-                          <m:t>,</m:t>
-                        </m:r>
-                        <m:r>
-                          <a:rPr lang="en-US" altLang="zh-CN" i="1" dirty="0" smtClean="0">
-                            <a:latin typeface="Cambria Math" panose="02040503050406030204" pitchFamily="18" charset="0"/>
-                          </a:rPr>
-                          <m:t>𝑃</m:t>
-                        </m:r>
-                        <m:r>
-                          <a:rPr lang="en-US" altLang="zh-CN" i="1" dirty="0" smtClean="0">
-                            <a:latin typeface="Cambria Math" panose="02040503050406030204" pitchFamily="18" charset="0"/>
-                          </a:rPr>
-                          <m:t>≤</m:t>
-                        </m:r>
-                        <m:sSub>
-                          <m:sSubPr>
-                            <m:ctrlPr>
-                              <a:rPr lang="en-US" altLang="zh-CN" i="1" dirty="0" smtClean="0">
-                                <a:latin typeface="Cambria Math" panose="02040503050406030204" pitchFamily="18" charset="0"/>
-                              </a:rPr>
-                            </m:ctrlPr>
-                          </m:sSubPr>
-                          <m:e>
-                            <m:r>
-                              <a:rPr lang="en-US" altLang="zh-CN" i="1" dirty="0" smtClean="0">
-                                <a:latin typeface="Cambria Math" panose="02040503050406030204" pitchFamily="18" charset="0"/>
-                              </a:rPr>
-                              <m:t>𝑃</m:t>
-                            </m:r>
-                          </m:e>
-                          <m:sub>
-                            <m:r>
-                              <a:rPr lang="en-US" altLang="zh-CN" i="1" dirty="0" smtClean="0">
-                                <a:latin typeface="Cambria Math" panose="02040503050406030204" pitchFamily="18" charset="0"/>
-                              </a:rPr>
-                              <m:t>0</m:t>
-                            </m:r>
-                          </m:sub>
-                        </m:sSub>
-                      </m:e>
-                    </m:func>
-                  </m:oMath>
-                </a14:m>
-                <a:endParaRPr lang="en-US" altLang="zh-CN" dirty="0" smtClean="0">
-                  <a:latin typeface="Cambria Math" panose="02040503050406030204" pitchFamily="18" charset="0"/>
-                  <a:cs typeface="Cambria Math" panose="02040503050406030204" pitchFamily="18" charset="0"/>
-                </a:endParaRPr>
-              </a:p>
-              <a:p>
-                <a:pPr marL="0" indent="0">
-                  <a:buNone/>
-                </a:pPr>
-                <a:r>
-                  <a:rPr lang="zh-CN" altLang="en-US" dirty="0">
-                    <a:latin typeface="Cambria Math" panose="02040503050406030204" pitchFamily="18" charset="0"/>
-                    <a:cs typeface="Cambria Math" panose="02040503050406030204" pitchFamily="18" charset="0"/>
-                  </a:rPr>
-                  <a:t> </a:t>
-                </a:r>
-                <a:r>
-                  <a:rPr lang="zh-CN" altLang="en-US" dirty="0" smtClean="0">
-                    <a:latin typeface="Cambria Math" panose="02040503050406030204" pitchFamily="18" charset="0"/>
-                    <a:cs typeface="Cambria Math" panose="02040503050406030204" pitchFamily="18" charset="0"/>
-                  </a:rPr>
-                  <a:t>    解释</a:t>
-                </a:r>
                 <a:endParaRPr lang="en-US" altLang="zh-CN" dirty="0" smtClean="0">
                   <a:latin typeface="Cambria Math" panose="02040503050406030204" pitchFamily="18" charset="0"/>
                   <a:cs typeface="Cambria Math" panose="02040503050406030204" pitchFamily="18" charset="0"/>
@@ -28170,967 +29474,281 @@
                     <a:latin typeface="Cambria Math" panose="02040503050406030204" pitchFamily="18" charset="0"/>
                     <a:cs typeface="Cambria Math" panose="02040503050406030204" pitchFamily="18" charset="0"/>
                   </a:rPr>
-                  <a:t>（可计算方法）</a:t>
+                  <a:t>（可计算的方法）</a:t>
                 </a:r>
-                <a:endParaRPr lang="en-US" altLang="zh-CN" dirty="0">
+                <a:endParaRPr lang="en-US" altLang="zh-CN" dirty="0" smtClean="0">
                   <a:latin typeface="Cambria Math" panose="02040503050406030204" pitchFamily="18" charset="0"/>
                   <a:cs typeface="Cambria Math" panose="02040503050406030204" pitchFamily="18" charset="0"/>
                 </a:endParaRPr>
               </a:p>
               <a:p>
-                <a:pPr lvl="2"/>
+                <a:pPr marL="457200" lvl="1" indent="0">
+                  <a:buNone/>
+                </a:pPr>
                 <a14:m>
-                  <m:oMath xmlns:m="http://schemas.openxmlformats.org/officeDocument/2006/math">
-                    <m:sSub>
-                      <m:sSubPr>
-                        <m:ctrlPr>
-                          <a:rPr lang="en-US" altLang="zh-CN" i="1" smtClean="0">
-                            <a:latin typeface="Cambria Math" panose="02040503050406030204" pitchFamily="18" charset="0"/>
-                            <a:cs typeface="Cambria Math" panose="02040503050406030204" pitchFamily="18" charset="0"/>
-                          </a:rPr>
-                        </m:ctrlPr>
-                      </m:sSubPr>
-                      <m:e>
-                        <m:r>
-                          <a:rPr lang="en-US" altLang="zh-CN" i="1" smtClean="0">
-                            <a:latin typeface="Cambria Math" panose="02040503050406030204" pitchFamily="18" charset="0"/>
-                            <a:cs typeface="Cambria Math" panose="02040503050406030204" pitchFamily="18" charset="0"/>
-                          </a:rPr>
-                          <m:t>𝑉</m:t>
-                        </m:r>
-                      </m:e>
-                      <m:sub>
-                        <m:r>
-                          <a:rPr lang="en-US" altLang="zh-CN" i="1" smtClean="0">
-                            <a:latin typeface="Cambria Math" panose="02040503050406030204" pitchFamily="18" charset="0"/>
-                            <a:cs typeface="Cambria Math" panose="02040503050406030204" pitchFamily="18" charset="0"/>
-                          </a:rPr>
-                          <m:t>𝑇</m:t>
-                        </m:r>
-                      </m:sub>
-                    </m:sSub>
-                  </m:oMath>
-                </a14:m>
-                <a:r>
-                  <a:rPr lang="zh-CN" altLang="en-US" dirty="0" smtClean="0">
-                    <a:latin typeface="Cambria Math" panose="02040503050406030204" pitchFamily="18" charset="0"/>
-                    <a:cs typeface="Cambria Math" panose="02040503050406030204" pitchFamily="18" charset="0"/>
-                  </a:rPr>
-                  <a:t>的权重</a:t>
-                </a:r>
-                <a14:m>
-                  <m:oMath xmlns:m="http://schemas.openxmlformats.org/officeDocument/2006/math">
-                    <m:sSub>
-                      <m:sSubPr>
-                        <m:ctrlPr>
-                          <a:rPr lang="en-US" altLang="zh-CN" i="1" smtClean="0">
-                            <a:latin typeface="Cambria Math" panose="02040503050406030204" pitchFamily="18" charset="0"/>
-                            <a:cs typeface="Cambria Math" panose="02040503050406030204" pitchFamily="18" charset="0"/>
-                          </a:rPr>
-                        </m:ctrlPr>
-                      </m:sSubPr>
-                      <m:e>
-                        <m:r>
-                          <a:rPr lang="en-US" altLang="zh-CN" i="1" smtClean="0">
-                            <a:latin typeface="Cambria Math" panose="02040503050406030204" pitchFamily="18" charset="0"/>
-                            <a:cs typeface="Cambria Math" panose="02040503050406030204" pitchFamily="18" charset="0"/>
-                          </a:rPr>
-                          <m:t>𝑣</m:t>
-                        </m:r>
-                      </m:e>
-                      <m:sub>
-                        <m:r>
-                          <a:rPr lang="en-US" altLang="zh-CN" i="1" smtClean="0">
-                            <a:latin typeface="Cambria Math" panose="02040503050406030204" pitchFamily="18" charset="0"/>
-                            <a:cs typeface="Cambria Math" panose="02040503050406030204" pitchFamily="18" charset="0"/>
-                          </a:rPr>
-                          <m:t>𝑖</m:t>
-                        </m:r>
-                      </m:sub>
-                    </m:sSub>
-                  </m:oMath>
-                </a14:m>
-                <a:r>
-                  <a:rPr lang="zh-CN" altLang="en-US" dirty="0" smtClean="0">
-                    <a:latin typeface="Cambria Math" panose="02040503050406030204" pitchFamily="18" charset="0"/>
-                    <a:cs typeface="Cambria Math" panose="02040503050406030204" pitchFamily="18" charset="0"/>
-                  </a:rPr>
-                  <a:t>为任务计算时间</a:t>
-                </a:r>
-                <a:r>
-                  <a:rPr lang="en-US" altLang="zh-CN" dirty="0" smtClean="0">
-                    <a:latin typeface="Cambria Math" panose="02040503050406030204" pitchFamily="18" charset="0"/>
-                    <a:cs typeface="Cambria Math" panose="02040503050406030204" pitchFamily="18" charset="0"/>
-                  </a:rPr>
-                  <a:t>, </a:t>
-                </a:r>
-                <a14:m>
-                  <m:oMath xmlns:m="http://schemas.openxmlformats.org/officeDocument/2006/math">
-                    <m:sSub>
-                      <m:sSubPr>
-                        <m:ctrlPr>
-                          <a:rPr lang="en-US" altLang="zh-CN" i="1" smtClean="0">
-                            <a:latin typeface="Cambria Math" panose="02040503050406030204" pitchFamily="18" charset="0"/>
-                            <a:cs typeface="Cambria Math" panose="02040503050406030204" pitchFamily="18" charset="0"/>
-                          </a:rPr>
-                        </m:ctrlPr>
-                      </m:sSubPr>
-                      <m:e>
-                        <m:r>
-                          <a:rPr lang="en-US" altLang="zh-CN" i="1" smtClean="0">
-                            <a:latin typeface="Cambria Math" panose="02040503050406030204" pitchFamily="18" charset="0"/>
-                            <a:cs typeface="Cambria Math" panose="02040503050406030204" pitchFamily="18" charset="0"/>
-                          </a:rPr>
-                          <m:t>𝑣</m:t>
-                        </m:r>
-                      </m:e>
-                      <m:sub>
-                        <m:r>
-                          <a:rPr lang="en-US" altLang="zh-CN" i="1" smtClean="0">
-                            <a:latin typeface="Cambria Math" panose="02040503050406030204" pitchFamily="18" charset="0"/>
-                            <a:cs typeface="Cambria Math" panose="02040503050406030204" pitchFamily="18" charset="0"/>
-                          </a:rPr>
-                          <m:t>𝑖</m:t>
-                        </m:r>
-                      </m:sub>
-                    </m:sSub>
-                    <m:r>
-                      <a:rPr lang="en-US" altLang="zh-CN" i="1" smtClean="0">
-                        <a:latin typeface="Cambria Math" panose="02040503050406030204" pitchFamily="18" charset="0"/>
-                        <a:cs typeface="Cambria Math" panose="02040503050406030204" pitchFamily="18" charset="0"/>
-                      </a:rPr>
-                      <m:t>=</m:t>
-                    </m:r>
-                    <m:sSub>
-                      <m:sSubPr>
-                        <m:ctrlPr>
-                          <a:rPr lang="en-US" altLang="zh-CN" b="0" i="1" smtClean="0">
-                            <a:latin typeface="Cambria Math" panose="02040503050406030204" pitchFamily="18" charset="0"/>
-                            <a:cs typeface="Cambria Math" panose="02040503050406030204" pitchFamily="18" charset="0"/>
-                          </a:rPr>
-                        </m:ctrlPr>
-                      </m:sSubPr>
-                      <m:e>
-                        <m:r>
-                          <a:rPr lang="en-US" altLang="zh-CN" b="0" i="1" smtClean="0">
-                            <a:latin typeface="Cambria Math" panose="02040503050406030204" pitchFamily="18" charset="0"/>
-                            <a:cs typeface="Cambria Math" panose="02040503050406030204" pitchFamily="18" charset="0"/>
-                          </a:rPr>
-                          <m:t>𝑚</m:t>
-                        </m:r>
-                      </m:e>
-                      <m:sub>
-                        <m:r>
-                          <a:rPr lang="en-US" altLang="zh-CN" b="0" i="1" smtClean="0">
-                            <a:latin typeface="Cambria Math" panose="02040503050406030204" pitchFamily="18" charset="0"/>
-                            <a:cs typeface="Cambria Math" panose="02040503050406030204" pitchFamily="18" charset="0"/>
-                          </a:rPr>
-                          <m:t>𝑖</m:t>
-                        </m:r>
-                      </m:sub>
-                    </m:sSub>
-                    <m:r>
-                      <a:rPr lang="en-US" altLang="zh-CN" b="0" i="1" smtClean="0">
-                        <a:latin typeface="Cambria Math" panose="02040503050406030204" pitchFamily="18" charset="0"/>
-                        <a:cs typeface="Cambria Math" panose="02040503050406030204" pitchFamily="18" charset="0"/>
-                      </a:rPr>
-                      <m:t>∗</m:t>
-                    </m:r>
-                    <m:r>
-                      <a:rPr lang="en-US" altLang="zh-CN" i="1" smtClean="0">
-                        <a:latin typeface="Cambria Math" panose="02040503050406030204" pitchFamily="18" charset="0"/>
-                        <a:cs typeface="Cambria Math" panose="02040503050406030204" pitchFamily="18" charset="0"/>
-                      </a:rPr>
-                      <m:t>𝑓</m:t>
-                    </m:r>
-                    <m:r>
-                      <a:rPr lang="en-US" altLang="zh-CN" i="1" smtClean="0">
-                        <a:latin typeface="Cambria Math" panose="02040503050406030204" pitchFamily="18" charset="0"/>
-                        <a:cs typeface="Cambria Math" panose="02040503050406030204" pitchFamily="18" charset="0"/>
-                      </a:rPr>
-                      <m:t>(</m:t>
-                    </m:r>
-                    <m:sSub>
-                      <m:sSubPr>
-                        <m:ctrlPr>
-                          <a:rPr lang="en-US" altLang="zh-CN" i="1" smtClean="0">
-                            <a:latin typeface="Cambria Math" panose="02040503050406030204" pitchFamily="18" charset="0"/>
-                            <a:cs typeface="Cambria Math" panose="02040503050406030204" pitchFamily="18" charset="0"/>
-                          </a:rPr>
-                        </m:ctrlPr>
-                      </m:sSubPr>
-                      <m:e>
-                        <m:r>
-                          <a:rPr lang="en-US" altLang="zh-CN" i="1" smtClean="0">
-                            <a:latin typeface="Cambria Math" panose="02040503050406030204" pitchFamily="18" charset="0"/>
-                            <a:cs typeface="Cambria Math" panose="02040503050406030204" pitchFamily="18" charset="0"/>
-                          </a:rPr>
-                          <m:t>𝑁</m:t>
-                        </m:r>
-                      </m:e>
-                      <m:sub>
-                        <m:r>
-                          <a:rPr lang="en-US" altLang="zh-CN" i="1" smtClean="0">
-                            <a:latin typeface="Cambria Math" panose="02040503050406030204" pitchFamily="18" charset="0"/>
-                            <a:cs typeface="Cambria Math" panose="02040503050406030204" pitchFamily="18" charset="0"/>
-                          </a:rPr>
-                          <m:t>𝑡</m:t>
-                        </m:r>
-                      </m:sub>
-                    </m:sSub>
-                    <m:r>
-                      <a:rPr lang="en-US" altLang="zh-CN" i="1" smtClean="0">
-                        <a:latin typeface="Cambria Math" panose="02040503050406030204" pitchFamily="18" charset="0"/>
-                        <a:cs typeface="Cambria Math" panose="02040503050406030204" pitchFamily="18" charset="0"/>
-                      </a:rPr>
-                      <m:t>, </m:t>
-                    </m:r>
-                    <m:sSub>
-                      <m:sSubPr>
-                        <m:ctrlPr>
-                          <a:rPr lang="en-US" altLang="zh-CN" i="1" smtClean="0">
-                            <a:latin typeface="Cambria Math" panose="02040503050406030204" pitchFamily="18" charset="0"/>
-                            <a:cs typeface="Cambria Math" panose="02040503050406030204" pitchFamily="18" charset="0"/>
-                          </a:rPr>
-                        </m:ctrlPr>
-                      </m:sSubPr>
-                      <m:e>
-                        <m:r>
-                          <a:rPr lang="en-US" altLang="zh-CN" i="1" smtClean="0">
-                            <a:latin typeface="Cambria Math" panose="02040503050406030204" pitchFamily="18" charset="0"/>
-                            <a:cs typeface="Cambria Math" panose="02040503050406030204" pitchFamily="18" charset="0"/>
-                          </a:rPr>
-                          <m:t>𝑁</m:t>
-                        </m:r>
-                      </m:e>
-                      <m:sub>
-                        <m:r>
-                          <a:rPr lang="en-US" altLang="zh-CN" i="1" smtClean="0">
-                            <a:latin typeface="Cambria Math" panose="02040503050406030204" pitchFamily="18" charset="0"/>
-                            <a:cs typeface="Cambria Math" panose="02040503050406030204" pitchFamily="18" charset="0"/>
-                          </a:rPr>
-                          <m:t>𝑐</m:t>
-                        </m:r>
-                      </m:sub>
-                    </m:sSub>
-                    <m:r>
-                      <a:rPr lang="en-US" altLang="zh-CN" i="1" smtClean="0">
-                        <a:latin typeface="Cambria Math" panose="02040503050406030204" pitchFamily="18" charset="0"/>
-                        <a:cs typeface="Cambria Math" panose="02040503050406030204" pitchFamily="18" charset="0"/>
-                      </a:rPr>
-                      <m:t>,</m:t>
-                    </m:r>
-                    <m:r>
-                      <a:rPr lang="en-US" altLang="zh-CN" i="1" smtClean="0">
-                        <a:latin typeface="Cambria Math" panose="02040503050406030204" pitchFamily="18" charset="0"/>
-                        <a:cs typeface="Cambria Math" panose="02040503050406030204" pitchFamily="18" charset="0"/>
-                      </a:rPr>
-                      <m:t>𝑞</m:t>
-                    </m:r>
-                    <m:r>
-                      <a:rPr lang="en-US" altLang="zh-CN" i="1" smtClean="0">
-                        <a:latin typeface="Cambria Math" panose="02040503050406030204" pitchFamily="18" charset="0"/>
-                        <a:cs typeface="Cambria Math" panose="02040503050406030204" pitchFamily="18" charset="0"/>
-                      </a:rPr>
-                      <m:t>)</m:t>
-                    </m:r>
-                  </m:oMath>
-                </a14:m>
-                <a:endParaRPr lang="en-US" altLang="zh-CN" dirty="0">
-                  <a:latin typeface="Cambria Math" panose="02040503050406030204" pitchFamily="18" charset="0"/>
-                  <a:cs typeface="Cambria Math" panose="02040503050406030204" pitchFamily="18" charset="0"/>
-                </a:endParaRPr>
-              </a:p>
-              <a:p>
-                <a:pPr lvl="2"/>
-                <a:r>
-                  <a:rPr lang="zh-CN" altLang="en-US" dirty="0" smtClean="0">
-                    <a:latin typeface="Cambria Math" panose="02040503050406030204" pitchFamily="18" charset="0"/>
-                    <a:cs typeface="Cambria Math" panose="02040503050406030204" pitchFamily="18" charset="0"/>
-                  </a:rPr>
-                  <a:t>两点</a:t>
-                </a:r>
-                <a14:m>
-                  <m:oMath xmlns:m="http://schemas.openxmlformats.org/officeDocument/2006/math">
-                    <m:sSub>
-                      <m:sSubPr>
-                        <m:ctrlPr>
-                          <a:rPr lang="en-US" altLang="zh-CN" i="1" dirty="0" smtClean="0">
-                            <a:latin typeface="Cambria Math" panose="02040503050406030204" pitchFamily="18" charset="0"/>
-                          </a:rPr>
-                        </m:ctrlPr>
-                      </m:sSubPr>
-                      <m:e>
-                        <m:r>
-                          <a:rPr lang="en-US" altLang="zh-CN" i="1" dirty="0" smtClean="0">
-                            <a:latin typeface="Cambria Math" panose="02040503050406030204" pitchFamily="18" charset="0"/>
-                          </a:rPr>
-                          <m:t>𝑣</m:t>
-                        </m:r>
-                      </m:e>
-                      <m:sub>
-                        <m:r>
-                          <a:rPr lang="en-US" altLang="zh-CN" i="1" dirty="0" smtClean="0">
-                            <a:latin typeface="Cambria Math" panose="02040503050406030204" pitchFamily="18" charset="0"/>
-                          </a:rPr>
-                          <m:t>𝑖</m:t>
-                        </m:r>
-                      </m:sub>
-                    </m:sSub>
-                    <m:r>
-                      <a:rPr lang="en-US" altLang="zh-CN" i="1" dirty="0" smtClean="0">
-                        <a:latin typeface="Cambria Math" panose="02040503050406030204" pitchFamily="18" charset="0"/>
-                      </a:rPr>
-                      <m:t>, </m:t>
-                    </m:r>
-                    <m:sSub>
-                      <m:sSubPr>
-                        <m:ctrlPr>
-                          <a:rPr lang="en-US" altLang="zh-CN" i="1" dirty="0" smtClean="0">
-                            <a:latin typeface="Cambria Math" panose="02040503050406030204" pitchFamily="18" charset="0"/>
-                          </a:rPr>
-                        </m:ctrlPr>
-                      </m:sSubPr>
-                      <m:e>
-                        <m:r>
-                          <a:rPr lang="en-US" altLang="zh-CN" i="1" dirty="0" smtClean="0">
-                            <a:latin typeface="Cambria Math" panose="02040503050406030204" pitchFamily="18" charset="0"/>
-                          </a:rPr>
-                          <m:t>𝑣</m:t>
-                        </m:r>
-                      </m:e>
-                      <m:sub>
-                        <m:r>
-                          <a:rPr lang="en-US" altLang="zh-CN" i="1" dirty="0" smtClean="0">
-                            <a:latin typeface="Cambria Math" panose="02040503050406030204" pitchFamily="18" charset="0"/>
-                          </a:rPr>
-                          <m:t>𝑗</m:t>
-                        </m:r>
-                      </m:sub>
-                    </m:sSub>
-                  </m:oMath>
-                </a14:m>
-                <a:r>
-                  <a:rPr lang="zh-CN" altLang="en-US" dirty="0" smtClean="0">
-                    <a:latin typeface="Cambria Math" panose="02040503050406030204" pitchFamily="18" charset="0"/>
-                    <a:cs typeface="Cambria Math" panose="02040503050406030204" pitchFamily="18" charset="0"/>
-                  </a:rPr>
-                  <a:t>之间的权重</a:t>
-                </a:r>
-                <a14:m>
-                  <m:oMath xmlns:m="http://schemas.openxmlformats.org/officeDocument/2006/math">
-                    <m:sSub>
-                      <m:sSubPr>
-                        <m:ctrlPr>
-                          <a:rPr lang="en-US" altLang="zh-CN" i="1" dirty="0" smtClean="0">
-                            <a:latin typeface="Cambria Math" panose="02040503050406030204" pitchFamily="18" charset="0"/>
-                          </a:rPr>
-                        </m:ctrlPr>
-                      </m:sSubPr>
-                      <m:e>
-                        <m:r>
-                          <a:rPr lang="en-US" altLang="zh-CN" i="1" dirty="0" smtClean="0">
-                            <a:latin typeface="Cambria Math" panose="02040503050406030204" pitchFamily="18" charset="0"/>
-                          </a:rPr>
-                          <m:t>𝑒</m:t>
-                        </m:r>
-                      </m:e>
-                      <m:sub>
-                        <m:r>
-                          <a:rPr lang="en-US" altLang="zh-CN" i="1" dirty="0" smtClean="0">
-                            <a:latin typeface="Cambria Math" panose="02040503050406030204" pitchFamily="18" charset="0"/>
-                          </a:rPr>
-                          <m:t>𝑖𝑗</m:t>
-                        </m:r>
-                      </m:sub>
-                    </m:sSub>
-                  </m:oMath>
-                </a14:m>
-                <a:r>
-                  <a:rPr lang="zh-CN" altLang="en-US" dirty="0" smtClean="0">
-                    <a:latin typeface="Cambria Math" panose="02040503050406030204" pitchFamily="18" charset="0"/>
-                    <a:cs typeface="Cambria Math" panose="02040503050406030204" pitchFamily="18" charset="0"/>
-                  </a:rPr>
-                  <a:t>为节点之间的传输时间</a:t>
-                </a:r>
-                <a:r>
-                  <a:rPr lang="en-US" altLang="zh-CN" dirty="0" smtClean="0">
-                    <a:latin typeface="Cambria Math" panose="02040503050406030204" pitchFamily="18" charset="0"/>
-                    <a:cs typeface="Cambria Math" panose="02040503050406030204" pitchFamily="18" charset="0"/>
-                  </a:rPr>
-                  <a:t>, </a:t>
-                </a:r>
-                <a14:m>
-                  <m:oMath xmlns:m="http://schemas.openxmlformats.org/officeDocument/2006/math">
-                    <m:sSub>
-                      <m:sSubPr>
-                        <m:ctrlPr>
-                          <a:rPr lang="en-US" altLang="zh-CN" i="1" dirty="0" smtClean="0">
-                            <a:latin typeface="Cambria Math" panose="02040503050406030204" pitchFamily="18" charset="0"/>
-                          </a:rPr>
-                        </m:ctrlPr>
-                      </m:sSubPr>
-                      <m:e>
-                        <m:r>
-                          <a:rPr lang="en-US" altLang="zh-CN" i="1" dirty="0" smtClean="0">
-                            <a:latin typeface="Cambria Math" panose="02040503050406030204" pitchFamily="18" charset="0"/>
-                          </a:rPr>
-                          <m:t>𝑒</m:t>
-                        </m:r>
-                      </m:e>
-                      <m:sub>
-                        <m:r>
-                          <a:rPr lang="en-US" altLang="zh-CN" i="1" dirty="0" smtClean="0">
-                            <a:latin typeface="Cambria Math" panose="02040503050406030204" pitchFamily="18" charset="0"/>
-                          </a:rPr>
-                          <m:t>𝑖𝑗</m:t>
-                        </m:r>
-                      </m:sub>
-                    </m:sSub>
-                    <m:r>
-                      <a:rPr lang="en-US" altLang="zh-CN" i="1" dirty="0" smtClean="0">
-                        <a:latin typeface="Cambria Math" panose="02040503050406030204" pitchFamily="18" charset="0"/>
-                      </a:rPr>
-                      <m:t>=</m:t>
-                    </m:r>
-                    <m:sSub>
-                      <m:sSubPr>
-                        <m:ctrlPr>
-                          <a:rPr lang="en-US" altLang="zh-CN" b="0" i="1" dirty="0" smtClean="0">
-                            <a:latin typeface="Cambria Math" panose="02040503050406030204" pitchFamily="18" charset="0"/>
-                          </a:rPr>
-                        </m:ctrlPr>
-                      </m:sSubPr>
-                      <m:e>
-                        <m:r>
-                          <a:rPr lang="en-US" altLang="zh-CN" b="0" i="1" dirty="0" smtClean="0">
-                            <a:latin typeface="Cambria Math" panose="02040503050406030204" pitchFamily="18" charset="0"/>
-                          </a:rPr>
-                          <m:t>𝑚</m:t>
-                        </m:r>
-                      </m:e>
-                      <m:sub>
-                        <m:r>
-                          <a:rPr lang="en-US" altLang="zh-CN" b="0" i="1" dirty="0" smtClean="0">
-                            <a:latin typeface="Cambria Math" panose="02040503050406030204" pitchFamily="18" charset="0"/>
-                          </a:rPr>
-                          <m:t>𝑖</m:t>
-                        </m:r>
-                      </m:sub>
-                    </m:sSub>
-                    <m:r>
-                      <a:rPr lang="en-US" altLang="zh-CN" b="0" i="1" dirty="0" smtClean="0">
-                        <a:latin typeface="Cambria Math" panose="02040503050406030204" pitchFamily="18" charset="0"/>
-                      </a:rPr>
-                      <m:t>∗</m:t>
-                    </m:r>
-                    <m:sSub>
-                      <m:sSubPr>
-                        <m:ctrlPr>
-                          <a:rPr lang="en-US" altLang="zh-CN" b="0" i="1" dirty="0" smtClean="0">
-                            <a:latin typeface="Cambria Math" panose="02040503050406030204" pitchFamily="18" charset="0"/>
-                          </a:rPr>
-                        </m:ctrlPr>
-                      </m:sSubPr>
-                      <m:e>
-                        <m:r>
-                          <a:rPr lang="en-US" altLang="zh-CN" b="0" i="1" dirty="0" smtClean="0">
-                            <a:latin typeface="Cambria Math" panose="02040503050406030204" pitchFamily="18" charset="0"/>
-                          </a:rPr>
-                          <m:t>𝑚</m:t>
-                        </m:r>
-                      </m:e>
-                      <m:sub>
-                        <m:r>
-                          <a:rPr lang="en-US" altLang="zh-CN" b="0" i="1" dirty="0" smtClean="0">
-                            <a:latin typeface="Cambria Math" panose="02040503050406030204" pitchFamily="18" charset="0"/>
-                          </a:rPr>
-                          <m:t>𝑗</m:t>
-                        </m:r>
-                      </m:sub>
-                    </m:sSub>
-                    <m:r>
-                      <a:rPr lang="en-US" altLang="zh-CN" b="0" i="1" dirty="0" smtClean="0">
-                        <a:latin typeface="Cambria Math" panose="02040503050406030204" pitchFamily="18" charset="0"/>
-                      </a:rPr>
-                      <m:t>∗(</m:t>
-                    </m:r>
-                    <m:sSub>
-                      <m:sSubPr>
-                        <m:ctrlPr>
-                          <a:rPr lang="en-US" altLang="zh-CN" b="0" i="1" dirty="0" smtClean="0">
-                            <a:latin typeface="Cambria Math" panose="02040503050406030204" pitchFamily="18" charset="0"/>
-                          </a:rPr>
-                        </m:ctrlPr>
-                      </m:sSubPr>
-                      <m:e>
-                        <m:r>
-                          <m:rPr>
-                            <m:sty m:val="p"/>
-                          </m:rPr>
-                          <a:rPr lang="en-US" altLang="zh-CN" i="1" dirty="0">
-                            <a:latin typeface="Cambria Math" panose="02040503050406030204" pitchFamily="18" charset="0"/>
-                          </a:rPr>
-                          <m:t>t</m:t>
-                        </m:r>
-                      </m:e>
-                      <m:sub>
-                        <m:r>
-                          <a:rPr lang="en-US" altLang="zh-CN" b="0" i="1" dirty="0" smtClean="0">
-                            <a:latin typeface="Cambria Math" panose="02040503050406030204" pitchFamily="18" charset="0"/>
-                          </a:rPr>
-                          <m:t>0</m:t>
-                        </m:r>
-                      </m:sub>
-                    </m:sSub>
-                    <m:r>
-                      <a:rPr lang="en-US" altLang="zh-CN" b="0" i="1" dirty="0" smtClean="0">
-                        <a:latin typeface="Cambria Math" panose="02040503050406030204" pitchFamily="18" charset="0"/>
-                      </a:rPr>
-                      <m:t>+</m:t>
-                    </m:r>
-                    <m:r>
-                      <a:rPr lang="en-US" altLang="zh-CN" i="1" smtClean="0">
-                        <a:latin typeface="Cambria Math" panose="02040503050406030204" pitchFamily="18" charset="0"/>
-                        <a:cs typeface="Cambria Math" panose="02040503050406030204" pitchFamily="18" charset="0"/>
-                      </a:rPr>
-                      <m:t>𝑉</m:t>
-                    </m:r>
-                    <m:r>
-                      <a:rPr lang="en-US" altLang="zh-CN" b="0" i="1" smtClean="0">
-                        <a:latin typeface="Cambria Math" panose="02040503050406030204" pitchFamily="18" charset="0"/>
-                        <a:cs typeface="Cambria Math" panose="02040503050406030204" pitchFamily="18" charset="0"/>
-                      </a:rPr>
-                      <m:t>∗</m:t>
-                    </m:r>
-                    <m:sSub>
-                      <m:sSubPr>
-                        <m:ctrlPr>
-                          <a:rPr lang="en-US" altLang="zh-CN" b="0" i="1" smtClean="0">
-                            <a:latin typeface="Cambria Math" panose="02040503050406030204" pitchFamily="18" charset="0"/>
-                            <a:cs typeface="Cambria Math" panose="02040503050406030204" pitchFamily="18" charset="0"/>
-                          </a:rPr>
-                        </m:ctrlPr>
-                      </m:sSubPr>
-                      <m:e>
-                        <m:r>
-                          <a:rPr lang="en-US" altLang="zh-CN" b="0" i="1" smtClean="0">
-                            <a:latin typeface="Cambria Math" panose="02040503050406030204" pitchFamily="18" charset="0"/>
-                            <a:cs typeface="Cambria Math" panose="02040503050406030204" pitchFamily="18" charset="0"/>
-                          </a:rPr>
-                          <m:t>𝑡</m:t>
-                        </m:r>
-                      </m:e>
-                      <m:sub>
-                        <m:r>
-                          <a:rPr lang="en-US" altLang="zh-CN" b="0" i="1" smtClean="0">
-                            <a:latin typeface="Cambria Math" panose="02040503050406030204" pitchFamily="18" charset="0"/>
-                            <a:cs typeface="Cambria Math" panose="02040503050406030204" pitchFamily="18" charset="0"/>
-                          </a:rPr>
-                          <m:t>𝑏</m:t>
-                        </m:r>
-                      </m:sub>
-                    </m:sSub>
-                    <m:r>
-                      <a:rPr lang="en-US" altLang="zh-CN" b="0" i="1" smtClean="0">
-                        <a:latin typeface="Cambria Math" panose="02040503050406030204" pitchFamily="18" charset="0"/>
-                        <a:cs typeface="Cambria Math" panose="02040503050406030204" pitchFamily="18" charset="0"/>
-                      </a:rPr>
-                      <m:t>)</m:t>
-                    </m:r>
-                  </m:oMath>
-                </a14:m>
-                <a:r>
-                  <a:rPr lang="en-US" altLang="zh-CN" dirty="0" smtClean="0">
-                    <a:latin typeface="Cambria Math" panose="02040503050406030204" pitchFamily="18" charset="0"/>
-                    <a:cs typeface="Cambria Math" panose="02040503050406030204" pitchFamily="18" charset="0"/>
-                  </a:rPr>
-                  <a:t>, </a:t>
-                </a:r>
-              </a:p>
-              <a:p>
-                <a:pPr lvl="2"/>
-                <a:r>
-                  <a:rPr lang="en-US" altLang="zh-CN" dirty="0" smtClean="0">
-                    <a:latin typeface="Cambria Math" panose="02040503050406030204" pitchFamily="18" charset="0"/>
-                    <a:cs typeface="Cambria Math" panose="02040503050406030204" pitchFamily="18" charset="0"/>
-                  </a:rPr>
-                  <a:t>t0</a:t>
-                </a:r>
-                <a:r>
-                  <a:rPr lang="zh-CN" altLang="en-US" dirty="0" smtClean="0">
-                    <a:latin typeface="Cambria Math" panose="02040503050406030204" pitchFamily="18" charset="0"/>
-                    <a:cs typeface="Cambria Math" panose="02040503050406030204" pitchFamily="18" charset="0"/>
-                  </a:rPr>
-                  <a:t>是发送</a:t>
-                </a:r>
-                <a:r>
-                  <a:rPr lang="en-US" altLang="zh-CN" dirty="0" smtClean="0">
-                    <a:latin typeface="Cambria Math" panose="02040503050406030204" pitchFamily="18" charset="0"/>
-                    <a:cs typeface="Cambria Math" panose="02040503050406030204" pitchFamily="18" charset="0"/>
-                  </a:rPr>
-                  <a:t>&amp;</a:t>
-                </a:r>
-                <a:r>
-                  <a:rPr lang="zh-CN" altLang="en-US" dirty="0" smtClean="0">
-                    <a:latin typeface="Cambria Math" panose="02040503050406030204" pitchFamily="18" charset="0"/>
-                    <a:cs typeface="Cambria Math" panose="02040503050406030204" pitchFamily="18" charset="0"/>
-                  </a:rPr>
-                  <a:t>接收时间</a:t>
-                </a:r>
-                <a:r>
-                  <a:rPr lang="en-US" altLang="zh-CN" dirty="0" smtClean="0">
-                    <a:latin typeface="Cambria Math" panose="02040503050406030204" pitchFamily="18" charset="0"/>
-                    <a:cs typeface="Cambria Math" panose="02040503050406030204" pitchFamily="18" charset="0"/>
-                  </a:rPr>
-                  <a:t>+</a:t>
-                </a:r>
-                <a:r>
-                  <a:rPr lang="zh-CN" altLang="en-US" dirty="0" smtClean="0">
-                    <a:latin typeface="Cambria Math" panose="02040503050406030204" pitchFamily="18" charset="0"/>
-                    <a:cs typeface="Cambria Math" panose="02040503050406030204" pitchFamily="18" charset="0"/>
-                  </a:rPr>
-                  <a:t>打包时间，</a:t>
-                </a:r>
-                <a:r>
-                  <a:rPr lang="en-US" altLang="zh-CN" dirty="0" err="1" smtClean="0">
-                    <a:latin typeface="Cambria Math" panose="02040503050406030204" pitchFamily="18" charset="0"/>
-                    <a:cs typeface="Cambria Math" panose="02040503050406030204" pitchFamily="18" charset="0"/>
-                  </a:rPr>
-                  <a:t>tb</a:t>
-                </a:r>
-                <a:r>
-                  <a:rPr lang="zh-CN" altLang="en-US" dirty="0" smtClean="0">
-                    <a:latin typeface="Cambria Math" panose="02040503050406030204" pitchFamily="18" charset="0"/>
-                    <a:cs typeface="Cambria Math" panose="02040503050406030204" pitchFamily="18" charset="0"/>
-                  </a:rPr>
-                  <a:t>是单位</a:t>
-                </a:r>
-                <a:r>
-                  <a:rPr lang="en-US" altLang="zh-CN" dirty="0" smtClean="0">
-                    <a:latin typeface="Cambria Math" panose="02040503050406030204" pitchFamily="18" charset="0"/>
-                    <a:cs typeface="Cambria Math" panose="02040503050406030204" pitchFamily="18" charset="0"/>
-                  </a:rPr>
-                  <a:t>bit</a:t>
-                </a:r>
-                <a:r>
-                  <a:rPr lang="zh-CN" altLang="en-US" dirty="0" smtClean="0">
-                    <a:latin typeface="Cambria Math" panose="02040503050406030204" pitchFamily="18" charset="0"/>
-                    <a:cs typeface="Cambria Math" panose="02040503050406030204" pitchFamily="18" charset="0"/>
-                  </a:rPr>
-                  <a:t>传输时间</a:t>
-                </a:r>
-                <a:r>
-                  <a:rPr lang="zh-CN" altLang="en-US" dirty="0">
-                    <a:latin typeface="Cambria Math" panose="02040503050406030204" pitchFamily="18" charset="0"/>
-                    <a:cs typeface="Cambria Math" panose="02040503050406030204" pitchFamily="18" charset="0"/>
-                  </a:rPr>
-                  <a:t>，</a:t>
-                </a:r>
-                <a:r>
-                  <a:rPr lang="en-US" altLang="zh-CN" dirty="0" smtClean="0">
-                    <a:latin typeface="Cambria Math" panose="02040503050406030204" pitchFamily="18" charset="0"/>
-                    <a:cs typeface="Cambria Math" panose="02040503050406030204" pitchFamily="18" charset="0"/>
-                  </a:rPr>
-                  <a:t>V</a:t>
-                </a:r>
-                <a:r>
-                  <a:rPr lang="zh-CN" altLang="en-US" dirty="0" smtClean="0">
-                    <a:latin typeface="Cambria Math" panose="02040503050406030204" pitchFamily="18" charset="0"/>
-                    <a:cs typeface="Cambria Math" panose="02040503050406030204" pitchFamily="18" charset="0"/>
-                  </a:rPr>
-                  <a:t>是</a:t>
-                </a:r>
-                <a:r>
-                  <a:rPr lang="en-US" altLang="zh-CN" dirty="0" smtClean="0">
-                    <a:latin typeface="Cambria Math" panose="02040503050406030204" pitchFamily="18" charset="0"/>
-                    <a:cs typeface="Cambria Math" panose="02040503050406030204" pitchFamily="18" charset="0"/>
-                  </a:rPr>
-                  <a:t>data volume(</a:t>
-                </a:r>
-                <a:r>
-                  <a:rPr lang="zh-CN" altLang="en-US" dirty="0" smtClean="0">
-                    <a:latin typeface="Cambria Math" panose="02040503050406030204" pitchFamily="18" charset="0"/>
-                    <a:cs typeface="Cambria Math" panose="02040503050406030204" pitchFamily="18" charset="0"/>
-                  </a:rPr>
-                  <a:t>单位为</a:t>
-                </a:r>
-                <a:r>
-                  <a:rPr lang="en-US" altLang="zh-CN" dirty="0" smtClean="0">
-                    <a:latin typeface="Cambria Math" panose="02040503050406030204" pitchFamily="18" charset="0"/>
-                    <a:cs typeface="Cambria Math" panose="02040503050406030204" pitchFamily="18" charset="0"/>
-                  </a:rPr>
-                  <a:t>bit)</a:t>
-                </a:r>
-                <a:endParaRPr lang="en-US" altLang="zh-CN" dirty="0">
-                  <a:latin typeface="Cambria Math" panose="02040503050406030204" pitchFamily="18" charset="0"/>
-                  <a:cs typeface="Cambria Math" panose="02040503050406030204" pitchFamily="18" charset="0"/>
-                </a:endParaRPr>
-              </a:p>
-              <a:p>
-                <a:pPr lvl="1"/>
-                <a:r>
-                  <a:rPr lang="zh-CN" altLang="en-US" dirty="0" smtClean="0">
-                    <a:latin typeface="Cambria Math" panose="02040503050406030204" pitchFamily="18" charset="0"/>
-                    <a:cs typeface="Cambria Math" panose="02040503050406030204" pitchFamily="18" charset="0"/>
-                  </a:rPr>
-                  <a:t>求</a:t>
-                </a:r>
-                <a:r>
-                  <a:rPr lang="zh-CN" altLang="en-US" dirty="0">
-                    <a:latin typeface="Cambria Math" panose="02040503050406030204" pitchFamily="18" charset="0"/>
-                    <a:cs typeface="Cambria Math" panose="02040503050406030204" pitchFamily="18" charset="0"/>
-                  </a:rPr>
-                  <a:t>最长路，即图</a:t>
-                </a:r>
-                <a:r>
-                  <a:rPr lang="en-US" altLang="zh-CN" dirty="0">
-                    <a:latin typeface="Cambria Math" panose="02040503050406030204" pitchFamily="18" charset="0"/>
-                    <a:cs typeface="Cambria Math" panose="02040503050406030204" pitchFamily="18" charset="0"/>
-                  </a:rPr>
-                  <a:t>G</a:t>
-                </a:r>
-                <a:r>
-                  <a:rPr lang="zh-CN" altLang="en-US" dirty="0">
-                    <a:latin typeface="Cambria Math" panose="02040503050406030204" pitchFamily="18" charset="0"/>
-                    <a:cs typeface="Cambria Math" panose="02040503050406030204" pitchFamily="18" charset="0"/>
-                  </a:rPr>
-                  <a:t>的直径为总</a:t>
-                </a:r>
-                <a:r>
-                  <a:rPr lang="zh-CN" altLang="en-US" dirty="0" smtClean="0">
-                    <a:latin typeface="Cambria Math" panose="02040503050406030204" pitchFamily="18" charset="0"/>
-                    <a:cs typeface="Cambria Math" panose="02040503050406030204" pitchFamily="18" charset="0"/>
-                  </a:rPr>
-                  <a:t>时间</a:t>
-                </a:r>
-                <a:endParaRPr lang="en-US" altLang="zh-CN" i="1" dirty="0" smtClean="0">
-                  <a:latin typeface="Cambria Math" panose="02040503050406030204" pitchFamily="18" charset="0"/>
-                </a:endParaRPr>
-              </a:p>
-              <a:p>
-                <a:pPr lvl="2"/>
-                <a:r>
-                  <a:rPr lang="zh-CN" altLang="en-US" dirty="0" smtClean="0"/>
-                  <a:t>其中</a:t>
-                </a:r>
-                <a:r>
-                  <a:rPr lang="en-US" altLang="zh-CN" dirty="0" smtClean="0">
-                    <a:latin typeface="Cambria Math" panose="02040503050406030204" pitchFamily="18" charset="0"/>
-                    <a:cs typeface="Cambria Math" panose="02040503050406030204" pitchFamily="18" charset="0"/>
-                  </a:rPr>
-                  <a:t>D</a:t>
-                </a:r>
-                <a:r>
-                  <a:rPr lang="zh-CN" altLang="en-US" dirty="0" smtClean="0">
-                    <a:latin typeface="Cambria Math" panose="02040503050406030204" pitchFamily="18" charset="0"/>
-                    <a:cs typeface="Cambria Math" panose="02040503050406030204" pitchFamily="18" charset="0"/>
-                  </a:rPr>
-                  <a:t>为最长路径算法函数</a:t>
-                </a:r>
-                <a:r>
-                  <a:rPr lang="en-US" altLang="zh-CN" dirty="0" smtClean="0">
-                    <a:latin typeface="Cambria Math" panose="02040503050406030204" pitchFamily="18" charset="0"/>
-                    <a:cs typeface="Cambria Math" panose="02040503050406030204" pitchFamily="18" charset="0"/>
-                  </a:rPr>
-                  <a:t>, s</a:t>
-                </a:r>
-                <a:r>
-                  <a:rPr lang="zh-CN" altLang="en-US" dirty="0" smtClean="0">
-                    <a:latin typeface="Cambria Math" panose="02040503050406030204" pitchFamily="18" charset="0"/>
-                    <a:cs typeface="Cambria Math" panose="02040503050406030204" pitchFamily="18" charset="0"/>
-                  </a:rPr>
-                  <a:t>是最长路径</a:t>
-                </a:r>
-                <a:r>
-                  <a:rPr lang="en-US" altLang="zh-CN" dirty="0" smtClean="0">
-                    <a:latin typeface="Cambria Math" panose="02040503050406030204" pitchFamily="18" charset="0"/>
-                    <a:cs typeface="Cambria Math" panose="02040503050406030204" pitchFamily="18" charset="0"/>
-                  </a:rPr>
-                  <a:t>P</a:t>
-                </a:r>
-                <a:r>
-                  <a:rPr lang="zh-CN" altLang="en-US" dirty="0" smtClean="0">
-                    <a:latin typeface="Cambria Math" panose="02040503050406030204" pitchFamily="18" charset="0"/>
-                    <a:cs typeface="Cambria Math" panose="02040503050406030204" pitchFamily="18" charset="0"/>
-                  </a:rPr>
-                  <a:t>上的</a:t>
-                </a:r>
-                <a14:m>
-                  <m:oMath xmlns:m="http://schemas.openxmlformats.org/officeDocument/2006/math">
-                    <m:sSub>
-                      <m:sSubPr>
-                        <m:ctrlPr>
-                          <a:rPr lang="en-US" altLang="zh-CN" i="1">
-                            <a:latin typeface="Cambria Math" panose="02040503050406030204" pitchFamily="18" charset="0"/>
-                          </a:rPr>
-                        </m:ctrlPr>
-                      </m:sSubPr>
-                      <m:e>
-                        <m:r>
-                          <m:rPr>
-                            <m:sty m:val="p"/>
-                          </m:rPr>
-                          <a:rPr lang="en-US" altLang="zh-CN" smtClean="0">
-                            <a:latin typeface="Cambria Math" panose="02040503050406030204" pitchFamily="18" charset="0"/>
-                          </a:rPr>
-                          <m:t>Σ</m:t>
-                        </m:r>
-                      </m:e>
-                      <m:sub>
-                        <m:r>
-                          <m:rPr>
-                            <m:sty m:val="p"/>
-                          </m:rPr>
-                          <a:rPr lang="en-US" altLang="zh-CN" smtClean="0">
-                            <a:latin typeface="Cambria Math" panose="02040503050406030204" pitchFamily="18" charset="0"/>
-                          </a:rPr>
-                          <m:t>i</m:t>
-                        </m:r>
-                        <m:r>
-                          <a:rPr lang="en-US" altLang="zh-CN" i="1" smtClean="0">
-                            <a:latin typeface="Cambria Math" panose="02040503050406030204" pitchFamily="18" charset="0"/>
-                          </a:rPr>
-                          <m:t>,</m:t>
-                        </m:r>
-                        <m:r>
-                          <a:rPr lang="en-US" altLang="zh-CN" i="1" smtClean="0">
-                            <a:latin typeface="Cambria Math" panose="02040503050406030204" pitchFamily="18" charset="0"/>
-                          </a:rPr>
-                          <m:t>𝑗</m:t>
-                        </m:r>
-                      </m:sub>
-                    </m:sSub>
-                    <m:sSub>
-                      <m:sSubPr>
-                        <m:ctrlPr>
-                          <a:rPr lang="en-US" altLang="zh-CN" i="1" smtClean="0">
-                            <a:latin typeface="Cambria Math" panose="02040503050406030204" pitchFamily="18" charset="0"/>
-                          </a:rPr>
-                        </m:ctrlPr>
-                      </m:sSubPr>
-                      <m:e>
-                        <m:r>
-                          <a:rPr lang="en-US" altLang="zh-CN" i="1" smtClean="0">
-                            <a:latin typeface="Cambria Math" panose="02040503050406030204" pitchFamily="18" charset="0"/>
-                          </a:rPr>
-                          <m:t>𝑒</m:t>
-                        </m:r>
-                      </m:e>
-                      <m:sub>
-                        <m:r>
-                          <a:rPr lang="en-US" altLang="zh-CN" i="1" smtClean="0">
-                            <a:latin typeface="Cambria Math" panose="02040503050406030204" pitchFamily="18" charset="0"/>
-                          </a:rPr>
-                          <m:t>𝑖𝑗</m:t>
-                        </m:r>
-                      </m:sub>
-                    </m:sSub>
-                    <m:r>
-                      <a:rPr lang="en-US" altLang="zh-CN" i="1" smtClean="0">
-                        <a:latin typeface="Cambria Math" panose="02040503050406030204" pitchFamily="18" charset="0"/>
-                      </a:rPr>
-                      <m:t>+</m:t>
-                    </m:r>
-                    <m:sSub>
-                      <m:sSubPr>
-                        <m:ctrlPr>
-                          <a:rPr lang="en-US" altLang="zh-CN" i="1" smtClean="0">
-                            <a:latin typeface="Cambria Math" panose="02040503050406030204" pitchFamily="18" charset="0"/>
-                          </a:rPr>
-                        </m:ctrlPr>
-                      </m:sSubPr>
-                      <m:e>
-                        <m:r>
-                          <a:rPr lang="en-US" altLang="zh-CN" i="1" smtClean="0">
-                            <a:latin typeface="Cambria Math" panose="02040503050406030204" pitchFamily="18" charset="0"/>
-                          </a:rPr>
-                          <m:t>𝑣</m:t>
-                        </m:r>
-                      </m:e>
-                      <m:sub>
-                        <m:r>
-                          <a:rPr lang="en-US" altLang="zh-CN" i="1" smtClean="0">
-                            <a:latin typeface="Cambria Math" panose="02040503050406030204" pitchFamily="18" charset="0"/>
-                          </a:rPr>
-                          <m:t>𝑖</m:t>
-                        </m:r>
-                      </m:sub>
-                    </m:sSub>
-                    <m:r>
-                      <a:rPr lang="en-US" altLang="zh-CN" i="1" smtClean="0">
-                        <a:latin typeface="Cambria Math" panose="02040503050406030204" pitchFamily="18" charset="0"/>
-                      </a:rPr>
-                      <m:t>+</m:t>
-                    </m:r>
-                    <m:sSub>
-                      <m:sSubPr>
-                        <m:ctrlPr>
-                          <a:rPr lang="en-US" altLang="zh-CN" i="1" smtClean="0">
-                            <a:latin typeface="Cambria Math" panose="02040503050406030204" pitchFamily="18" charset="0"/>
-                          </a:rPr>
-                        </m:ctrlPr>
-                      </m:sSubPr>
-                      <m:e>
-                        <m:r>
-                          <a:rPr lang="en-US" altLang="zh-CN" i="1" smtClean="0">
-                            <a:latin typeface="Cambria Math" panose="02040503050406030204" pitchFamily="18" charset="0"/>
-                          </a:rPr>
-                          <m:t>𝑣</m:t>
-                        </m:r>
-                      </m:e>
-                      <m:sub>
-                        <m:r>
-                          <a:rPr lang="en-US" altLang="zh-CN" i="1" smtClean="0">
-                            <a:latin typeface="Cambria Math" panose="02040503050406030204" pitchFamily="18" charset="0"/>
-                          </a:rPr>
-                          <m:t>𝑗</m:t>
-                        </m:r>
-                      </m:sub>
-                    </m:sSub>
-                    <m:r>
-                      <a:rPr lang="en-US" altLang="zh-CN" i="1" smtClean="0">
-                        <a:latin typeface="Cambria Math" panose="02040503050406030204" pitchFamily="18" charset="0"/>
-                      </a:rPr>
-                      <m:t>(</m:t>
-                    </m:r>
-                    <m:r>
-                      <a:rPr lang="en-US" altLang="zh-CN" i="1" smtClean="0">
-                        <a:latin typeface="Cambria Math" panose="02040503050406030204" pitchFamily="18" charset="0"/>
-                      </a:rPr>
-                      <m:t>𝑖</m:t>
-                    </m:r>
-                    <m:r>
-                      <a:rPr lang="en-US" altLang="zh-CN" i="1" smtClean="0">
-                        <a:latin typeface="Cambria Math" panose="02040503050406030204" pitchFamily="18" charset="0"/>
-                      </a:rPr>
-                      <m:t>,</m:t>
-                    </m:r>
-                    <m:r>
-                      <a:rPr lang="en-US" altLang="zh-CN" i="1" smtClean="0">
-                        <a:latin typeface="Cambria Math" panose="02040503050406030204" pitchFamily="18" charset="0"/>
-                      </a:rPr>
-                      <m:t>𝑗</m:t>
-                    </m:r>
-                    <m:r>
-                      <a:rPr lang="en-US" altLang="zh-CN" i="1" smtClean="0">
-                        <a:latin typeface="Cambria Math" panose="02040503050406030204" pitchFamily="18" charset="0"/>
-                      </a:rPr>
-                      <m:t>∈</m:t>
-                    </m:r>
-                    <m:r>
-                      <a:rPr lang="en-US" altLang="zh-CN" i="1" smtClean="0">
-                        <a:latin typeface="Cambria Math" panose="02040503050406030204" pitchFamily="18" charset="0"/>
-                      </a:rPr>
-                      <m:t>𝑃</m:t>
-                    </m:r>
-                    <m:r>
-                      <a:rPr lang="en-US" altLang="zh-CN" i="1" smtClean="0">
-                        <a:latin typeface="Cambria Math" panose="02040503050406030204" pitchFamily="18" charset="0"/>
-                      </a:rPr>
-                      <m:t>)</m:t>
-                    </m:r>
-                  </m:oMath>
+                  <m:oMathPara xmlns:m="http://schemas.openxmlformats.org/officeDocument/2006/math">
+                    <m:oMathParaPr>
+                      <m:jc m:val="centerGroup"/>
+                    </m:oMathParaPr>
+                    <m:oMath xmlns:m="http://schemas.openxmlformats.org/officeDocument/2006/math">
+                      <m:r>
+                        <a:rPr lang="en-US" altLang="zh-CN" i="1" dirty="0">
+                          <a:latin typeface="Cambria Math" panose="02040503050406030204" charset="0"/>
+                          <a:cs typeface="Cambria Math" panose="02040503050406030204" charset="0"/>
+                        </a:rPr>
+                        <m:t> </m:t>
+                      </m:r>
+                      <m:r>
+                        <a:rPr lang="en-US" altLang="zh-CN" i="1" dirty="0">
+                          <a:latin typeface="Cambria Math" panose="02040503050406030204" charset="0"/>
+                          <a:cs typeface="Cambria Math" panose="02040503050406030204" charset="0"/>
+                        </a:rPr>
+                        <m:t>𝑇</m:t>
+                      </m:r>
+                      <m:r>
+                        <a:rPr lang="en-US" altLang="zh-CN" i="1" dirty="0">
+                          <a:latin typeface="Cambria Math" panose="02040503050406030204" charset="0"/>
+                          <a:cs typeface="Cambria Math" panose="02040503050406030204" charset="0"/>
+                        </a:rPr>
+                        <m:t>=</m:t>
+                      </m:r>
+                      <m:nary>
+                        <m:naryPr>
+                          <m:chr m:val="∑"/>
+                          <m:limLoc m:val="undOvr"/>
+                          <m:ctrlPr>
+                            <a:rPr lang="en-US" altLang="zh-CN" i="1" dirty="0">
+                              <a:latin typeface="Cambria Math" panose="02040503050406030204" pitchFamily="18" charset="0"/>
+                              <a:cs typeface="Cambria Math" panose="02040503050406030204" charset="0"/>
+                            </a:rPr>
+                          </m:ctrlPr>
+                        </m:naryPr>
+                        <m:sub>
+                          <m:r>
+                            <a:rPr lang="en-US" altLang="zh-CN" i="1" dirty="0">
+                              <a:latin typeface="Cambria Math" panose="02040503050406030204" charset="0"/>
+                              <a:cs typeface="Cambria Math" panose="02040503050406030204" charset="0"/>
+                            </a:rPr>
+                            <m:t>𝑖</m:t>
+                          </m:r>
+                          <m:r>
+                            <a:rPr lang="en-US" altLang="zh-CN" i="1" dirty="0">
+                              <a:latin typeface="Cambria Math" panose="02040503050406030204" charset="0"/>
+                              <a:cs typeface="Cambria Math" panose="02040503050406030204" charset="0"/>
+                            </a:rPr>
+                            <m:t>=1</m:t>
+                          </m:r>
+                        </m:sub>
+                        <m:sup>
+                          <m:r>
+                            <a:rPr lang="en-US" altLang="zh-CN" i="1" dirty="0">
+                              <a:latin typeface="Cambria Math" panose="02040503050406030204" charset="0"/>
+                              <a:cs typeface="Cambria Math" panose="02040503050406030204" charset="0"/>
+                            </a:rPr>
+                            <m:t>𝑛</m:t>
+                          </m:r>
+                        </m:sup>
+                        <m:e>
+                          <m:r>
+                            <a:rPr lang="en-US" altLang="zh-CN" i="1" dirty="0">
+                              <a:latin typeface="Cambria Math" panose="02040503050406030204" charset="0"/>
+                              <a:cs typeface="Cambria Math" panose="02040503050406030204" charset="0"/>
+                            </a:rPr>
+                            <m:t>(</m:t>
+                          </m:r>
+                          <m:r>
+                            <a:rPr lang="en-US" altLang="zh-CN" i="1" dirty="0">
+                              <a:latin typeface="Cambria Math" panose="02040503050406030204" charset="0"/>
+                              <a:cs typeface="Cambria Math" panose="02040503050406030204" charset="0"/>
+                            </a:rPr>
+                            <m:t>𝑚𝑎𝑥</m:t>
+                          </m:r>
+                          <m:r>
+                            <a:rPr lang="en-US" altLang="zh-CN" i="1" dirty="0">
+                              <a:latin typeface="Cambria Math" panose="02040503050406030204" charset="0"/>
+                              <a:cs typeface="Cambria Math" panose="02040503050406030204" charset="0"/>
+                            </a:rPr>
+                            <m:t>(</m:t>
+                          </m:r>
+                          <m:sSub>
+                            <m:sSubPr>
+                              <m:ctrlPr>
+                                <a:rPr lang="en-US" altLang="zh-CN" b="0" i="1" dirty="0" smtClean="0">
+                                  <a:latin typeface="Cambria Math" panose="02040503050406030204" pitchFamily="18" charset="0"/>
+                                  <a:cs typeface="Cambria Math" panose="02040503050406030204" charset="0"/>
+                                </a:rPr>
+                              </m:ctrlPr>
+                            </m:sSubPr>
+                            <m:e>
+                              <m:r>
+                                <a:rPr lang="en-US" altLang="zh-CN" b="0" i="1" dirty="0" smtClean="0">
+                                  <a:latin typeface="Cambria Math" panose="02040503050406030204" pitchFamily="18" charset="0"/>
+                                  <a:cs typeface="Cambria Math" panose="02040503050406030204" charset="0"/>
+                                </a:rPr>
+                                <m:t>𝑡</m:t>
+                              </m:r>
+                            </m:e>
+                            <m:sub>
+                              <m:r>
+                                <a:rPr lang="en-US" altLang="zh-CN" b="0" i="1" dirty="0" smtClean="0">
+                                  <a:latin typeface="Cambria Math" panose="02040503050406030204" pitchFamily="18" charset="0"/>
+                                  <a:cs typeface="Cambria Math" panose="02040503050406030204" charset="0"/>
+                                </a:rPr>
+                                <m:t>𝑐𝑜𝑚𝑝</m:t>
+                              </m:r>
+                            </m:sub>
+                          </m:sSub>
+                          <m:r>
+                            <a:rPr lang="en-US" altLang="zh-CN" i="1">
+                              <a:latin typeface="Cambria Math" panose="02040503050406030204" charset="0"/>
+                            </a:rPr>
+                            <m:t>(</m:t>
+                          </m:r>
+                          <m:sSubSup>
+                            <m:sSubSupPr>
+                              <m:ctrlPr>
+                                <a:rPr lang="zh-CN" altLang="zh-CN" i="1" kern="100">
+                                  <a:latin typeface="Cambria Math" panose="02040503050406030204" pitchFamily="18" charset="0"/>
+                                  <a:ea typeface="Cambria Math" panose="02040503050406030204" charset="0"/>
+                                  <a:cs typeface="Times New Roman" panose="02020603050405020304" pitchFamily="18" charset="0"/>
+                                </a:rPr>
+                              </m:ctrlPr>
+                            </m:sSubSupPr>
+                            <m:e>
+                              <m:r>
+                                <a:rPr lang="en-US" altLang="zh-CN" i="1" kern="100">
+                                  <a:latin typeface="Cambria Math" panose="02040503050406030204" charset="0"/>
+                                  <a:cs typeface="Times New Roman" panose="02020603050405020304" pitchFamily="18" charset="0"/>
+                                </a:rPr>
+                                <m:t>𝑣</m:t>
+                              </m:r>
+                            </m:e>
+                            <m:sub>
+                              <m:r>
+                                <a:rPr lang="en-US" altLang="zh-CN" i="1" kern="100">
+                                  <a:latin typeface="Cambria Math" panose="02040503050406030204" charset="0"/>
+                                  <a:cs typeface="Times New Roman" panose="02020603050405020304" pitchFamily="18" charset="0"/>
+                                </a:rPr>
+                                <m:t>𝑖</m:t>
+                              </m:r>
+                            </m:sub>
+                            <m:sup>
+                              <m:r>
+                                <a:rPr lang="en-US" altLang="zh-CN" i="1" kern="100">
+                                  <a:latin typeface="Cambria Math" panose="02040503050406030204" charset="0"/>
+                                  <a:cs typeface="Times New Roman" panose="02020603050405020304" pitchFamily="18" charset="0"/>
+                                </a:rPr>
+                                <m:t>𝑘</m:t>
+                              </m:r>
+                            </m:sup>
+                          </m:sSubSup>
+                          <m:r>
+                            <a:rPr lang="en-US" altLang="zh-CN" i="1">
+                              <a:latin typeface="Cambria Math" panose="02040503050406030204" charset="0"/>
+                            </a:rPr>
+                            <m:t>,</m:t>
+                          </m:r>
+                          <m:sSub>
+                            <m:sSubPr>
+                              <m:ctrlPr>
+                                <a:rPr lang="en-US" altLang="zh-CN" i="1">
+                                  <a:latin typeface="Cambria Math" panose="02040503050406030204" pitchFamily="18" charset="0"/>
+                                </a:rPr>
+                              </m:ctrlPr>
+                            </m:sSubPr>
+                            <m:e>
+                              <m:r>
+                                <a:rPr lang="en-US" altLang="zh-CN" i="1">
+                                  <a:latin typeface="Cambria Math" panose="02040503050406030204" charset="0"/>
+                                </a:rPr>
+                                <m:t>𝑢</m:t>
+                              </m:r>
+                            </m:e>
+                            <m:sub>
+                              <m:r>
+                                <a:rPr lang="en-US" altLang="zh-CN" i="1">
+                                  <a:latin typeface="Cambria Math" panose="02040503050406030204" charset="0"/>
+                                </a:rPr>
+                                <m:t>𝑗</m:t>
+                              </m:r>
+                            </m:sub>
+                          </m:sSub>
+                          <m:r>
+                            <a:rPr lang="en-US" altLang="zh-CN" i="1">
+                              <a:latin typeface="Cambria Math" panose="02040503050406030204" charset="0"/>
+                            </a:rPr>
+                            <m:t>)</m:t>
+                          </m:r>
+                          <m:r>
+                            <a:rPr lang="en-US" altLang="zh-CN" i="1" dirty="0">
+                              <a:latin typeface="Cambria Math" panose="02040503050406030204" charset="0"/>
+                              <a:cs typeface="Cambria Math" panose="02040503050406030204" charset="0"/>
+                            </a:rPr>
+                            <m:t>)+</m:t>
+                          </m:r>
+                          <m:r>
+                            <a:rPr lang="en-US" altLang="zh-CN" i="1" dirty="0">
+                              <a:latin typeface="Cambria Math" panose="02040503050406030204" charset="0"/>
+                              <a:cs typeface="Cambria Math" panose="02040503050406030204" charset="0"/>
+                            </a:rPr>
+                            <m:t>𝑚𝑎𝑥</m:t>
+                          </m:r>
+                          <m:r>
+                            <a:rPr lang="en-US" altLang="zh-CN" i="1" dirty="0">
+                              <a:latin typeface="Cambria Math" panose="02040503050406030204" charset="0"/>
+                              <a:cs typeface="Cambria Math" panose="02040503050406030204" charset="0"/>
+                            </a:rPr>
+                            <m:t>(</m:t>
+                          </m:r>
+                          <m:sSub>
+                            <m:sSubPr>
+                              <m:ctrlPr>
+                                <a:rPr lang="en-US" altLang="zh-CN" i="1">
+                                  <a:latin typeface="Cambria Math" panose="02040503050406030204" pitchFamily="18" charset="0"/>
+                                  <a:cs typeface="Cambria Math" panose="02040503050406030204" charset="0"/>
+                                </a:rPr>
+                              </m:ctrlPr>
+                            </m:sSubPr>
+                            <m:e>
+                              <m:r>
+                                <a:rPr lang="en-US" altLang="zh-CN" i="1">
+                                  <a:latin typeface="Cambria Math" panose="02040503050406030204" charset="0"/>
+                                  <a:cs typeface="Cambria Math" panose="02040503050406030204" charset="0"/>
+                                </a:rPr>
+                                <m:t>𝜀</m:t>
+                              </m:r>
+                            </m:e>
+                            <m:sub>
+                              <m:r>
+                                <m:rPr>
+                                  <m:sty m:val="p"/>
+                                </m:rPr>
+                                <a:rPr lang="en-US" altLang="zh-CN" i="1">
+                                  <a:latin typeface="Cambria Math" panose="02040503050406030204" pitchFamily="18" charset="0"/>
+                                  <a:cs typeface="Cambria Math" panose="02040503050406030204" charset="0"/>
+                                </a:rPr>
+                                <m:t>k</m:t>
+                              </m:r>
+                              <m:r>
+                                <a:rPr lang="en-US" altLang="zh-CN" i="1">
+                                  <a:latin typeface="Cambria Math" panose="02040503050406030204" charset="0"/>
+                                  <a:cs typeface="Cambria Math" panose="02040503050406030204" charset="0"/>
+                                </a:rPr>
+                                <m:t>𝑗</m:t>
+                              </m:r>
+                            </m:sub>
+                          </m:sSub>
+                          <m:r>
+                            <a:rPr lang="en-US" altLang="zh-CN" i="1" dirty="0">
+                              <a:latin typeface="Cambria Math" panose="02040503050406030204" charset="0"/>
+                              <a:cs typeface="Cambria Math" panose="02040503050406030204" charset="0"/>
+                            </a:rPr>
+                            <m:t>))</m:t>
+                          </m:r>
+                        </m:e>
+                      </m:nary>
+                    </m:oMath>
+                  </m:oMathPara>
                 </a14:m>
                 <a:endParaRPr lang="en-US" altLang="zh-CN" dirty="0" smtClean="0">
                   <a:latin typeface="Cambria Math" panose="02040503050406030204" pitchFamily="18" charset="0"/>
@@ -29138,130 +29756,279 @@
                 </a:endParaRPr>
               </a:p>
               <a:p>
-                <a:pPr lvl="2"/>
+                <a:pPr marL="457200" lvl="1" indent="0">
+                  <a:buNone/>
+                </a:pPr>
                 <a14:m>
-                  <m:oMath xmlns:m="http://schemas.openxmlformats.org/officeDocument/2006/math">
-                    <m:r>
-                      <a:rPr lang="en-US" altLang="zh-CN" i="1">
-                        <a:latin typeface="Cambria Math" panose="02040503050406030204" pitchFamily="18" charset="0"/>
-                      </a:rPr>
-                      <m:t>𝐺𝑛𝑒𝑡</m:t>
-                    </m:r>
-                    <m:r>
-                      <a:rPr lang="en-US" altLang="zh-CN" i="1">
-                        <a:latin typeface="Cambria Math" panose="02040503050406030204" pitchFamily="18" charset="0"/>
-                      </a:rPr>
-                      <m:t>=</m:t>
-                    </m:r>
-                    <m:d>
-                      <m:dPr>
-                        <m:begChr m:val="{"/>
-                        <m:endChr m:val="}"/>
-                        <m:ctrlPr>
-                          <a:rPr lang="en-US" altLang="zh-CN" i="1">
-                            <a:latin typeface="Cambria Math" panose="02040503050406030204" pitchFamily="18" charset="0"/>
-                          </a:rPr>
-                        </m:ctrlPr>
-                      </m:dPr>
-                      <m:e>
-                        <m:r>
-                          <a:rPr lang="en-US" altLang="zh-CN" i="1">
-                            <a:latin typeface="Cambria Math" panose="02040503050406030204" pitchFamily="18" charset="0"/>
-                          </a:rPr>
-                          <m:t>𝑜</m:t>
-                        </m:r>
-                        <m:sSub>
-                          <m:sSubPr>
-                            <m:ctrlPr>
-                              <a:rPr lang="en-US" altLang="zh-CN" i="1">
-                                <a:latin typeface="Cambria Math" panose="02040503050406030204" pitchFamily="18" charset="0"/>
-                              </a:rPr>
-                            </m:ctrlPr>
-                          </m:sSubPr>
-                          <m:e>
-                            <m:r>
-                              <a:rPr lang="en-US" altLang="zh-CN" i="1">
-                                <a:latin typeface="Cambria Math" panose="02040503050406030204" pitchFamily="18" charset="0"/>
-                              </a:rPr>
-                              <m:t>𝑝</m:t>
-                            </m:r>
-                          </m:e>
-                          <m:sub>
-                            <m:r>
-                              <a:rPr lang="en-US" altLang="zh-CN" i="1">
-                                <a:latin typeface="Cambria Math" panose="02040503050406030204" pitchFamily="18" charset="0"/>
-                              </a:rPr>
-                              <m:t>𝑖</m:t>
-                            </m:r>
-                          </m:sub>
-                        </m:sSub>
-                        <m:r>
-                          <a:rPr lang="en-US" altLang="zh-CN" i="1">
-                            <a:latin typeface="Cambria Math" panose="02040503050406030204" pitchFamily="18" charset="0"/>
-                          </a:rPr>
-                          <m:t>, </m:t>
-                        </m:r>
-                        <m:r>
-                          <a:rPr lang="en-US" altLang="zh-CN" i="1">
-                            <a:latin typeface="Cambria Math" panose="02040503050406030204" pitchFamily="18" charset="0"/>
-                          </a:rPr>
-                          <m:t>𝐶</m:t>
-                        </m:r>
-                        <m:r>
-                          <a:rPr lang="en-US" altLang="zh-CN" i="1">
-                            <a:latin typeface="Cambria Math" panose="02040503050406030204" pitchFamily="18" charset="0"/>
-                          </a:rPr>
-                          <m:t>, </m:t>
-                        </m:r>
-                        <m:r>
-                          <a:rPr lang="en-US" altLang="zh-CN" i="1">
-                            <a:latin typeface="Cambria Math" panose="02040503050406030204" pitchFamily="18" charset="0"/>
-                          </a:rPr>
-                          <m:t>𝐿𝑟</m:t>
-                        </m:r>
-                        <m:r>
-                          <a:rPr lang="en-US" altLang="zh-CN" i="1">
-                            <a:latin typeface="Cambria Math" panose="02040503050406030204" pitchFamily="18" charset="0"/>
-                          </a:rPr>
-                          <m:t>, </m:t>
-                        </m:r>
-                        <m:r>
-                          <a:rPr lang="en-US" altLang="zh-CN" i="1">
-                            <a:latin typeface="Cambria Math" panose="02040503050406030204" pitchFamily="18" charset="0"/>
-                          </a:rPr>
-                          <m:t>𝑂</m:t>
-                        </m:r>
-                      </m:e>
-                    </m:d>
-                    <m:r>
-                      <a:rPr lang="en-US" altLang="zh-CN" smtClean="0">
-                        <a:latin typeface="Cambria Math" panose="02040503050406030204" pitchFamily="18" charset="0"/>
-                      </a:rPr>
-                      <m:t>, </m:t>
-                    </m:r>
-                  </m:oMath>
+                  <m:oMathPara xmlns:m="http://schemas.openxmlformats.org/officeDocument/2006/math">
+                    <m:oMathParaPr>
+                      <m:jc m:val="centerGroup"/>
+                    </m:oMathParaPr>
+                    <m:oMath xmlns:m="http://schemas.openxmlformats.org/officeDocument/2006/math">
+                      <m:func>
+                        <m:funcPr>
+                          <m:ctrlPr>
+                            <a:rPr lang="en-US" altLang="zh-CN" i="1" dirty="0">
+                              <a:latin typeface="Cambria Math" panose="02040503050406030204" pitchFamily="18" charset="0"/>
+                            </a:rPr>
+                          </m:ctrlPr>
+                        </m:funcPr>
+                        <m:fName>
+                          <m:r>
+                            <a:rPr lang="en-US" altLang="zh-CN" i="1" dirty="0">
+                              <a:latin typeface="Cambria Math" panose="02040503050406030204" pitchFamily="18" charset="0"/>
+                            </a:rPr>
+                            <m:t>𝑠</m:t>
+                          </m:r>
+                          <m:r>
+                            <a:rPr lang="en-US" altLang="zh-CN" i="1" dirty="0">
+                              <a:latin typeface="Cambria Math" panose="02040503050406030204" pitchFamily="18" charset="0"/>
+                            </a:rPr>
+                            <m:t>.</m:t>
+                          </m:r>
+                          <m:r>
+                            <a:rPr lang="en-US" altLang="zh-CN" i="1" dirty="0">
+                              <a:latin typeface="Cambria Math" panose="02040503050406030204" pitchFamily="18" charset="0"/>
+                            </a:rPr>
+                            <m:t>𝑡</m:t>
+                          </m:r>
+                          <m:r>
+                            <a:rPr lang="en-US" altLang="zh-CN" i="1" dirty="0">
+                              <a:latin typeface="Cambria Math" panose="02040503050406030204" pitchFamily="18" charset="0"/>
+                            </a:rPr>
+                            <m:t>. </m:t>
+                          </m:r>
+                        </m:fName>
+                        <m:e>
+                          <m:r>
+                            <a:rPr lang="en-US" altLang="zh-CN" i="1" dirty="0">
+                              <a:latin typeface="Cambria Math" panose="02040503050406030204" pitchFamily="18" charset="0"/>
+                            </a:rPr>
+                            <m:t>𝐴𝑐𝑐</m:t>
+                          </m:r>
+                          <m:d>
+                            <m:dPr>
+                              <m:ctrlPr>
+                                <a:rPr lang="en-US" altLang="zh-CN" i="1" dirty="0">
+                                  <a:latin typeface="Cambria Math" panose="02040503050406030204" pitchFamily="18" charset="0"/>
+                                </a:rPr>
+                              </m:ctrlPr>
+                            </m:dPr>
+                            <m:e>
+                              <m:r>
+                                <m:rPr>
+                                  <m:nor/>
+                                </m:rPr>
+                                <a:rPr lang="en-US" altLang="zh-CN" dirty="0"/>
+                                <m:t>Gnet</m:t>
+                              </m:r>
+                              <m:r>
+                                <m:rPr>
+                                  <m:nor/>
+                                </m:rPr>
+                                <a:rPr lang="en-US" altLang="zh-CN" dirty="0"/>
+                                <m:t>(</m:t>
+                              </m:r>
+                              <m:r>
+                                <m:rPr>
+                                  <m:nor/>
+                                </m:rPr>
+                                <a:rPr lang="en-US" altLang="zh-CN" dirty="0"/>
+                                <m:t>B</m:t>
+                              </m:r>
+                              <m:r>
+                                <m:rPr>
+                                  <m:nor/>
+                                </m:rPr>
+                                <a:rPr lang="en-US" altLang="zh-CN" dirty="0"/>
+                                <m:t>,</m:t>
+                              </m:r>
+                              <m:r>
+                                <m:rPr>
+                                  <m:nor/>
+                                </m:rPr>
+                                <a:rPr lang="en-US" altLang="zh-CN" dirty="0"/>
+                                <m:t>D</m:t>
+                              </m:r>
+                              <m:r>
+                                <m:rPr>
+                                  <m:nor/>
+                                </m:rPr>
+                                <a:rPr lang="en-US" altLang="zh-CN" dirty="0"/>
+                                <m:t>, </m:t>
+                              </m:r>
+                              <m:r>
+                                <m:rPr>
+                                  <m:nor/>
+                                </m:rPr>
+                                <a:rPr lang="en-US" altLang="zh-CN" dirty="0"/>
+                                <m:t>ACT</m:t>
+                              </m:r>
+                              <m:r>
+                                <m:rPr>
+                                  <m:nor/>
+                                </m:rPr>
+                                <a:rPr lang="en-US" altLang="zh-CN" dirty="0"/>
+                                <m:t>, </m:t>
+                              </m:r>
+                              <m:r>
+                                <m:rPr>
+                                  <m:nor/>
+                                </m:rPr>
+                                <a:rPr lang="en-US" altLang="zh-CN" dirty="0"/>
+                                <m:t>AGG</m:t>
+                              </m:r>
+                              <m:r>
+                                <m:rPr>
+                                  <m:nor/>
+                                </m:rPr>
+                                <a:rPr lang="en-US" altLang="zh-CN" dirty="0"/>
+                                <m:t>), </m:t>
+                              </m:r>
+                              <m:r>
+                                <m:rPr>
+                                  <m:nor/>
+                                </m:rPr>
+                                <a:rPr lang="en-US" altLang="zh-CN" dirty="0"/>
+                                <m:t>q</m:t>
+                              </m:r>
+                            </m:e>
+                          </m:d>
+                          <m:r>
+                            <a:rPr lang="en-US" altLang="zh-CN" i="1" dirty="0">
+                              <a:latin typeface="Cambria Math" panose="02040503050406030204" pitchFamily="18" charset="0"/>
+                            </a:rPr>
+                            <m:t>≤</m:t>
+                          </m:r>
+                          <m:r>
+                            <a:rPr lang="en-US" altLang="zh-CN" i="1" dirty="0">
+                              <a:latin typeface="Cambria Math" panose="02040503050406030204" pitchFamily="18" charset="0"/>
+                            </a:rPr>
+                            <m:t>𝐴𝑐</m:t>
+                          </m:r>
+                          <m:sSub>
+                            <m:sSubPr>
+                              <m:ctrlPr>
+                                <a:rPr lang="en-US" altLang="zh-CN" i="1" dirty="0">
+                                  <a:latin typeface="Cambria Math" panose="02040503050406030204" pitchFamily="18" charset="0"/>
+                                </a:rPr>
+                              </m:ctrlPr>
+                            </m:sSubPr>
+                            <m:e>
+                              <m:r>
+                                <a:rPr lang="en-US" altLang="zh-CN" i="1" dirty="0">
+                                  <a:latin typeface="Cambria Math" panose="02040503050406030204" pitchFamily="18" charset="0"/>
+                                </a:rPr>
+                                <m:t>𝑐</m:t>
+                              </m:r>
+                            </m:e>
+                            <m:sub>
+                              <m:r>
+                                <a:rPr lang="en-US" altLang="zh-CN" i="1" dirty="0">
+                                  <a:latin typeface="Cambria Math" panose="02040503050406030204" pitchFamily="18" charset="0"/>
+                                </a:rPr>
+                                <m:t>0</m:t>
+                              </m:r>
+                            </m:sub>
+                          </m:sSub>
+                          <m:r>
+                            <a:rPr lang="en-US" altLang="zh-CN" i="1" dirty="0">
+                              <a:latin typeface="Cambria Math" panose="02040503050406030204" pitchFamily="18" charset="0"/>
+                            </a:rPr>
+                            <m:t>, </m:t>
+                          </m:r>
+                          <m:r>
+                            <a:rPr lang="en-US" altLang="zh-CN" i="1" dirty="0">
+                              <a:latin typeface="Cambria Math" panose="02040503050406030204" pitchFamily="18" charset="0"/>
+                            </a:rPr>
+                            <m:t>𝐴</m:t>
+                          </m:r>
+                          <m:r>
+                            <a:rPr lang="en-US" altLang="zh-CN" i="1" dirty="0">
+                              <a:latin typeface="Cambria Math" panose="02040503050406030204" pitchFamily="18" charset="0"/>
+                            </a:rPr>
+                            <m:t>≤</m:t>
+                          </m:r>
+                          <m:sSub>
+                            <m:sSubPr>
+                              <m:ctrlPr>
+                                <a:rPr lang="en-US" altLang="zh-CN" i="1" dirty="0">
+                                  <a:latin typeface="Cambria Math" panose="02040503050406030204" pitchFamily="18" charset="0"/>
+                                </a:rPr>
+                              </m:ctrlPr>
+                            </m:sSubPr>
+                            <m:e>
+                              <m:r>
+                                <a:rPr lang="en-US" altLang="zh-CN" i="1" dirty="0">
+                                  <a:latin typeface="Cambria Math" panose="02040503050406030204" pitchFamily="18" charset="0"/>
+                                </a:rPr>
+                                <m:t>𝐴</m:t>
+                              </m:r>
+                            </m:e>
+                            <m:sub>
+                              <m:r>
+                                <a:rPr lang="en-US" altLang="zh-CN" i="1" dirty="0">
+                                  <a:latin typeface="Cambria Math" panose="02040503050406030204" pitchFamily="18" charset="0"/>
+                                </a:rPr>
+                                <m:t>0</m:t>
+                              </m:r>
+                            </m:sub>
+                          </m:sSub>
+                          <m:r>
+                            <a:rPr lang="en-US" altLang="zh-CN" i="1" dirty="0">
+                              <a:latin typeface="Cambria Math" panose="02040503050406030204" pitchFamily="18" charset="0"/>
+                            </a:rPr>
+                            <m:t>,</m:t>
+                          </m:r>
+                          <m:r>
+                            <a:rPr lang="en-US" altLang="zh-CN" i="1" dirty="0">
+                              <a:latin typeface="Cambria Math" panose="02040503050406030204" pitchFamily="18" charset="0"/>
+                            </a:rPr>
+                            <m:t>𝑃</m:t>
+                          </m:r>
+                          <m:r>
+                            <a:rPr lang="en-US" altLang="zh-CN" i="1" dirty="0">
+                              <a:latin typeface="Cambria Math" panose="02040503050406030204" pitchFamily="18" charset="0"/>
+                            </a:rPr>
+                            <m:t>≤</m:t>
+                          </m:r>
+                          <m:sSub>
+                            <m:sSubPr>
+                              <m:ctrlPr>
+                                <a:rPr lang="en-US" altLang="zh-CN" i="1" dirty="0">
+                                  <a:latin typeface="Cambria Math" panose="02040503050406030204" pitchFamily="18" charset="0"/>
+                                </a:rPr>
+                              </m:ctrlPr>
+                            </m:sSubPr>
+                            <m:e>
+                              <m:r>
+                                <a:rPr lang="en-US" altLang="zh-CN" i="1" dirty="0">
+                                  <a:latin typeface="Cambria Math" panose="02040503050406030204" pitchFamily="18" charset="0"/>
+                                </a:rPr>
+                                <m:t>𝑃</m:t>
+                              </m:r>
+                            </m:e>
+                            <m:sub>
+                              <m:r>
+                                <a:rPr lang="en-US" altLang="zh-CN" i="1" dirty="0">
+                                  <a:latin typeface="Cambria Math" panose="02040503050406030204" pitchFamily="18" charset="0"/>
+                                </a:rPr>
+                                <m:t>0</m:t>
+                              </m:r>
+                            </m:sub>
+                          </m:sSub>
+                        </m:e>
+                      </m:func>
+                    </m:oMath>
+                  </m:oMathPara>
                 </a14:m>
-                <a:r>
-                  <a:rPr lang="zh-CN" altLang="en-US" dirty="0" smtClean="0">
-                    <a:latin typeface="Cambria Math" panose="02040503050406030204" pitchFamily="18" charset="0"/>
-                    <a:cs typeface="Cambria Math" panose="02040503050406030204" pitchFamily="18" charset="0"/>
-                  </a:rPr>
-                  <a:t>其中</a:t>
-                </a:r>
-                <a:r>
-                  <a:rPr lang="en-US" altLang="zh-CN" dirty="0" smtClean="0">
-                    <a:latin typeface="Cambria Math" panose="02040503050406030204" pitchFamily="18" charset="0"/>
-                    <a:cs typeface="Cambria Math" panose="02040503050406030204" pitchFamily="18" charset="0"/>
-                  </a:rPr>
-                  <a:t>opi</a:t>
-                </a:r>
-                <a:r>
-                  <a:rPr lang="zh-CN" altLang="en-US" dirty="0" smtClean="0">
-                    <a:latin typeface="Cambria Math" panose="02040503050406030204" pitchFamily="18" charset="0"/>
-                    <a:cs typeface="Cambria Math" panose="02040503050406030204" pitchFamily="18" charset="0"/>
-                  </a:rPr>
-                  <a:t>为第</a:t>
-                </a:r>
+                <a:endParaRPr lang="en-US" altLang="zh-CN" dirty="0" smtClean="0">
+                  <a:latin typeface="Cambria Math" panose="02040503050406030204" pitchFamily="18" charset="0"/>
+                  <a:cs typeface="Cambria Math" panose="02040503050406030204" pitchFamily="18" charset="0"/>
+                </a:endParaRPr>
+              </a:p>
+              <a:p>
+                <a:pPr lvl="1"/>
                 <a:r>
                   <a:rPr lang="en-US" altLang="zh-CN" dirty="0" err="1" smtClean="0">
                     <a:latin typeface="Cambria Math" panose="02040503050406030204" pitchFamily="18" charset="0"/>
@@ -29274,49 +30041,892 @@
                     <a:latin typeface="Cambria Math" panose="02040503050406030204" pitchFamily="18" charset="0"/>
                     <a:cs typeface="Cambria Math" panose="02040503050406030204" pitchFamily="18" charset="0"/>
                   </a:rPr>
-                  <a:t>层的操作，</a:t>
+                  <a:t>是层数，</a:t>
                 </a:r>
                 <a:r>
                   <a:rPr lang="en-US" altLang="zh-CN" dirty="0" smtClean="0">
                     <a:latin typeface="Cambria Math" panose="02040503050406030204" pitchFamily="18" charset="0"/>
                     <a:cs typeface="Cambria Math" panose="02040503050406030204" pitchFamily="18" charset="0"/>
                   </a:rPr>
-                  <a:t>C</a:t>
+                  <a:t>k</a:t>
                 </a:r>
                 <a:r>
                   <a:rPr lang="zh-CN" altLang="en-US" dirty="0" smtClean="0">
                     <a:latin typeface="Cambria Math" panose="02040503050406030204" pitchFamily="18" charset="0"/>
                     <a:cs typeface="Cambria Math" panose="02040503050406030204" pitchFamily="18" charset="0"/>
                   </a:rPr>
-                  <a:t>是层间连接类型，</a:t>
+                  <a:t>是每层任务个数，</a:t>
                 </a:r>
                 <a:r>
-                  <a:rPr lang="en-US" altLang="zh-CN" dirty="0" err="1" smtClean="0">
+                  <a:rPr lang="en-US" altLang="zh-CN" dirty="0" smtClean="0">
                     <a:latin typeface="Cambria Math" panose="02040503050406030204" pitchFamily="18" charset="0"/>
                     <a:cs typeface="Cambria Math" panose="02040503050406030204" pitchFamily="18" charset="0"/>
                   </a:rPr>
-                  <a:t>lr</a:t>
+                  <a:t>j</a:t>
                 </a:r>
                 <a:r>
                   <a:rPr lang="zh-CN" altLang="en-US" dirty="0" smtClean="0">
                     <a:latin typeface="Cambria Math" panose="02040503050406030204" pitchFamily="18" charset="0"/>
                     <a:cs typeface="Cambria Math" panose="02040503050406030204" pitchFamily="18" charset="0"/>
                   </a:rPr>
-                  <a:t>是学习率，</a:t>
+                  <a:t>是</a:t>
+                </a:r>
+                <a:r>
+                  <a:rPr lang="zh-CN" altLang="en-US" dirty="0">
+                    <a:latin typeface="Cambria Math" panose="02040503050406030204" pitchFamily="18" charset="0"/>
+                    <a:cs typeface="Cambria Math" panose="02040503050406030204" pitchFamily="18" charset="0"/>
+                  </a:rPr>
+                  <a:t>任务</a:t>
+                </a:r>
+                <a:r>
+                  <a:rPr lang="zh-CN" altLang="en-US" dirty="0" smtClean="0">
+                    <a:latin typeface="Cambria Math" panose="02040503050406030204" pitchFamily="18" charset="0"/>
+                    <a:cs typeface="Cambria Math" panose="02040503050406030204" pitchFamily="18" charset="0"/>
+                  </a:rPr>
+                  <a:t>节点下表</a:t>
+                </a:r>
+                <a:endParaRPr lang="en-US" altLang="zh-CN" dirty="0" smtClean="0">
+                  <a:latin typeface="Cambria Math" panose="02040503050406030204" pitchFamily="18" charset="0"/>
+                  <a:cs typeface="Cambria Math" panose="02040503050406030204" pitchFamily="18" charset="0"/>
+                </a:endParaRPr>
+              </a:p>
+              <a:p>
+                <a:pPr lvl="1"/>
+                <a:r>
+                  <a:rPr lang="zh-CN" altLang="en-US" dirty="0" smtClean="0">
+                    <a:latin typeface="Cambria Math" panose="02040503050406030204" pitchFamily="18" charset="0"/>
+                    <a:cs typeface="Cambria Math" panose="02040503050406030204" pitchFamily="18" charset="0"/>
+                  </a:rPr>
+                  <a:t>任务划分</a:t>
                 </a:r>
                 <a:r>
                   <a:rPr lang="en-US" altLang="zh-CN" dirty="0" smtClean="0">
                     <a:latin typeface="Cambria Math" panose="02040503050406030204" pitchFamily="18" charset="0"/>
                     <a:cs typeface="Cambria Math" panose="02040503050406030204" pitchFamily="18" charset="0"/>
                   </a:rPr>
-                  <a:t>O</a:t>
+                  <a:t>-tiling</a:t>
+                </a:r>
+              </a:p>
+              <a:p>
+                <a:pPr lvl="2"/>
+                <a:r>
+                  <a:rPr lang="en-US" altLang="zh-CN" dirty="0" err="1" smtClean="0">
+                    <a:latin typeface="Cambria Math" panose="02040503050406030204" pitchFamily="18" charset="0"/>
+                    <a:cs typeface="Cambria Math" panose="02040503050406030204" pitchFamily="18" charset="0"/>
+                  </a:rPr>
+                  <a:t>tiling</a:t>
                 </a:r>
                 <a:r>
                   <a:rPr lang="zh-CN" altLang="en-US" dirty="0" smtClean="0">
                     <a:latin typeface="Cambria Math" panose="02040503050406030204" pitchFamily="18" charset="0"/>
                     <a:cs typeface="Cambria Math" panose="02040503050406030204" pitchFamily="18" charset="0"/>
                   </a:rPr>
-                  <a:t>是优化器选择</a:t>
+                  <a:t>大小</a:t>
+                </a:r>
+                <a14:m>
+                  <m:oMath xmlns:m="http://schemas.openxmlformats.org/officeDocument/2006/math">
+                    <m:sSub>
+                      <m:sSubPr>
+                        <m:ctrlPr>
+                          <a:rPr lang="en-US" altLang="zh-CN" b="0" i="1" dirty="0" smtClean="0">
+                            <a:latin typeface="Cambria Math" panose="02040503050406030204" pitchFamily="18" charset="0"/>
+                            <a:cs typeface="Cambria Math" panose="02040503050406030204" pitchFamily="18" charset="0"/>
+                          </a:rPr>
+                        </m:ctrlPr>
+                      </m:sSubPr>
+                      <m:e>
+                        <m:r>
+                          <m:rPr>
+                            <m:sty m:val="p"/>
+                          </m:rPr>
+                          <a:rPr lang="en-US" altLang="zh-CN" b="0" i="0" dirty="0" smtClean="0">
+                            <a:latin typeface="Cambria Math" panose="02040503050406030204" pitchFamily="18" charset="0"/>
+                            <a:cs typeface="Cambria Math" panose="02040503050406030204" pitchFamily="18" charset="0"/>
+                          </a:rPr>
+                          <m:t>K</m:t>
+                        </m:r>
+                      </m:e>
+                      <m:sub>
+                        <m:r>
+                          <a:rPr lang="en-US" altLang="zh-CN" b="0" i="1" dirty="0" smtClean="0">
+                            <a:latin typeface="Cambria Math" panose="02040503050406030204" pitchFamily="18" charset="0"/>
+                            <a:cs typeface="Cambria Math" panose="02040503050406030204" pitchFamily="18" charset="0"/>
+                          </a:rPr>
+                          <m:t>h</m:t>
+                        </m:r>
+                      </m:sub>
+                    </m:sSub>
+                    <m:r>
+                      <a:rPr lang="en-US" altLang="zh-CN" b="0" i="1" dirty="0" smtClean="0">
+                        <a:latin typeface="Cambria Math" panose="02040503050406030204" pitchFamily="18" charset="0"/>
+                        <a:cs typeface="Cambria Math" panose="02040503050406030204" pitchFamily="18" charset="0"/>
+                      </a:rPr>
+                      <m:t>∗</m:t>
+                    </m:r>
+                    <m:sSub>
+                      <m:sSubPr>
+                        <m:ctrlPr>
+                          <a:rPr lang="en-US" altLang="zh-CN" b="0" i="1" dirty="0" smtClean="0">
+                            <a:latin typeface="Cambria Math" panose="02040503050406030204" pitchFamily="18" charset="0"/>
+                            <a:cs typeface="Cambria Math" panose="02040503050406030204" pitchFamily="18" charset="0"/>
+                          </a:rPr>
+                        </m:ctrlPr>
+                      </m:sSubPr>
+                      <m:e>
+                        <m:r>
+                          <a:rPr lang="en-US" altLang="zh-CN" b="0" i="1" dirty="0" smtClean="0">
+                            <a:latin typeface="Cambria Math" panose="02040503050406030204" pitchFamily="18" charset="0"/>
+                            <a:cs typeface="Cambria Math" panose="02040503050406030204" pitchFamily="18" charset="0"/>
+                          </a:rPr>
+                          <m:t>𝐾</m:t>
+                        </m:r>
+                      </m:e>
+                      <m:sub>
+                        <m:r>
+                          <a:rPr lang="en-US" altLang="zh-CN" b="0" i="1" dirty="0" smtClean="0">
+                            <a:latin typeface="Cambria Math" panose="02040503050406030204" pitchFamily="18" charset="0"/>
+                            <a:cs typeface="Cambria Math" panose="02040503050406030204" pitchFamily="18" charset="0"/>
+                          </a:rPr>
+                          <m:t>𝑤</m:t>
+                        </m:r>
+                      </m:sub>
+                    </m:sSub>
+                  </m:oMath>
+                </a14:m>
+                <a:r>
+                  <a:rPr lang="zh-CN" altLang="en-US" dirty="0" smtClean="0">
+                    <a:latin typeface="Cambria Math" panose="02040503050406030204" pitchFamily="18" charset="0"/>
+                    <a:cs typeface="Cambria Math" panose="02040503050406030204" pitchFamily="18" charset="0"/>
+                  </a:rPr>
+                  <a:t>；输入、输出维度为</a:t>
+                </a:r>
+                <a14:m>
+                  <m:oMath xmlns:m="http://schemas.openxmlformats.org/officeDocument/2006/math">
+                    <m:r>
+                      <m:rPr>
+                        <m:sty m:val="p"/>
+                      </m:rPr>
+                      <a:rPr lang="en-US" altLang="zh-CN" b="0" i="0" dirty="0" smtClean="0">
+                        <a:latin typeface="Cambria Math" panose="02040503050406030204" pitchFamily="18" charset="0"/>
+                        <a:cs typeface="Cambria Math" panose="02040503050406030204" pitchFamily="18" charset="0"/>
+                      </a:rPr>
+                      <m:t>N</m:t>
+                    </m:r>
+                    <m:r>
+                      <a:rPr lang="en-US" altLang="zh-CN" b="0" i="1" dirty="0" smtClean="0">
+                        <a:latin typeface="Cambria Math" panose="02040503050406030204" pitchFamily="18" charset="0"/>
+                        <a:cs typeface="Cambria Math" panose="02040503050406030204" pitchFamily="18" charset="0"/>
+                      </a:rPr>
+                      <m:t>,</m:t>
+                    </m:r>
+                    <m:r>
+                      <m:rPr>
+                        <m:sty m:val="p"/>
+                      </m:rPr>
+                      <a:rPr lang="en-US" altLang="zh-CN" i="1" dirty="0" smtClean="0">
+                        <a:latin typeface="Cambria Math" panose="02040503050406030204" pitchFamily="18" charset="0"/>
+                        <a:cs typeface="Cambria Math" panose="02040503050406030204" pitchFamily="18" charset="0"/>
+                      </a:rPr>
+                      <m:t>M</m:t>
+                    </m:r>
+                  </m:oMath>
+                </a14:m>
+                <a:r>
+                  <a:rPr lang="en-US" altLang="zh-CN" dirty="0" smtClean="0">
+                    <a:latin typeface="Cambria Math" panose="02040503050406030204" pitchFamily="18" charset="0"/>
+                    <a:cs typeface="Cambria Math" panose="02040503050406030204" pitchFamily="18" charset="0"/>
+                  </a:rPr>
+                  <a:t>, tile</a:t>
+                </a:r>
+                <a:r>
+                  <a:rPr lang="zh-CN" altLang="en-US" dirty="0" smtClean="0">
+                    <a:cs typeface="Cambria Math" panose="02040503050406030204" pitchFamily="18" charset="0"/>
+                  </a:rPr>
+                  <a:t>个数分别为</a:t>
+                </a:r>
+                <a:r>
+                  <a:rPr lang="zh-CN" altLang="en-US" dirty="0">
+                    <a:cs typeface="Cambria Math" panose="02040503050406030204" pitchFamily="18" charset="0"/>
+                  </a:rPr>
+                  <a:t>⌈</a:t>
+                </a:r>
+                <a14:m>
+                  <m:oMath xmlns:m="http://schemas.openxmlformats.org/officeDocument/2006/math">
+                    <m:r>
+                      <m:rPr>
+                        <m:sty m:val="p"/>
+                      </m:rPr>
+                      <a:rPr lang="en-US" altLang="zh-CN" i="1" dirty="0">
+                        <a:latin typeface="Cambria Math" panose="02040503050406030204" pitchFamily="18" charset="0"/>
+                        <a:cs typeface="Cambria Math" panose="02040503050406030204" pitchFamily="18" charset="0"/>
+                      </a:rPr>
+                      <m:t>N</m:t>
+                    </m:r>
+                    <m:r>
+                      <a:rPr lang="en-US" altLang="zh-CN" b="0" i="1" dirty="0" smtClean="0">
+                        <a:latin typeface="Cambria Math" panose="02040503050406030204" pitchFamily="18" charset="0"/>
+                        <a:cs typeface="Cambria Math" panose="02040503050406030204" pitchFamily="18" charset="0"/>
+                      </a:rPr>
+                      <m:t>/</m:t>
+                    </m:r>
+                    <m:sSub>
+                      <m:sSubPr>
+                        <m:ctrlPr>
+                          <a:rPr lang="en-US" altLang="zh-CN" i="1" dirty="0">
+                            <a:latin typeface="Cambria Math" panose="02040503050406030204" pitchFamily="18" charset="0"/>
+                            <a:cs typeface="Cambria Math" panose="02040503050406030204" pitchFamily="18" charset="0"/>
+                          </a:rPr>
+                        </m:ctrlPr>
+                      </m:sSubPr>
+                      <m:e>
+                        <m:r>
+                          <m:rPr>
+                            <m:sty m:val="p"/>
+                          </m:rPr>
+                          <a:rPr lang="en-US" altLang="zh-CN" i="1" dirty="0">
+                            <a:latin typeface="Cambria Math" panose="02040503050406030204" pitchFamily="18" charset="0"/>
+                            <a:cs typeface="Cambria Math" panose="02040503050406030204" pitchFamily="18" charset="0"/>
+                          </a:rPr>
+                          <m:t>T</m:t>
+                        </m:r>
+                      </m:e>
+                      <m:sub>
+                        <m:r>
+                          <m:rPr>
+                            <m:sty m:val="p"/>
+                          </m:rPr>
+                          <a:rPr lang="en-US" altLang="zh-CN" i="1" dirty="0" smtClean="0">
+                            <a:latin typeface="Cambria Math" panose="02040503050406030204" pitchFamily="18" charset="0"/>
+                            <a:cs typeface="Cambria Math" panose="02040503050406030204" pitchFamily="18" charset="0"/>
+                          </a:rPr>
+                          <m:t>n</m:t>
+                        </m:r>
+                      </m:sub>
+                    </m:sSub>
+                  </m:oMath>
+                </a14:m>
+                <a:r>
+                  <a:rPr lang="zh-CN" altLang="en-US" dirty="0" smtClean="0">
+                    <a:cs typeface="Cambria Math" panose="02040503050406030204" pitchFamily="18" charset="0"/>
+                  </a:rPr>
+                  <a:t>⌉</a:t>
+                </a:r>
+                <a:r>
+                  <a:rPr lang="en-US" altLang="zh-CN" dirty="0" smtClean="0">
+                    <a:cs typeface="Cambria Math" panose="02040503050406030204" pitchFamily="18" charset="0"/>
+                  </a:rPr>
+                  <a:t>,</a:t>
+                </a:r>
+                <a:r>
+                  <a:rPr lang="zh-CN" altLang="en-US" dirty="0">
+                    <a:cs typeface="Cambria Math" panose="02040503050406030204" pitchFamily="18" charset="0"/>
+                  </a:rPr>
+                  <a:t> ⌈</a:t>
+                </a:r>
+                <a14:m>
+                  <m:oMath xmlns:m="http://schemas.openxmlformats.org/officeDocument/2006/math">
+                    <m:r>
+                      <m:rPr>
+                        <m:sty m:val="p"/>
+                      </m:rPr>
+                      <a:rPr lang="en-US" altLang="zh-CN" i="1" dirty="0">
+                        <a:latin typeface="Cambria Math" panose="02040503050406030204" pitchFamily="18" charset="0"/>
+                        <a:cs typeface="Cambria Math" panose="02040503050406030204" pitchFamily="18" charset="0"/>
+                      </a:rPr>
+                      <m:t>M</m:t>
+                    </m:r>
+                    <m:r>
+                      <a:rPr lang="en-US" altLang="zh-CN" i="1" dirty="0">
+                        <a:latin typeface="Cambria Math" panose="02040503050406030204" pitchFamily="18" charset="0"/>
+                        <a:cs typeface="Cambria Math" panose="02040503050406030204" pitchFamily="18" charset="0"/>
+                      </a:rPr>
+                      <m:t>/</m:t>
+                    </m:r>
+                    <m:sSub>
+                      <m:sSubPr>
+                        <m:ctrlPr>
+                          <a:rPr lang="en-US" altLang="zh-CN" i="1" dirty="0">
+                            <a:latin typeface="Cambria Math" panose="02040503050406030204" pitchFamily="18" charset="0"/>
+                            <a:cs typeface="Cambria Math" panose="02040503050406030204" pitchFamily="18" charset="0"/>
+                          </a:rPr>
+                        </m:ctrlPr>
+                      </m:sSubPr>
+                      <m:e>
+                        <m:r>
+                          <m:rPr>
+                            <m:sty m:val="p"/>
+                          </m:rPr>
+                          <a:rPr lang="en-US" altLang="zh-CN" i="1" dirty="0">
+                            <a:latin typeface="Cambria Math" panose="02040503050406030204" pitchFamily="18" charset="0"/>
+                            <a:cs typeface="Cambria Math" panose="02040503050406030204" pitchFamily="18" charset="0"/>
+                          </a:rPr>
+                          <m:t>T</m:t>
+                        </m:r>
+                      </m:e>
+                      <m:sub>
+                        <m:r>
+                          <a:rPr lang="en-US" altLang="zh-CN" b="0" i="1" dirty="0" smtClean="0">
+                            <a:latin typeface="Cambria Math" panose="02040503050406030204" pitchFamily="18" charset="0"/>
+                            <a:cs typeface="Cambria Math" panose="02040503050406030204" pitchFamily="18" charset="0"/>
+                          </a:rPr>
+                          <m:t>𝑚</m:t>
+                        </m:r>
+                      </m:sub>
+                    </m:sSub>
+                  </m:oMath>
+                </a14:m>
+                <a:r>
+                  <a:rPr lang="zh-CN" altLang="en-US" dirty="0" smtClean="0">
+                    <a:cs typeface="Cambria Math" panose="02040503050406030204" pitchFamily="18" charset="0"/>
+                  </a:rPr>
+                  <a:t>⌉</a:t>
+                </a:r>
+                <a:endParaRPr lang="zh-CN" altLang="en-US" dirty="0">
+                  <a:cs typeface="Cambria Math" panose="02040503050406030204" pitchFamily="18" charset="0"/>
+                </a:endParaRPr>
+              </a:p>
+              <a:p>
+                <a:pPr lvl="2"/>
+                <a14:m>
+                  <m:oMath xmlns:m="http://schemas.openxmlformats.org/officeDocument/2006/math">
+                    <m:r>
+                      <a:rPr lang="zh-CN" altLang="en-US" i="1" dirty="0">
+                        <a:latin typeface="Cambria Math" panose="02040503050406030204" pitchFamily="18" charset="0"/>
+                        <a:cs typeface="Cambria Math" panose="02040503050406030204" pitchFamily="18" charset="0"/>
+                      </a:rPr>
+                      <m:t>计算时间</m:t>
+                    </m:r>
+                  </m:oMath>
+                </a14:m>
+                <a:r>
+                  <a:rPr lang="zh-CN" altLang="en-US" dirty="0" smtClean="0">
+                    <a:latin typeface="Cambria Math" panose="02040503050406030204" pitchFamily="18" charset="0"/>
+                    <a:cs typeface="Cambria Math" panose="02040503050406030204" pitchFamily="18" charset="0"/>
+                  </a:rPr>
+                  <a:t>使用</a:t>
+                </a:r>
+                <a:r>
+                  <a:rPr lang="en-US" altLang="zh-CN" dirty="0" smtClean="0">
+                    <a:latin typeface="Cambria Math" panose="02040503050406030204" pitchFamily="18" charset="0"/>
+                    <a:cs typeface="Cambria Math" panose="02040503050406030204" pitchFamily="18" charset="0"/>
+                  </a:rPr>
+                  <a:t>MAC</a:t>
+                </a:r>
+                <a:r>
+                  <a:rPr lang="zh-CN" altLang="en-US" dirty="0" smtClean="0">
+                    <a:latin typeface="Cambria Math" panose="02040503050406030204" pitchFamily="18" charset="0"/>
+                    <a:cs typeface="Cambria Math" panose="02040503050406030204" pitchFamily="18" charset="0"/>
+                  </a:rPr>
+                  <a:t>操作次数衡量</a:t>
+                </a:r>
+                <a:endParaRPr lang="en-US" altLang="zh-CN" dirty="0" smtClean="0">
+                  <a:latin typeface="Cambria Math" panose="02040503050406030204" pitchFamily="18" charset="0"/>
+                  <a:cs typeface="Cambria Math" panose="02040503050406030204" pitchFamily="18" charset="0"/>
+                </a:endParaRPr>
+              </a:p>
+              <a:p>
+                <a:pPr lvl="2"/>
+                <a:r>
+                  <a:rPr lang="zh-CN" altLang="en-US" dirty="0" smtClean="0">
+                    <a:latin typeface="Cambria Math" panose="02040503050406030204" pitchFamily="18" charset="0"/>
+                    <a:cs typeface="Cambria Math" panose="02040503050406030204" pitchFamily="18" charset="0"/>
+                  </a:rPr>
+                  <a:t>每个</a:t>
+                </a:r>
+                <a:r>
+                  <a:rPr lang="en-US" altLang="zh-CN" dirty="0" smtClean="0">
+                    <a:latin typeface="Cambria Math" panose="02040503050406030204" pitchFamily="18" charset="0"/>
+                    <a:cs typeface="Cambria Math" panose="02040503050406030204" pitchFamily="18" charset="0"/>
+                  </a:rPr>
+                  <a:t>tile</a:t>
+                </a:r>
+                <a:r>
+                  <a:rPr lang="zh-CN" altLang="en-US" dirty="0" smtClean="0">
+                    <a:latin typeface="Cambria Math" panose="02040503050406030204" pitchFamily="18" charset="0"/>
+                    <a:cs typeface="Cambria Math" panose="02040503050406030204" pitchFamily="18" charset="0"/>
+                  </a:rPr>
+                  <a:t>的</a:t>
+                </a:r>
+                <a:r>
+                  <a:rPr lang="zh-CN" altLang="en-US" dirty="0">
+                    <a:latin typeface="Cambria Math" panose="02040503050406030204" pitchFamily="18" charset="0"/>
+                    <a:cs typeface="Cambria Math" panose="02040503050406030204" pitchFamily="18" charset="0"/>
+                  </a:rPr>
+                  <a:t>计算</a:t>
+                </a:r>
+                <a:r>
+                  <a:rPr lang="zh-CN" altLang="en-US" dirty="0" smtClean="0">
+                    <a:latin typeface="Cambria Math" panose="02040503050406030204" pitchFamily="18" charset="0"/>
+                    <a:cs typeface="Cambria Math" panose="02040503050406030204" pitchFamily="18" charset="0"/>
+                  </a:rPr>
+                  <a:t>次数</a:t>
+                </a:r>
+                <a14:m>
+                  <m:oMath xmlns:m="http://schemas.openxmlformats.org/officeDocument/2006/math">
+                    <m:r>
+                      <m:rPr>
+                        <m:sty m:val="p"/>
+                      </m:rPr>
+                      <a:rPr lang="en-US" altLang="zh-CN" dirty="0" smtClean="0">
+                        <a:latin typeface="Cambria Math" panose="02040503050406030204" pitchFamily="18" charset="0"/>
+                        <a:cs typeface="Cambria Math" panose="02040503050406030204" pitchFamily="18" charset="0"/>
+                      </a:rPr>
+                      <m:t>c</m:t>
+                    </m:r>
+                    <m:r>
+                      <a:rPr lang="en-US" altLang="zh-CN" b="0" i="0" dirty="0" smtClean="0">
+                        <a:latin typeface="Cambria Math" panose="02040503050406030204" pitchFamily="18" charset="0"/>
+                        <a:cs typeface="Cambria Math" panose="02040503050406030204" pitchFamily="18" charset="0"/>
+                      </a:rPr>
+                      <m:t>=</m:t>
+                    </m:r>
+                    <m:sSub>
+                      <m:sSubPr>
+                        <m:ctrlPr>
+                          <a:rPr lang="en-US" altLang="zh-CN" i="1" dirty="0">
+                            <a:latin typeface="Cambria Math" panose="02040503050406030204" pitchFamily="18" charset="0"/>
+                            <a:cs typeface="Cambria Math" panose="02040503050406030204" pitchFamily="18" charset="0"/>
+                          </a:rPr>
+                        </m:ctrlPr>
+                      </m:sSubPr>
+                      <m:e>
+                        <m:r>
+                          <m:rPr>
+                            <m:sty m:val="p"/>
+                          </m:rPr>
+                          <a:rPr lang="en-US" altLang="zh-CN" dirty="0">
+                            <a:latin typeface="Cambria Math" panose="02040503050406030204" pitchFamily="18" charset="0"/>
+                            <a:cs typeface="Cambria Math" panose="02040503050406030204" pitchFamily="18" charset="0"/>
+                          </a:rPr>
+                          <m:t>K</m:t>
+                        </m:r>
+                      </m:e>
+                      <m:sub>
+                        <m:r>
+                          <a:rPr lang="en-US" altLang="zh-CN" i="1" dirty="0">
+                            <a:latin typeface="Cambria Math" panose="02040503050406030204" pitchFamily="18" charset="0"/>
+                            <a:cs typeface="Cambria Math" panose="02040503050406030204" pitchFamily="18" charset="0"/>
+                          </a:rPr>
+                          <m:t>h</m:t>
+                        </m:r>
+                      </m:sub>
+                    </m:sSub>
+                  </m:oMath>
+                </a14:m>
+                <a:r>
+                  <a:rPr lang="en-US" altLang="zh-CN" dirty="0" smtClean="0">
+                    <a:latin typeface="Cambria Math" panose="02040503050406030204" pitchFamily="18" charset="0"/>
+                    <a:cs typeface="Cambria Math" panose="02040503050406030204" pitchFamily="18" charset="0"/>
+                  </a:rPr>
+                  <a:t>*</a:t>
+                </a:r>
+                <a14:m>
+                  <m:oMath xmlns:m="http://schemas.openxmlformats.org/officeDocument/2006/math">
+                    <m:sSub>
+                      <m:sSubPr>
+                        <m:ctrlPr>
+                          <a:rPr lang="en-US" altLang="zh-CN" i="1" dirty="0">
+                            <a:latin typeface="Cambria Math" panose="02040503050406030204" pitchFamily="18" charset="0"/>
+                            <a:cs typeface="Cambria Math" panose="02040503050406030204" pitchFamily="18" charset="0"/>
+                          </a:rPr>
+                        </m:ctrlPr>
+                      </m:sSubPr>
+                      <m:e>
+                        <m:r>
+                          <a:rPr lang="en-US" altLang="zh-CN" b="0" i="0" dirty="0" smtClean="0">
+                            <a:latin typeface="Cambria Math" panose="02040503050406030204" pitchFamily="18" charset="0"/>
+                            <a:cs typeface="Cambria Math" panose="02040503050406030204" pitchFamily="18" charset="0"/>
+                          </a:rPr>
+                          <m:t> </m:t>
+                        </m:r>
+                        <m:r>
+                          <m:rPr>
+                            <m:sty m:val="p"/>
+                          </m:rPr>
+                          <a:rPr lang="en-US" altLang="zh-CN" dirty="0">
+                            <a:latin typeface="Cambria Math" panose="02040503050406030204" pitchFamily="18" charset="0"/>
+                            <a:cs typeface="Cambria Math" panose="02040503050406030204" pitchFamily="18" charset="0"/>
+                          </a:rPr>
+                          <m:t>K</m:t>
+                        </m:r>
+                      </m:e>
+                      <m:sub>
+                        <m:r>
+                          <m:rPr>
+                            <m:sty m:val="p"/>
+                          </m:rPr>
+                          <a:rPr lang="en-US" altLang="zh-CN" i="1" dirty="0" smtClean="0">
+                            <a:latin typeface="Cambria Math" panose="02040503050406030204" pitchFamily="18" charset="0"/>
+                            <a:cs typeface="Cambria Math" panose="02040503050406030204" pitchFamily="18" charset="0"/>
+                          </a:rPr>
+                          <m:t>w</m:t>
+                        </m:r>
+                      </m:sub>
+                    </m:sSub>
+                    <m:r>
+                      <a:rPr lang="en-US" altLang="zh-CN" b="0" i="1" dirty="0" smtClean="0">
+                        <a:latin typeface="Cambria Math" panose="02040503050406030204" pitchFamily="18" charset="0"/>
+                        <a:cs typeface="Cambria Math" panose="02040503050406030204" pitchFamily="18" charset="0"/>
+                      </a:rPr>
+                      <m:t>∗</m:t>
+                    </m:r>
+                    <m:sSub>
+                      <m:sSubPr>
+                        <m:ctrlPr>
+                          <a:rPr lang="en-US" altLang="zh-CN" b="0" i="1" dirty="0" smtClean="0">
+                            <a:latin typeface="Cambria Math" panose="02040503050406030204" pitchFamily="18" charset="0"/>
+                            <a:cs typeface="Cambria Math" panose="02040503050406030204" pitchFamily="18" charset="0"/>
+                          </a:rPr>
+                        </m:ctrlPr>
+                      </m:sSubPr>
+                      <m:e>
+                        <m:r>
+                          <m:rPr>
+                            <m:sty m:val="p"/>
+                          </m:rPr>
+                          <a:rPr lang="en-US" altLang="zh-CN" i="1" dirty="0">
+                            <a:latin typeface="Cambria Math" panose="02040503050406030204" pitchFamily="18" charset="0"/>
+                            <a:cs typeface="Cambria Math" panose="02040503050406030204" pitchFamily="18" charset="0"/>
+                          </a:rPr>
+                          <m:t>T</m:t>
+                        </m:r>
+                      </m:e>
+                      <m:sub>
+                        <m:r>
+                          <a:rPr lang="en-US" altLang="zh-CN" b="0" i="1" dirty="0" smtClean="0">
+                            <a:latin typeface="Cambria Math" panose="02040503050406030204" pitchFamily="18" charset="0"/>
+                            <a:cs typeface="Cambria Math" panose="02040503050406030204" pitchFamily="18" charset="0"/>
+                          </a:rPr>
+                          <m:t>𝑛</m:t>
+                        </m:r>
+                      </m:sub>
+                    </m:sSub>
+                    <m:r>
+                      <a:rPr lang="en-US" altLang="zh-CN" b="0" i="1" dirty="0" smtClean="0">
+                        <a:latin typeface="Cambria Math" panose="02040503050406030204" pitchFamily="18" charset="0"/>
+                        <a:cs typeface="Cambria Math" panose="02040503050406030204" pitchFamily="18" charset="0"/>
+                      </a:rPr>
+                      <m:t>∗</m:t>
+                    </m:r>
+                    <m:sSub>
+                      <m:sSubPr>
+                        <m:ctrlPr>
+                          <a:rPr lang="en-US" altLang="zh-CN" b="0" i="1" dirty="0" smtClean="0">
+                            <a:latin typeface="Cambria Math" panose="02040503050406030204" pitchFamily="18" charset="0"/>
+                            <a:cs typeface="Cambria Math" panose="02040503050406030204" pitchFamily="18" charset="0"/>
+                          </a:rPr>
+                        </m:ctrlPr>
+                      </m:sSubPr>
+                      <m:e>
+                        <m:r>
+                          <a:rPr lang="en-US" altLang="zh-CN" b="0" i="1" dirty="0" smtClean="0">
+                            <a:latin typeface="Cambria Math" panose="02040503050406030204" pitchFamily="18" charset="0"/>
+                            <a:cs typeface="Cambria Math" panose="02040503050406030204" pitchFamily="18" charset="0"/>
+                          </a:rPr>
+                          <m:t>𝑇</m:t>
+                        </m:r>
+                      </m:e>
+                      <m:sub>
+                        <m:r>
+                          <a:rPr lang="en-US" altLang="zh-CN" b="0" i="1" dirty="0" smtClean="0">
+                            <a:latin typeface="Cambria Math" panose="02040503050406030204" pitchFamily="18" charset="0"/>
+                            <a:cs typeface="Cambria Math" panose="02040503050406030204" pitchFamily="18" charset="0"/>
+                          </a:rPr>
+                          <m:t>𝑚</m:t>
+                        </m:r>
+                      </m:sub>
+                    </m:sSub>
+                  </m:oMath>
+                </a14:m>
+                <a:endParaRPr lang="en-US" altLang="zh-CN" b="0" dirty="0" smtClean="0">
+                  <a:latin typeface="Cambria Math" panose="02040503050406030204" pitchFamily="18" charset="0"/>
+                  <a:cs typeface="Cambria Math" panose="02040503050406030204" pitchFamily="18" charset="0"/>
+                </a:endParaRPr>
+              </a:p>
+              <a:p>
+                <a:pPr lvl="2"/>
+                <a14:m>
+                  <m:oMath xmlns:m="http://schemas.openxmlformats.org/officeDocument/2006/math">
+                    <m:sSub>
+                      <m:sSubPr>
+                        <m:ctrlPr>
+                          <a:rPr lang="en-US" altLang="zh-CN" b="0" i="1" dirty="0" smtClean="0">
+                            <a:latin typeface="Cambria Math" panose="02040503050406030204" pitchFamily="18" charset="0"/>
+                            <a:cs typeface="Cambria Math" panose="02040503050406030204" pitchFamily="18" charset="0"/>
+                          </a:rPr>
+                        </m:ctrlPr>
+                      </m:sSubPr>
+                      <m:e>
+                        <m:r>
+                          <m:rPr>
+                            <m:sty m:val="p"/>
+                          </m:rPr>
+                          <a:rPr lang="en-US" altLang="zh-CN" b="0" i="0" dirty="0" smtClean="0">
+                            <a:latin typeface="Cambria Math" panose="02040503050406030204" pitchFamily="18" charset="0"/>
+                            <a:cs typeface="Cambria Math" panose="02040503050406030204" pitchFamily="18" charset="0"/>
+                          </a:rPr>
+                          <m:t>t</m:t>
+                        </m:r>
+                      </m:e>
+                      <m:sub>
+                        <m:r>
+                          <m:rPr>
+                            <m:sty m:val="p"/>
+                          </m:rPr>
+                          <a:rPr lang="en-US" altLang="zh-CN" b="0" i="0" dirty="0" smtClean="0">
+                            <a:latin typeface="Cambria Math" panose="02040503050406030204" pitchFamily="18" charset="0"/>
+                            <a:cs typeface="Cambria Math" panose="02040503050406030204" pitchFamily="18" charset="0"/>
+                          </a:rPr>
+                          <m:t>comp</m:t>
+                        </m:r>
+                        <m:r>
+                          <a:rPr lang="zh-CN" altLang="en-US" i="1" dirty="0">
+                            <a:latin typeface="Cambria Math" panose="02040503050406030204" pitchFamily="18" charset="0"/>
+                            <a:cs typeface="Cambria Math" panose="02040503050406030204" pitchFamily="18" charset="0"/>
+                          </a:rPr>
+                          <m:t>（</m:t>
+                        </m:r>
+                        <m:sSubSup>
+                          <m:sSubSupPr>
+                            <m:ctrlPr>
+                              <a:rPr lang="zh-CN" altLang="zh-CN" i="1" kern="100">
+                                <a:latin typeface="Cambria Math" panose="02040503050406030204" pitchFamily="18" charset="0"/>
+                                <a:ea typeface="Cambria Math" panose="02040503050406030204" charset="0"/>
+                                <a:cs typeface="Times New Roman" panose="02020603050405020304" pitchFamily="18" charset="0"/>
+                              </a:rPr>
+                            </m:ctrlPr>
+                          </m:sSubSupPr>
+                          <m:e>
+                            <m:r>
+                              <a:rPr lang="en-US" altLang="zh-CN" i="1" kern="100">
+                                <a:latin typeface="Cambria Math" panose="02040503050406030204" charset="0"/>
+                                <a:cs typeface="Times New Roman" panose="02020603050405020304" pitchFamily="18" charset="0"/>
+                              </a:rPr>
+                              <m:t>𝑣</m:t>
+                            </m:r>
+                          </m:e>
+                          <m:sub>
+                            <m:r>
+                              <a:rPr lang="en-US" altLang="zh-CN" i="1" kern="100">
+                                <a:latin typeface="Cambria Math" panose="02040503050406030204" charset="0"/>
+                                <a:cs typeface="Times New Roman" panose="02020603050405020304" pitchFamily="18" charset="0"/>
+                              </a:rPr>
+                              <m:t>𝑖</m:t>
+                            </m:r>
+                          </m:sub>
+                          <m:sup>
+                            <m:r>
+                              <a:rPr lang="en-US" altLang="zh-CN" i="1" kern="100">
+                                <a:latin typeface="Cambria Math" panose="02040503050406030204" charset="0"/>
+                                <a:cs typeface="Times New Roman" panose="02020603050405020304" pitchFamily="18" charset="0"/>
+                              </a:rPr>
+                              <m:t>𝑘</m:t>
+                            </m:r>
+                          </m:sup>
+                        </m:sSubSup>
+                        <m:r>
+                          <a:rPr lang="en-US" altLang="zh-CN" i="1">
+                            <a:latin typeface="Cambria Math" panose="02040503050406030204" charset="0"/>
+                          </a:rPr>
+                          <m:t>,</m:t>
+                        </m:r>
+                        <m:sSub>
+                          <m:sSubPr>
+                            <m:ctrlPr>
+                              <a:rPr lang="en-US" altLang="zh-CN" i="1">
+                                <a:latin typeface="Cambria Math" panose="02040503050406030204" pitchFamily="18" charset="0"/>
+                              </a:rPr>
+                            </m:ctrlPr>
+                          </m:sSubPr>
+                          <m:e>
+                            <m:r>
+                              <a:rPr lang="en-US" altLang="zh-CN" i="1">
+                                <a:latin typeface="Cambria Math" panose="02040503050406030204" charset="0"/>
+                              </a:rPr>
+                              <m:t>𝑢</m:t>
+                            </m:r>
+                          </m:e>
+                          <m:sub>
+                            <m:r>
+                              <a:rPr lang="en-US" altLang="zh-CN" i="1">
+                                <a:latin typeface="Cambria Math" panose="02040503050406030204" charset="0"/>
+                              </a:rPr>
+                              <m:t>𝑗</m:t>
+                            </m:r>
+                          </m:sub>
+                        </m:sSub>
+                        <m:r>
+                          <a:rPr lang="zh-CN" altLang="en-US" i="1" dirty="0" smtClean="0">
+                            <a:latin typeface="Cambria Math" panose="02040503050406030204" pitchFamily="18" charset="0"/>
+                            <a:cs typeface="Cambria Math" panose="02040503050406030204" pitchFamily="18" charset="0"/>
+                          </a:rPr>
+                          <m:t>）</m:t>
+                        </m:r>
+                      </m:sub>
+                    </m:sSub>
+                    <m:r>
+                      <a:rPr lang="en-US" altLang="zh-CN" b="0" i="0" dirty="0" smtClean="0">
+                        <a:latin typeface="Cambria Math" panose="02040503050406030204" pitchFamily="18" charset="0"/>
+                        <a:cs typeface="Cambria Math" panose="02040503050406030204" pitchFamily="18" charset="0"/>
+                      </a:rPr>
+                      <m:t>=</m:t>
+                    </m:r>
+                    <m:sSub>
+                      <m:sSubPr>
+                        <m:ctrlPr>
+                          <a:rPr lang="en-US" altLang="zh-CN" b="0" i="1" dirty="0" smtClean="0">
+                            <a:latin typeface="Cambria Math" panose="02040503050406030204" pitchFamily="18" charset="0"/>
+                            <a:cs typeface="Cambria Math" panose="02040503050406030204" pitchFamily="18" charset="0"/>
+                          </a:rPr>
+                        </m:ctrlPr>
+                      </m:sSubPr>
+                      <m:e>
+                        <m:r>
+                          <m:rPr>
+                            <m:sty m:val="p"/>
+                          </m:rPr>
+                          <a:rPr lang="en-US" altLang="zh-CN" b="0" i="0" dirty="0" smtClean="0">
+                            <a:latin typeface="Cambria Math" panose="02040503050406030204" pitchFamily="18" charset="0"/>
+                            <a:cs typeface="Cambria Math" panose="02040503050406030204" pitchFamily="18" charset="0"/>
+                          </a:rPr>
+                          <m:t>t</m:t>
+                        </m:r>
+                      </m:e>
+                      <m:sub>
+                        <m:r>
+                          <m:rPr>
+                            <m:sty m:val="p"/>
+                          </m:rPr>
+                          <a:rPr lang="en-US" altLang="zh-CN" b="0" i="0" dirty="0" smtClean="0">
+                            <a:latin typeface="Cambria Math" panose="02040503050406030204" pitchFamily="18" charset="0"/>
+                            <a:cs typeface="Cambria Math" panose="02040503050406030204" pitchFamily="18" charset="0"/>
+                          </a:rPr>
+                          <m:t>mac</m:t>
+                        </m:r>
+                      </m:sub>
+                    </m:sSub>
+                    <m:r>
+                      <a:rPr lang="en-US" altLang="zh-CN" b="0" i="0" dirty="0" smtClean="0">
+                        <a:latin typeface="Cambria Math" panose="02040503050406030204" pitchFamily="18" charset="0"/>
+                        <a:cs typeface="Cambria Math" panose="02040503050406030204" pitchFamily="18" charset="0"/>
+                      </a:rPr>
+                      <m:t>∗</m:t>
+                    </m:r>
+                    <m:r>
+                      <m:rPr>
+                        <m:sty m:val="p"/>
+                      </m:rPr>
+                      <a:rPr lang="en-US" altLang="zh-CN" b="0" i="0" dirty="0" smtClean="0">
+                        <a:latin typeface="Cambria Math" panose="02040503050406030204" pitchFamily="18" charset="0"/>
+                        <a:cs typeface="Cambria Math" panose="02040503050406030204" pitchFamily="18" charset="0"/>
+                      </a:rPr>
+                      <m:t>c</m:t>
+                    </m:r>
+                  </m:oMath>
+                </a14:m>
+                <a:endParaRPr lang="en-US" altLang="zh-CN" dirty="0" smtClean="0">
+                  <a:latin typeface="Cambria Math" panose="02040503050406030204" pitchFamily="18" charset="0"/>
+                  <a:cs typeface="Cambria Math" panose="02040503050406030204" pitchFamily="18" charset="0"/>
+                </a:endParaRPr>
+              </a:p>
+              <a:p>
+                <a:pPr lvl="1"/>
+                <a:r>
+                  <a:rPr lang="zh-CN" altLang="en-US" dirty="0" smtClean="0">
+                    <a:latin typeface="Cambria Math" panose="02040503050406030204" pitchFamily="18" charset="0"/>
+                    <a:cs typeface="Cambria Math" panose="02040503050406030204" pitchFamily="18" charset="0"/>
+                  </a:rPr>
+                  <a:t>节点间通信</a:t>
+                </a:r>
+                <a:endParaRPr lang="en-US" altLang="zh-CN" dirty="0" smtClean="0">
+                  <a:latin typeface="Cambria Math" panose="02040503050406030204" pitchFamily="18" charset="0"/>
+                  <a:cs typeface="Cambria Math" panose="02040503050406030204" pitchFamily="18" charset="0"/>
+                </a:endParaRPr>
+              </a:p>
+              <a:p>
+                <a:pPr lvl="2"/>
+                <a14:m>
+                  <m:oMath xmlns:m="http://schemas.openxmlformats.org/officeDocument/2006/math">
+                    <m:sSub>
+                      <m:sSubPr>
+                        <m:ctrlPr>
+                          <a:rPr lang="en-US" altLang="zh-CN" i="1">
+                            <a:latin typeface="Cambria Math" panose="02040503050406030204" pitchFamily="18" charset="0"/>
+                            <a:cs typeface="Cambria Math" panose="02040503050406030204" charset="0"/>
+                          </a:rPr>
+                        </m:ctrlPr>
+                      </m:sSubPr>
+                      <m:e>
+                        <m:r>
+                          <a:rPr lang="en-US" altLang="zh-CN" i="1">
+                            <a:latin typeface="Cambria Math" panose="02040503050406030204" charset="0"/>
+                            <a:cs typeface="Cambria Math" panose="02040503050406030204" charset="0"/>
+                          </a:rPr>
+                          <m:t>𝜀</m:t>
+                        </m:r>
+                      </m:e>
+                      <m:sub>
+                        <m:r>
+                          <m:rPr>
+                            <m:sty m:val="p"/>
+                          </m:rPr>
+                          <a:rPr lang="en-US" altLang="zh-CN" i="1">
+                            <a:latin typeface="Cambria Math" panose="02040503050406030204" pitchFamily="18" charset="0"/>
+                            <a:cs typeface="Cambria Math" panose="02040503050406030204" charset="0"/>
+                          </a:rPr>
+                          <m:t>k</m:t>
+                        </m:r>
+                        <m:r>
+                          <a:rPr lang="en-US" altLang="zh-CN" i="1">
+                            <a:latin typeface="Cambria Math" panose="02040503050406030204" charset="0"/>
+                            <a:cs typeface="Cambria Math" panose="02040503050406030204" charset="0"/>
+                          </a:rPr>
+                          <m:t>𝑗</m:t>
+                        </m:r>
+                      </m:sub>
+                    </m:sSub>
+                    <m:r>
+                      <a:rPr lang="en-US" altLang="zh-CN" b="0" i="1" dirty="0" smtClean="0">
+                        <a:latin typeface="Cambria Math" panose="02040503050406030204" pitchFamily="18" charset="0"/>
+                        <a:cs typeface="Cambria Math" panose="02040503050406030204" pitchFamily="18" charset="0"/>
+                      </a:rPr>
+                      <m:t>=</m:t>
+                    </m:r>
+                    <m:r>
+                      <m:rPr>
+                        <m:nor/>
+                      </m:rPr>
+                      <a:rPr lang="en-US" altLang="zh-CN" dirty="0">
+                        <a:latin typeface="Cambria Math" panose="02040503050406030204" pitchFamily="18" charset="0"/>
+                      </a:rPr>
+                      <m:t>h</m:t>
+                    </m:r>
+                    <m:r>
+                      <m:rPr>
+                        <m:nor/>
+                      </m:rPr>
+                      <a:rPr lang="en-US" altLang="zh-CN" dirty="0">
+                        <a:latin typeface="Cambria Math" panose="02040503050406030204" pitchFamily="18" charset="0"/>
+                      </a:rPr>
+                      <m:t>/</m:t>
+                    </m:r>
+                    <m:r>
+                      <m:rPr>
+                        <m:nor/>
+                      </m:rPr>
+                      <a:rPr lang="en-US" altLang="zh-CN" dirty="0">
+                        <a:latin typeface="Cambria Math" panose="02040503050406030204" pitchFamily="18" charset="0"/>
+                      </a:rPr>
+                      <m:t>v</m:t>
+                    </m:r>
+                  </m:oMath>
+                </a14:m>
+                <a:r>
+                  <a:rPr lang="zh-CN" altLang="en-US" dirty="0" smtClean="0">
+                    <a:latin typeface="Cambria Math" panose="02040503050406030204" pitchFamily="18" charset="0"/>
+                    <a:cs typeface="Cambria Math" panose="02040503050406030204" pitchFamily="18" charset="0"/>
+                  </a:rPr>
+                  <a:t>，</a:t>
                 </a:r>
                 <a:endParaRPr lang="en-US" altLang="zh-CN" dirty="0" smtClean="0">
                   <a:latin typeface="Cambria Math" panose="02040503050406030204" pitchFamily="18" charset="0"/>
@@ -29328,158 +30938,50 @@
                 <a:r>
                   <a:rPr lang="en-US" altLang="zh-CN" dirty="0" smtClean="0">
                     <a:latin typeface="Cambria Math" panose="02040503050406030204" pitchFamily="18" charset="0"/>
-                    <a:cs typeface="Cambria Math" panose="02040503050406030204" pitchFamily="18" charset="0"/>
                   </a:rPr>
-                  <a:t>H = {q, </a:t>
+                  <a:t> </a:t>
                 </a:r>
                 <a:r>
-                  <a:rPr lang="en-US" altLang="zh-CN" dirty="0" err="1" smtClean="0">
+                  <a:rPr lang="en-US" altLang="zh-CN" dirty="0">
                     <a:latin typeface="Cambria Math" panose="02040503050406030204" pitchFamily="18" charset="0"/>
-                    <a:cs typeface="Cambria Math" panose="02040503050406030204" pitchFamily="18" charset="0"/>
                   </a:rPr>
-                  <a:t>Nt</a:t>
+                  <a:t>h</a:t>
                 </a:r>
                 <a:r>
-                  <a:rPr lang="en-US" altLang="zh-CN" dirty="0" smtClean="0">
+                  <a:rPr lang="zh-CN" altLang="en-US" dirty="0">
                     <a:latin typeface="Cambria Math" panose="02040503050406030204" pitchFamily="18" charset="0"/>
-                    <a:cs typeface="Cambria Math" panose="02040503050406030204" pitchFamily="18" charset="0"/>
                   </a:rPr>
-                  <a:t>, </a:t>
+                  <a:t>是线长，</a:t>
                 </a:r>
                 <a:r>
-                  <a:rPr lang="en-US" altLang="zh-CN" dirty="0" err="1" smtClean="0">
+                  <a:rPr lang="en-US" altLang="zh-CN" dirty="0">
                     <a:latin typeface="Cambria Math" panose="02040503050406030204" pitchFamily="18" charset="0"/>
-                    <a:cs typeface="Cambria Math" panose="02040503050406030204" pitchFamily="18" charset="0"/>
                   </a:rPr>
-                  <a:t>Nc</a:t>
+                  <a:t>v</a:t>
                 </a:r>
                 <a:r>
-                  <a:rPr lang="en-US" altLang="zh-CN" dirty="0" smtClean="0">
+                  <a:rPr lang="zh-CN" altLang="en-US" dirty="0">
                     <a:latin typeface="Cambria Math" panose="02040503050406030204" pitchFamily="18" charset="0"/>
-                    <a:cs typeface="Cambria Math" panose="02040503050406030204" pitchFamily="18" charset="0"/>
                   </a:rPr>
-                  <a:t>, </a:t>
-                </a:r>
-                <a:r>
-                  <a:rPr lang="en-US" altLang="zh-CN" dirty="0" err="1" smtClean="0">
-                    <a:latin typeface="Cambria Math" panose="02040503050406030204" pitchFamily="18" charset="0"/>
-                    <a:cs typeface="Cambria Math" panose="02040503050406030204" pitchFamily="18" charset="0"/>
-                  </a:rPr>
-                  <a:t>buf</a:t>
-                </a:r>
-                <a:r>
-                  <a:rPr lang="en-US" altLang="zh-CN" dirty="0" smtClean="0">
-                    <a:latin typeface="Cambria Math" panose="02040503050406030204" pitchFamily="18" charset="0"/>
-                    <a:cs typeface="Cambria Math" panose="02040503050406030204" pitchFamily="18" charset="0"/>
-                  </a:rPr>
-                  <a:t>, T}, </a:t>
-                </a:r>
-                <a:r>
-                  <a:rPr lang="zh-CN" altLang="en-US" dirty="0" smtClean="0">
-                    <a:latin typeface="Cambria Math" panose="02040503050406030204" pitchFamily="18" charset="0"/>
-                    <a:cs typeface="Cambria Math" panose="02040503050406030204" pitchFamily="18" charset="0"/>
-                  </a:rPr>
-                  <a:t>其中</a:t>
-                </a:r>
-                <a:r>
-                  <a:rPr lang="en-US" altLang="zh-CN" dirty="0" smtClean="0">
-                    <a:latin typeface="Cambria Math" panose="02040503050406030204" pitchFamily="18" charset="0"/>
-                    <a:cs typeface="Cambria Math" panose="02040503050406030204" pitchFamily="18" charset="0"/>
-                  </a:rPr>
-                  <a:t>q</a:t>
-                </a:r>
-                <a:r>
-                  <a:rPr lang="zh-CN" altLang="en-US" dirty="0" smtClean="0">
-                    <a:latin typeface="Cambria Math" panose="02040503050406030204" pitchFamily="18" charset="0"/>
-                    <a:cs typeface="Cambria Math" panose="02040503050406030204" pitchFamily="18" charset="0"/>
-                  </a:rPr>
-                  <a:t>是</a:t>
-                </a:r>
-                <a:r>
-                  <a:rPr lang="en-US" altLang="zh-CN" dirty="0" smtClean="0">
-                    <a:latin typeface="Cambria Math" panose="02040503050406030204" pitchFamily="18" charset="0"/>
-                    <a:cs typeface="Cambria Math" panose="02040503050406030204" pitchFamily="18" charset="0"/>
-                  </a:rPr>
-                  <a:t>quantization rate</a:t>
-                </a:r>
-                <a:r>
-                  <a:rPr lang="zh-CN" altLang="en-US" dirty="0" smtClean="0">
-                    <a:latin typeface="Cambria Math" panose="02040503050406030204" pitchFamily="18" charset="0"/>
-                    <a:cs typeface="Cambria Math" panose="02040503050406030204" pitchFamily="18" charset="0"/>
-                  </a:rPr>
-                  <a:t>，</a:t>
-                </a:r>
-                <a:r>
-                  <a:rPr lang="en-US" altLang="zh-CN" dirty="0" err="1" smtClean="0">
-                    <a:latin typeface="Cambria Math" panose="02040503050406030204" pitchFamily="18" charset="0"/>
-                    <a:cs typeface="Cambria Math" panose="02040503050406030204" pitchFamily="18" charset="0"/>
-                  </a:rPr>
-                  <a:t>Nt</a:t>
-                </a:r>
-                <a:r>
-                  <a:rPr lang="zh-CN" altLang="en-US" dirty="0" smtClean="0">
-                    <a:latin typeface="Cambria Math" panose="02040503050406030204" pitchFamily="18" charset="0"/>
-                    <a:cs typeface="Cambria Math" panose="02040503050406030204" pitchFamily="18" charset="0"/>
-                  </a:rPr>
-                  <a:t>、</a:t>
-                </a:r>
-                <a:r>
-                  <a:rPr lang="en-US" altLang="zh-CN" dirty="0" err="1" smtClean="0">
-                    <a:latin typeface="Cambria Math" panose="02040503050406030204" pitchFamily="18" charset="0"/>
-                    <a:cs typeface="Cambria Math" panose="02040503050406030204" pitchFamily="18" charset="0"/>
-                  </a:rPr>
-                  <a:t>Nc</a:t>
-                </a:r>
-                <a:r>
-                  <a:rPr lang="zh-CN" altLang="en-US" dirty="0" smtClean="0">
-                    <a:latin typeface="Cambria Math" panose="02040503050406030204" pitchFamily="18" charset="0"/>
-                    <a:cs typeface="Cambria Math" panose="02040503050406030204" pitchFamily="18" charset="0"/>
-                  </a:rPr>
-                  <a:t>是</a:t>
-                </a:r>
-                <a:r>
-                  <a:rPr lang="en-US" altLang="zh-CN" dirty="0" err="1" smtClean="0">
-                    <a:latin typeface="Cambria Math" panose="02040503050406030204" pitchFamily="18" charset="0"/>
-                    <a:cs typeface="Cambria Math" panose="02040503050406030204" pitchFamily="18" charset="0"/>
-                  </a:rPr>
-                  <a:t>chiplet</a:t>
-                </a:r>
-                <a:r>
-                  <a:rPr lang="zh-CN" altLang="en-US" dirty="0" smtClean="0">
-                    <a:latin typeface="Cambria Math" panose="02040503050406030204" pitchFamily="18" charset="0"/>
-                    <a:cs typeface="Cambria Math" panose="02040503050406030204" pitchFamily="18" charset="0"/>
-                  </a:rPr>
-                  <a:t>个数和大小，</a:t>
-                </a:r>
-                <a:r>
-                  <a:rPr lang="en-US" altLang="zh-CN" dirty="0" err="1" smtClean="0">
-                    <a:latin typeface="Cambria Math" panose="02040503050406030204" pitchFamily="18" charset="0"/>
-                    <a:cs typeface="Cambria Math" panose="02040503050406030204" pitchFamily="18" charset="0"/>
-                  </a:rPr>
-                  <a:t>buf</a:t>
-                </a:r>
-                <a:r>
-                  <a:rPr lang="zh-CN" altLang="en-US" dirty="0" smtClean="0">
-                    <a:latin typeface="Cambria Math" panose="02040503050406030204" pitchFamily="18" charset="0"/>
-                    <a:cs typeface="Cambria Math" panose="02040503050406030204" pitchFamily="18" charset="0"/>
-                  </a:rPr>
-                  <a:t>是</a:t>
-                </a:r>
-                <a:r>
-                  <a:rPr lang="en-US" altLang="zh-CN" dirty="0" smtClean="0">
-                    <a:latin typeface="Cambria Math" panose="02040503050406030204" pitchFamily="18" charset="0"/>
-                    <a:cs typeface="Cambria Math" panose="02040503050406030204" pitchFamily="18" charset="0"/>
-                  </a:rPr>
-                  <a:t>buffer size, T</a:t>
-                </a:r>
-                <a:r>
-                  <a:rPr lang="zh-CN" altLang="en-US" dirty="0" smtClean="0">
-                    <a:latin typeface="Cambria Math" panose="02040503050406030204" pitchFamily="18" charset="0"/>
-                    <a:cs typeface="Cambria Math" panose="02040503050406030204" pitchFamily="18" charset="0"/>
-                  </a:rPr>
-                  <a:t>是硬件拓扑结构</a:t>
+                  <a:t>是电磁波在给定介质中的传播速度；</a:t>
                 </a:r>
                 <a:endParaRPr lang="en-US" altLang="zh-CN" dirty="0" smtClean="0">
+                  <a:latin typeface="Cambria Math" panose="02040503050406030204" pitchFamily="18" charset="0"/>
+                  <a:cs typeface="Cambria Math" panose="02040503050406030204" pitchFamily="18" charset="0"/>
+                </a:endParaRPr>
+              </a:p>
+              <a:p>
+                <a:pPr lvl="2"/>
+                <a:endParaRPr lang="en-US" altLang="zh-CN" dirty="0">
+                  <a:latin typeface="Cambria Math" panose="02040503050406030204" pitchFamily="18" charset="0"/>
+                  <a:cs typeface="Cambria Math" panose="02040503050406030204" pitchFamily="18" charset="0"/>
+                </a:endParaRPr>
+              </a:p>
+              <a:p>
+                <a:pPr marL="914400" lvl="2" indent="0">
+                  <a:buNone/>
+                </a:pPr>
+                <a:endParaRPr lang="en-US" altLang="zh-CN" dirty="0">
                   <a:latin typeface="Cambria Math" panose="02040503050406030204" pitchFamily="18" charset="0"/>
                   <a:cs typeface="Cambria Math" panose="02040503050406030204" pitchFamily="18" charset="0"/>
                 </a:endParaRPr>
@@ -29490,7 +30992,7 @@
         <mc:Fallback xmlns="">
           <p:sp>
             <p:nvSpPr>
-              <p:cNvPr id="15" name="内容占位符 2"/>
+              <p:cNvPr id="43" name="内容占位符 2"/>
               <p:cNvSpPr txBox="1">
                 <a:spLocks noRot="1" noChangeAspect="1" noMove="1" noResize="1" noEditPoints="1" noAdjustHandles="1" noChangeArrowheads="1" noChangeShapeType="1" noTextEdit="1"/>
               </p:cNvSpPr>
@@ -29498,16 +31000,16 @@
             </p:nvSpPr>
             <p:spPr>
               <a:xfrm>
-                <a:off x="577850" y="1199555"/>
+                <a:off x="214613" y="863600"/>
                 <a:ext cx="10515600" cy="4351338"/>
               </a:xfrm>
               <a:prstGeom prst="rect">
                 <a:avLst/>
               </a:prstGeom>
               <a:blipFill rotWithShape="0">
-                <a:blip r:embed="rId3"/>
+                <a:blip r:embed="rId2"/>
                 <a:stretch>
-                  <a:fillRect r="-522"/>
+                  <a:fillRect/>
                 </a:stretch>
               </a:blipFill>
             </p:spPr>
@@ -29526,65 +31028,19 @@
           </p:sp>
         </mc:Fallback>
       </mc:AlternateContent>
-      <p:sp>
-        <p:nvSpPr>
-          <p:cNvPr id="2" name="标题 1"/>
-          <p:cNvSpPr>
-            <a:spLocks noGrp="1"/>
-          </p:cNvSpPr>
-          <p:nvPr>
-            <p:ph type="title"/>
-          </p:nvPr>
-        </p:nvSpPr>
-        <p:spPr/>
-        <p:txBody>
-          <a:bodyPr/>
-          <a:lstStyle/>
-          <a:p>
-            <a:r>
-              <a:rPr lang="en-US" altLang="zh-CN" b="1" dirty="0" smtClean="0"/>
-              <a:t>Objective Function</a:t>
-            </a:r>
-            <a:endParaRPr lang="zh-CN" altLang="en-US" b="1" dirty="0"/>
-          </a:p>
-        </p:txBody>
-      </p:sp>
-      <p:sp>
-        <p:nvSpPr>
-          <p:cNvPr id="11" name="灯片编号占位符 10"/>
-          <p:cNvSpPr>
-            <a:spLocks noGrp="1"/>
-          </p:cNvSpPr>
-          <p:nvPr>
-            <p:ph type="sldNum" sz="quarter" idx="12"/>
-          </p:nvPr>
-        </p:nvSpPr>
-        <p:spPr/>
-        <p:txBody>
-          <a:bodyPr/>
-          <a:lstStyle/>
-          <a:p>
-            <a:fld id="{C102C7BA-A18E-41F7-855F-B9281AA705A6}" type="slidenum">
-              <a:rPr lang="zh-CN" altLang="en-US" smtClean="0"/>
-              <a:t>22</a:t>
-            </a:fld>
-            <a:endParaRPr lang="zh-CN" altLang="en-US" dirty="0"/>
-          </a:p>
-        </p:txBody>
-      </p:sp>
       <p:pic>
         <p:nvPicPr>
-          <p:cNvPr id="12" name="图片 11" descr="31393938393834313b31393939353234333bcbaed6e9d0ce"/>
+          <p:cNvPr id="3" name="图片 2"/>
           <p:cNvPicPr>
             <a:picLocks noChangeAspect="1"/>
           </p:cNvPicPr>
           <p:nvPr/>
         </p:nvPicPr>
         <p:blipFill>
-          <a:blip r:embed="rId4">
+          <a:blip r:embed="rId3">
             <a:extLst>
-              <a:ext uri="{96DAC541-7B7A-43D3-8B79-37D633B846F1}">
-                <asvg:svgBlip xmlns:asvg="http://schemas.microsoft.com/office/drawing/2016/SVG/main" xmlns="" r:embed="rId5"/>
+              <a:ext uri="{28A0092B-C50C-407E-A947-70E740481C1C}">
+                <a14:useLocalDpi xmlns:a14="http://schemas.microsoft.com/office/drawing/2010/main" val="0"/>
               </a:ext>
             </a:extLst>
           </a:blip>
@@ -29593,74 +31049,90 @@
           </a:stretch>
         </p:blipFill>
         <p:spPr>
-          <a:xfrm flipH="1">
-            <a:off x="676275" y="1247746"/>
-            <a:ext cx="243205" cy="243205"/>
+          <a:xfrm>
+            <a:off x="6620719" y="3332506"/>
+            <a:ext cx="5020814" cy="3044229"/>
           </a:xfrm>
           <a:prstGeom prst="rect">
             <a:avLst/>
           </a:prstGeom>
         </p:spPr>
       </p:pic>
-      <p:pic>
-        <p:nvPicPr>
-          <p:cNvPr id="16" name="图片 15" descr="31393938393834313b31393939353234333bcbaed6e9d0ce"/>
-          <p:cNvPicPr>
-            <a:picLocks noChangeAspect="1"/>
-          </p:cNvPicPr>
+      <p:sp>
+        <p:nvSpPr>
+          <p:cNvPr id="5" name="标题 1"/>
+          <p:cNvSpPr>
+            <a:spLocks noGrp="1"/>
+          </p:cNvSpPr>
+          <p:nvPr>
+            <p:ph type="title"/>
+          </p:nvPr>
+        </p:nvSpPr>
+        <p:spPr>
+          <a:xfrm>
+            <a:off x="577850" y="323561"/>
+            <a:ext cx="10515600" cy="540039"/>
+          </a:xfrm>
+        </p:spPr>
+        <p:txBody>
+          <a:bodyPr/>
+          <a:lstStyle/>
+          <a:p>
+            <a:r>
+              <a:rPr lang="en-US" altLang="zh-CN" b="1" dirty="0" smtClean="0"/>
+              <a:t>Objective Function</a:t>
+            </a:r>
+            <a:endParaRPr lang="zh-CN" altLang="en-US" b="1" dirty="0"/>
+          </a:p>
+        </p:txBody>
+      </p:sp>
+      <p:sp>
+        <p:nvSpPr>
+          <p:cNvPr id="6" name="矩形 5"/>
+          <p:cNvSpPr/>
           <p:nvPr/>
-        </p:nvPicPr>
-        <p:blipFill>
-          <a:blip r:embed="rId4">
-            <a:extLst>
-              <a:ext uri="{96DAC541-7B7A-43D3-8B79-37D633B846F1}">
-                <asvg:svgBlip xmlns:asvg="http://schemas.microsoft.com/office/drawing/2016/SVG/main" xmlns="" r:embed="rId5"/>
-              </a:ext>
-            </a:extLst>
-          </a:blip>
-          <a:stretch>
-            <a:fillRect/>
-          </a:stretch>
-        </p:blipFill>
+        </p:nvSpPr>
         <p:spPr>
-          <a:xfrm flipH="1">
-            <a:off x="684297" y="2021514"/>
-            <a:ext cx="243205" cy="243205"/>
+          <a:xfrm>
+            <a:off x="8455510" y="6336539"/>
+            <a:ext cx="1265090" cy="369332"/>
           </a:xfrm>
           <a:prstGeom prst="rect">
             <a:avLst/>
           </a:prstGeom>
         </p:spPr>
-      </p:pic>
+        <p:txBody>
+          <a:bodyPr wrap="none">
+            <a:spAutoFit/>
+          </a:bodyPr>
+          <a:lstStyle/>
+          <a:p>
+            <a:r>
+              <a:rPr lang="en-US" altLang="zh-CN" dirty="0" smtClean="0"/>
+              <a:t>Fig.</a:t>
+            </a:r>
+            <a:r>
+              <a:rPr lang="zh-CN" altLang="en-US" dirty="0" smtClean="0"/>
+              <a:t>示意图</a:t>
+            </a:r>
+            <a:endParaRPr lang="zh-CN" altLang="en-US" dirty="0"/>
+          </a:p>
+        </p:txBody>
+      </p:sp>
     </p:spTree>
     <p:extLst>
       <p:ext uri="{BB962C8B-B14F-4D97-AF65-F5344CB8AC3E}">
-        <p14:creationId xmlns:p14="http://schemas.microsoft.com/office/powerpoint/2010/main" val="3421324449"/>
+        <p14:creationId xmlns:p14="http://schemas.microsoft.com/office/powerpoint/2010/main" val="2810378511"/>
       </p:ext>
     </p:extLst>
   </p:cSld>
   <p:clrMapOvr>
     <a:masterClrMapping/>
   </p:clrMapOvr>
-  <mc:AlternateContent xmlns:mc="http://schemas.openxmlformats.org/markup-compatibility/2006" xmlns:p14="http://schemas.microsoft.com/office/powerpoint/2010/main">
-    <mc:Choice Requires="p14">
-      <p:transition spd="slow" p14:dur="2000" advTm="3640"/>
-    </mc:Choice>
-    <mc:Fallback xmlns="">
-      <p:transition spd="slow" advTm="3640"/>
-    </mc:Fallback>
-  </mc:AlternateContent>
-  <p:timing>
-    <p:tnLst>
-      <p:par>
-        <p:cTn id="1" dur="indefinite" restart="never" nodeType="tmRoot"/>
-      </p:par>
-    </p:tnLst>
-  </p:timing>
 </p:sld>
 </file>
 
-<file path=ppt/slides/slide23.xml><?xml version="1.0" encoding="utf-8"?>
+<file path=ppt/slides/slide25.xml><?xml version="1.0" encoding="utf-8"?>
 <p:sld xmlns:a="http://schemas.openxmlformats.org/drawingml/2006/main" xmlns:r="http://schemas.openxmlformats.org/officeDocument/2006/relationships" xmlns:p="http://schemas.openxmlformats.org/presentationml/2006/main">
   <p:cSld>
     <p:spTree>
@@ -29697,7 +31169,7 @@
 </p:sld>
 </file>
 
-<file path=ppt/slides/slide24.xml><?xml version="1.0" encoding="utf-8"?>
+<file path=ppt/slides/slide26.xml><?xml version="1.0" encoding="utf-8"?>
 <p:sld xmlns:a="http://schemas.openxmlformats.org/drawingml/2006/main" xmlns:r="http://schemas.openxmlformats.org/officeDocument/2006/relationships" xmlns:p="http://schemas.openxmlformats.org/presentationml/2006/main">
   <p:cSld>
     <p:spTree>
